--- a/AdditionalMaterials/BookPPTs/Chap3.pptx
+++ b/AdditionalMaterials/BookPPTs/Chap3.pptx
@@ -602,7 +602,7 @@
           <a:p>
             <a:fld id="{0E6BA319-05E9-49EE-8F99-CA1240CA2757}" type="datetimeFigureOut">
               <a:rPr lang="en-US" smtClean="0"/>
-              <a:t>7/16/2017</a:t>
+              <a:t>3/25/2019</a:t>
             </a:fld>
             <a:endParaRPr lang="en-US"/>
           </a:p>
@@ -806,7 +806,7 @@
           <a:p>
             <a:fld id="{0E6BA319-05E9-49EE-8F99-CA1240CA2757}" type="datetimeFigureOut">
               <a:rPr lang="en-US" smtClean="0"/>
-              <a:t>7/16/2017</a:t>
+              <a:t>3/25/2019</a:t>
             </a:fld>
             <a:endParaRPr lang="en-US"/>
           </a:p>
@@ -1561,7 +1561,7 @@
           <a:p>
             <a:fld id="{0E6BA319-05E9-49EE-8F99-CA1240CA2757}" type="datetimeFigureOut">
               <a:rPr lang="en-US" smtClean="0"/>
-              <a:t>7/16/2017</a:t>
+              <a:t>3/25/2019</a:t>
             </a:fld>
             <a:endParaRPr lang="en-US"/>
           </a:p>
@@ -1817,7 +1817,7 @@
           <a:p>
             <a:fld id="{0E6BA319-05E9-49EE-8F99-CA1240CA2757}" type="datetimeFigureOut">
               <a:rPr lang="en-US" smtClean="0"/>
-              <a:t>7/16/2017</a:t>
+              <a:t>3/25/2019</a:t>
             </a:fld>
             <a:endParaRPr lang="en-US"/>
           </a:p>
@@ -2208,7 +2208,7 @@
           <a:p>
             <a:fld id="{0E6BA319-05E9-49EE-8F99-CA1240CA2757}" type="datetimeFigureOut">
               <a:rPr lang="en-US" smtClean="0"/>
-              <a:t>7/16/2017</a:t>
+              <a:t>3/25/2019</a:t>
             </a:fld>
             <a:endParaRPr lang="en-US"/>
           </a:p>
@@ -2350,7 +2350,7 @@
           <a:p>
             <a:fld id="{0E6BA319-05E9-49EE-8F99-CA1240CA2757}" type="datetimeFigureOut">
               <a:rPr lang="en-US" smtClean="0"/>
-              <a:t>7/16/2017</a:t>
+              <a:t>3/25/2019</a:t>
             </a:fld>
             <a:endParaRPr lang="en-US"/>
           </a:p>
@@ -2469,7 +2469,7 @@
           <a:p>
             <a:fld id="{0E6BA319-05E9-49EE-8F99-CA1240CA2757}" type="datetimeFigureOut">
               <a:rPr lang="en-US" smtClean="0"/>
-              <a:t>7/16/2017</a:t>
+              <a:t>3/25/2019</a:t>
             </a:fld>
             <a:endParaRPr lang="en-US"/>
           </a:p>
@@ -2770,7 +2770,7 @@
           <a:p>
             <a:fld id="{0E6BA319-05E9-49EE-8F99-CA1240CA2757}" type="datetimeFigureOut">
               <a:rPr lang="en-US" smtClean="0"/>
-              <a:t>7/16/2017</a:t>
+              <a:t>3/25/2019</a:t>
             </a:fld>
             <a:endParaRPr lang="en-US"/>
           </a:p>
@@ -3047,7 +3047,7 @@
           <a:p>
             <a:fld id="{0E6BA319-05E9-49EE-8F99-CA1240CA2757}" type="datetimeFigureOut">
               <a:rPr lang="en-US" smtClean="0"/>
-              <a:t>7/16/2017</a:t>
+              <a:t>3/25/2019</a:t>
             </a:fld>
             <a:endParaRPr lang="en-US"/>
           </a:p>
@@ -14835,7 +14835,15 @@
             </a:pPr>
             <a:r>
               <a:rPr lang="en-US" dirty="0"/>
-              <a:t>        -2,     // distance to left of WC</a:t>
+              <a:t>        </a:t>
+            </a:r>
+            <a:r>
+              <a:rPr lang="en-US" dirty="0" smtClean="0"/>
+              <a:t>-4,     </a:t>
+            </a:r>
+            <a:r>
+              <a:rPr lang="en-US" dirty="0"/>
+              <a:t>// distance to left of WC</a:t>
             </a:r>
           </a:p>
           <a:p>
@@ -14844,7 +14852,15 @@
             </a:pPr>
             <a:r>
               <a:rPr lang="en-US" dirty="0"/>
-              <a:t>         2,     // distance to right of WC</a:t>
+              <a:t>         </a:t>
+            </a:r>
+            <a:r>
+              <a:rPr lang="en-US" dirty="0" smtClean="0"/>
+              <a:t>4,     </a:t>
+            </a:r>
+            <a:r>
+              <a:rPr lang="en-US" dirty="0"/>
+              <a:t>// distance to right of WC</a:t>
             </a:r>
           </a:p>
           <a:p>
@@ -14853,7 +14869,15 @@
             </a:pPr>
             <a:r>
               <a:rPr lang="en-US" dirty="0"/>
-              <a:t>        -4,      // distance to bottom of WC</a:t>
+              <a:t>        </a:t>
+            </a:r>
+            <a:r>
+              <a:rPr lang="en-US" dirty="0" smtClean="0"/>
+              <a:t>-2,      </a:t>
+            </a:r>
+            <a:r>
+              <a:rPr lang="en-US" dirty="0"/>
+              <a:t>// distance to bottom of WC</a:t>
             </a:r>
           </a:p>
           <a:p>
@@ -14862,7 +14886,15 @@
             </a:pPr>
             <a:r>
               <a:rPr lang="en-US" dirty="0"/>
-              <a:t>         4,      // distance to top of WC</a:t>
+              <a:t>         </a:t>
+            </a:r>
+            <a:r>
+              <a:rPr lang="en-US" dirty="0" smtClean="0"/>
+              <a:t>2,      </a:t>
+            </a:r>
+            <a:r>
+              <a:rPr lang="en-US" dirty="0"/>
+              <a:t>// distance to top of WC</a:t>
             </a:r>
           </a:p>
           <a:p>
@@ -15153,18 +15185,39 @@
                   <a:schemeClr val="tx1"/>
                 </a:solidFill>
               </a:rPr>
-              <a:t>Visible width is: 4</a:t>
-            </a:r>
-          </a:p>
-          <a:p>
-            <a:pPr algn="ctr"/>
+              <a:t>Visible width is: </a:t>
+            </a:r>
             <a:r>
               <a:rPr lang="en-US" sz="2000" dirty="0" smtClean="0">
                 <a:solidFill>
                   <a:schemeClr val="tx1"/>
                 </a:solidFill>
               </a:rPr>
-              <a:t>Visible Height is: 8</a:t>
+              <a:t>8</a:t>
+            </a:r>
+            <a:endParaRPr lang="en-US" sz="2000" dirty="0" smtClean="0">
+              <a:solidFill>
+                <a:schemeClr val="tx1"/>
+              </a:solidFill>
+            </a:endParaRPr>
+          </a:p>
+          <a:p>
+            <a:pPr algn="ctr"/>
+            <a:r>
+              <a:rPr lang="en-US" sz="2000" dirty="0" smtClean="0">
+                <a:solidFill>
+                  <a:schemeClr val="tx1"/>
+                </a:solidFill>
+              </a:rPr>
+              <a:t>Visible Height is: </a:t>
+            </a:r>
+            <a:r>
+              <a:rPr lang="en-US" sz="2000" dirty="0" smtClean="0">
+                <a:solidFill>
+                  <a:schemeClr val="tx1"/>
+                </a:solidFill>
+              </a:rPr>
+              <a:t>4</a:t>
             </a:r>
             <a:endParaRPr lang="en-US" sz="2000" dirty="0">
               <a:solidFill>
@@ -15592,7 +15645,7 @@
             </a:r>
             <a:r>
               <a:rPr lang="en-US" dirty="0" smtClean="0"/>
-              <a:t>-1.1,     </a:t>
+              <a:t>-2.1,     </a:t>
             </a:r>
             <a:r>
               <a:rPr lang="en-US" dirty="0"/>
@@ -15609,7 +15662,11 @@
             </a:r>
             <a:r>
               <a:rPr lang="en-US" dirty="0" smtClean="0"/>
-              <a:t>1.1,     </a:t>
+              <a:t>2</a:t>
+            </a:r>
+            <a:r>
+              <a:rPr lang="en-US" dirty="0" smtClean="0"/>
+              <a:t>.1,     </a:t>
             </a:r>
             <a:r>
               <a:rPr lang="en-US" dirty="0"/>
@@ -15626,7 +15683,11 @@
             </a:r>
             <a:r>
               <a:rPr lang="en-US" dirty="0" smtClean="0"/>
-              <a:t>--2.1,      </a:t>
+              <a:t>-1.1</a:t>
+            </a:r>
+            <a:r>
+              <a:rPr lang="en-US" dirty="0" smtClean="0"/>
+              <a:t>,      </a:t>
             </a:r>
             <a:r>
               <a:rPr lang="en-US" dirty="0"/>
@@ -15642,8 +15703,16 @@
               <a:t>         </a:t>
             </a:r>
             <a:r>
-              <a:rPr lang="en-US" dirty="0" smtClean="0"/>
-              <a:t>2.1,      </a:t>
+              <a:rPr lang="en-US" dirty="0"/>
+              <a:t>1</a:t>
+            </a:r>
+            <a:r>
+              <a:rPr lang="en-US" dirty="0" smtClean="0"/>
+              <a:t>.1</a:t>
+            </a:r>
+            <a:r>
+              <a:rPr lang="en-US" dirty="0" smtClean="0"/>
+              <a:t>,      </a:t>
             </a:r>
             <a:r>
               <a:rPr lang="en-US" dirty="0"/>
@@ -15938,18 +16007,39 @@
                   <a:schemeClr val="tx1"/>
                 </a:solidFill>
               </a:rPr>
-              <a:t>Visible width is: 2.2</a:t>
-            </a:r>
-          </a:p>
-          <a:p>
-            <a:pPr algn="ctr"/>
+              <a:t>Visible width is: </a:t>
+            </a:r>
             <a:r>
               <a:rPr lang="en-US" sz="2000" dirty="0" smtClean="0">
                 <a:solidFill>
                   <a:schemeClr val="tx1"/>
                 </a:solidFill>
               </a:rPr>
-              <a:t>Visible Height is: 4.2</a:t>
+              <a:t>4.2</a:t>
+            </a:r>
+            <a:endParaRPr lang="en-US" sz="2000" dirty="0" smtClean="0">
+              <a:solidFill>
+                <a:schemeClr val="tx1"/>
+              </a:solidFill>
+            </a:endParaRPr>
+          </a:p>
+          <a:p>
+            <a:pPr algn="ctr"/>
+            <a:r>
+              <a:rPr lang="en-US" sz="2000" dirty="0" smtClean="0">
+                <a:solidFill>
+                  <a:schemeClr val="tx1"/>
+                </a:solidFill>
+              </a:rPr>
+              <a:t>Visible Height is: </a:t>
+            </a:r>
+            <a:r>
+              <a:rPr lang="en-US" sz="2000" dirty="0" smtClean="0">
+                <a:solidFill>
+                  <a:schemeClr val="tx1"/>
+                </a:solidFill>
+              </a:rPr>
+              <a:t>2.2</a:t>
             </a:r>
             <a:endParaRPr lang="en-US" sz="2000" dirty="0">
               <a:solidFill>

--- a/AdditionalMaterials/BookPPTs/Chap3.pptx
+++ b/AdditionalMaterials/BookPPTs/Chap3.pptx
@@ -255,10 +255,9 @@
           </a:lstStyle>
           <a:p>
             <a:r>
-              <a:rPr lang="en-US" smtClean="0"/>
+              <a:rPr lang="en-US"/>
               <a:t>Click to edit Master title style</a:t>
             </a:r>
-            <a:endParaRPr lang="en-US"/>
           </a:p>
         </p:txBody>
       </p:sp>
@@ -320,10 +319,9 @@
           </a:lstStyle>
           <a:p>
             <a:r>
-              <a:rPr lang="en-US" smtClean="0"/>
+              <a:rPr lang="en-US"/>
               <a:t>Click to edit Master subtitle style</a:t>
             </a:r>
-            <a:endParaRPr lang="en-US"/>
           </a:p>
         </p:txBody>
       </p:sp>
@@ -462,13 +460,13 @@
               <a:defRPr/>
             </a:pPr>
             <a:r>
-              <a:rPr lang="en-US" dirty="0" smtClean="0"/>
+              <a:rPr lang="en-US" dirty="0"/>
               <a:t>Build your own 2D Game Engine and Create Great Web Games using HTML5, JavaScript, and WebGL. Sung, Pavleas, Arnez, and Pace, 2015.</a:t>
             </a:r>
           </a:p>
           <a:p>
             <a:pPr algn="r"/>
-            <a:endParaRPr lang="en-US" dirty="0" smtClean="0"/>
+            <a:endParaRPr lang="en-US" dirty="0"/>
           </a:p>
         </p:txBody>
       </p:sp>
@@ -518,10 +516,9 @@
           <a:lstStyle/>
           <a:p>
             <a:r>
-              <a:rPr lang="en-US" smtClean="0"/>
+              <a:rPr lang="en-US"/>
               <a:t>Click to edit Master title style</a:t>
             </a:r>
-            <a:endParaRPr lang="en-US"/>
           </a:p>
         </p:txBody>
       </p:sp>
@@ -542,38 +539,37 @@
           <a:p>
             <a:pPr lvl="0"/>
             <a:r>
-              <a:rPr lang="en-US" smtClean="0"/>
+              <a:rPr lang="en-US"/>
               <a:t>Click to edit Master text styles</a:t>
             </a:r>
           </a:p>
           <a:p>
             <a:pPr lvl="1"/>
             <a:r>
-              <a:rPr lang="en-US" smtClean="0"/>
+              <a:rPr lang="en-US"/>
               <a:t>Second level</a:t>
             </a:r>
           </a:p>
           <a:p>
             <a:pPr lvl="2"/>
             <a:r>
-              <a:rPr lang="en-US" smtClean="0"/>
+              <a:rPr lang="en-US"/>
               <a:t>Third level</a:t>
             </a:r>
           </a:p>
           <a:p>
             <a:pPr lvl="3"/>
             <a:r>
-              <a:rPr lang="en-US" smtClean="0"/>
+              <a:rPr lang="en-US"/>
               <a:t>Fourth level</a:t>
             </a:r>
           </a:p>
           <a:p>
             <a:pPr lvl="4"/>
             <a:r>
-              <a:rPr lang="en-US" smtClean="0"/>
+              <a:rPr lang="en-US"/>
               <a:t>Fifth level</a:t>
             </a:r>
-            <a:endParaRPr lang="en-US"/>
           </a:p>
         </p:txBody>
       </p:sp>
@@ -602,7 +598,7 @@
           <a:p>
             <a:fld id="{0E6BA319-05E9-49EE-8F99-CA1240CA2757}" type="datetimeFigureOut">
               <a:rPr lang="en-US" smtClean="0"/>
-              <a:t>3/25/2019</a:t>
+              <a:t>1/8/2020</a:t>
             </a:fld>
             <a:endParaRPr lang="en-US"/>
           </a:p>
@@ -717,10 +713,9 @@
           <a:lstStyle/>
           <a:p>
             <a:r>
-              <a:rPr lang="en-US" smtClean="0"/>
+              <a:rPr lang="en-US"/>
               <a:t>Click to edit Master title style</a:t>
             </a:r>
-            <a:endParaRPr lang="en-US"/>
           </a:p>
         </p:txBody>
       </p:sp>
@@ -746,38 +741,37 @@
           <a:p>
             <a:pPr lvl="0"/>
             <a:r>
-              <a:rPr lang="en-US" smtClean="0"/>
+              <a:rPr lang="en-US"/>
               <a:t>Click to edit Master text styles</a:t>
             </a:r>
           </a:p>
           <a:p>
             <a:pPr lvl="1"/>
             <a:r>
-              <a:rPr lang="en-US" smtClean="0"/>
+              <a:rPr lang="en-US"/>
               <a:t>Second level</a:t>
             </a:r>
           </a:p>
           <a:p>
             <a:pPr lvl="2"/>
             <a:r>
-              <a:rPr lang="en-US" smtClean="0"/>
+              <a:rPr lang="en-US"/>
               <a:t>Third level</a:t>
             </a:r>
           </a:p>
           <a:p>
             <a:pPr lvl="3"/>
             <a:r>
-              <a:rPr lang="en-US" smtClean="0"/>
+              <a:rPr lang="en-US"/>
               <a:t>Fourth level</a:t>
             </a:r>
           </a:p>
           <a:p>
             <a:pPr lvl="4"/>
             <a:r>
-              <a:rPr lang="en-US" smtClean="0"/>
+              <a:rPr lang="en-US"/>
               <a:t>Fifth level</a:t>
             </a:r>
-            <a:endParaRPr lang="en-US"/>
           </a:p>
         </p:txBody>
       </p:sp>
@@ -806,7 +800,7 @@
           <a:p>
             <a:fld id="{0E6BA319-05E9-49EE-8F99-CA1240CA2757}" type="datetimeFigureOut">
               <a:rPr lang="en-US" smtClean="0"/>
-              <a:t>3/25/2019</a:t>
+              <a:t>1/8/2020</a:t>
             </a:fld>
             <a:endParaRPr lang="en-US"/>
           </a:p>
@@ -916,10 +910,9 @@
           <a:lstStyle/>
           <a:p>
             <a:r>
-              <a:rPr lang="en-US" smtClean="0"/>
+              <a:rPr lang="en-US"/>
               <a:t>Click to edit Master title style</a:t>
             </a:r>
-            <a:endParaRPr lang="en-US"/>
           </a:p>
         </p:txBody>
       </p:sp>
@@ -940,38 +933,37 @@
           <a:p>
             <a:pPr lvl="0"/>
             <a:r>
-              <a:rPr lang="en-US" smtClean="0"/>
+              <a:rPr lang="en-US"/>
               <a:t>Click to edit Master text styles</a:t>
             </a:r>
           </a:p>
           <a:p>
             <a:pPr lvl="1"/>
             <a:r>
-              <a:rPr lang="en-US" smtClean="0"/>
+              <a:rPr lang="en-US"/>
               <a:t>Second level</a:t>
             </a:r>
           </a:p>
           <a:p>
             <a:pPr lvl="2"/>
             <a:r>
-              <a:rPr lang="en-US" smtClean="0"/>
+              <a:rPr lang="en-US"/>
               <a:t>Third level</a:t>
             </a:r>
           </a:p>
           <a:p>
             <a:pPr lvl="3"/>
             <a:r>
-              <a:rPr lang="en-US" smtClean="0"/>
+              <a:rPr lang="en-US"/>
               <a:t>Fourth level</a:t>
             </a:r>
           </a:p>
           <a:p>
             <a:pPr lvl="4"/>
             <a:r>
-              <a:rPr lang="en-US" smtClean="0"/>
+              <a:rPr lang="en-US"/>
               <a:t>Fifth level</a:t>
             </a:r>
-            <a:endParaRPr lang="en-US"/>
           </a:p>
         </p:txBody>
       </p:sp>
@@ -1094,11 +1086,11 @@
           <a:p>
             <a:pPr algn="r"/>
             <a:r>
-              <a:rPr lang="en-US" dirty="0" err="1" smtClean="0"/>
+              <a:rPr lang="en-US" dirty="0" err="1"/>
               <a:t>Ch</a:t>
             </a:r>
             <a:r>
-              <a:rPr lang="en-US" dirty="0" smtClean="0"/>
+              <a:rPr lang="en-US" dirty="0"/>
               <a:t> 1: Introduction</a:t>
             </a:r>
           </a:p>
@@ -1223,7 +1215,7 @@
           <a:p>
             <a:pPr algn="l"/>
             <a:r>
-              <a:rPr lang="en-US" dirty="0" smtClean="0"/>
+              <a:rPr lang="en-US" dirty="0"/>
               <a:t>Build your own 2D Game Engine. Sung, Pavleas, Arnez, and Pace, 2015.</a:t>
             </a:r>
           </a:p>
@@ -1351,7 +1343,7 @@
               <a:rPr lang="en-US" smtClean="0"/>
               <a:t>‹#›</a:t>
             </a:fld>
-            <a:endParaRPr lang="en-US" dirty="0" smtClean="0"/>
+            <a:endParaRPr lang="en-US" dirty="0"/>
           </a:p>
         </p:txBody>
       </p:sp>
@@ -1410,10 +1402,9 @@
           </a:lstStyle>
           <a:p>
             <a:r>
-              <a:rPr lang="en-US" smtClean="0"/>
+              <a:rPr lang="en-US"/>
               <a:t>Click to edit Master title style</a:t>
             </a:r>
-            <a:endParaRPr lang="en-US"/>
           </a:p>
         </p:txBody>
       </p:sp>
@@ -1530,7 +1521,7 @@
           <a:p>
             <a:pPr lvl="0"/>
             <a:r>
-              <a:rPr lang="en-US" smtClean="0"/>
+              <a:rPr lang="en-US"/>
               <a:t>Click to edit Master text styles</a:t>
             </a:r>
           </a:p>
@@ -1561,7 +1552,7 @@
           <a:p>
             <a:fld id="{0E6BA319-05E9-49EE-8F99-CA1240CA2757}" type="datetimeFigureOut">
               <a:rPr lang="en-US" smtClean="0"/>
-              <a:t>3/25/2019</a:t>
+              <a:t>1/8/2020</a:t>
             </a:fld>
             <a:endParaRPr lang="en-US"/>
           </a:p>
@@ -1671,10 +1662,9 @@
           <a:lstStyle/>
           <a:p>
             <a:r>
-              <a:rPr lang="en-US" smtClean="0"/>
+              <a:rPr lang="en-US"/>
               <a:t>Click to edit Master title style</a:t>
             </a:r>
-            <a:endParaRPr lang="en-US"/>
           </a:p>
         </p:txBody>
       </p:sp>
@@ -1700,38 +1690,37 @@
           <a:p>
             <a:pPr lvl="0"/>
             <a:r>
-              <a:rPr lang="en-US" smtClean="0"/>
+              <a:rPr lang="en-US"/>
               <a:t>Click to edit Master text styles</a:t>
             </a:r>
           </a:p>
           <a:p>
             <a:pPr lvl="1"/>
             <a:r>
-              <a:rPr lang="en-US" smtClean="0"/>
+              <a:rPr lang="en-US"/>
               <a:t>Second level</a:t>
             </a:r>
           </a:p>
           <a:p>
             <a:pPr lvl="2"/>
             <a:r>
-              <a:rPr lang="en-US" smtClean="0"/>
+              <a:rPr lang="en-US"/>
               <a:t>Third level</a:t>
             </a:r>
           </a:p>
           <a:p>
             <a:pPr lvl="3"/>
             <a:r>
-              <a:rPr lang="en-US" smtClean="0"/>
+              <a:rPr lang="en-US"/>
               <a:t>Fourth level</a:t>
             </a:r>
           </a:p>
           <a:p>
             <a:pPr lvl="4"/>
             <a:r>
-              <a:rPr lang="en-US" smtClean="0"/>
+              <a:rPr lang="en-US"/>
               <a:t>Fifth level</a:t>
             </a:r>
-            <a:endParaRPr lang="en-US"/>
           </a:p>
         </p:txBody>
       </p:sp>
@@ -1757,38 +1746,37 @@
           <a:p>
             <a:pPr lvl="0"/>
             <a:r>
-              <a:rPr lang="en-US" smtClean="0"/>
+              <a:rPr lang="en-US"/>
               <a:t>Click to edit Master text styles</a:t>
             </a:r>
           </a:p>
           <a:p>
             <a:pPr lvl="1"/>
             <a:r>
-              <a:rPr lang="en-US" smtClean="0"/>
+              <a:rPr lang="en-US"/>
               <a:t>Second level</a:t>
             </a:r>
           </a:p>
           <a:p>
             <a:pPr lvl="2"/>
             <a:r>
-              <a:rPr lang="en-US" smtClean="0"/>
+              <a:rPr lang="en-US"/>
               <a:t>Third level</a:t>
             </a:r>
           </a:p>
           <a:p>
             <a:pPr lvl="3"/>
             <a:r>
-              <a:rPr lang="en-US" smtClean="0"/>
+              <a:rPr lang="en-US"/>
               <a:t>Fourth level</a:t>
             </a:r>
           </a:p>
           <a:p>
             <a:pPr lvl="4"/>
             <a:r>
-              <a:rPr lang="en-US" smtClean="0"/>
+              <a:rPr lang="en-US"/>
               <a:t>Fifth level</a:t>
             </a:r>
-            <a:endParaRPr lang="en-US"/>
           </a:p>
         </p:txBody>
       </p:sp>
@@ -1817,7 +1805,7 @@
           <a:p>
             <a:fld id="{0E6BA319-05E9-49EE-8F99-CA1240CA2757}" type="datetimeFigureOut">
               <a:rPr lang="en-US" smtClean="0"/>
-              <a:t>3/25/2019</a:t>
+              <a:t>1/8/2020</a:t>
             </a:fld>
             <a:endParaRPr lang="en-US"/>
           </a:p>
@@ -1932,10 +1920,9 @@
           <a:lstStyle/>
           <a:p>
             <a:r>
-              <a:rPr lang="en-US" smtClean="0"/>
+              <a:rPr lang="en-US"/>
               <a:t>Click to edit Master title style</a:t>
             </a:r>
-            <a:endParaRPr lang="en-US"/>
           </a:p>
         </p:txBody>
       </p:sp>
@@ -1998,7 +1985,7 @@
           <a:p>
             <a:pPr lvl="0"/>
             <a:r>
-              <a:rPr lang="en-US" smtClean="0"/>
+              <a:rPr lang="en-US"/>
               <a:t>Click to edit Master text styles</a:t>
             </a:r>
           </a:p>
@@ -2026,38 +2013,37 @@
           <a:p>
             <a:pPr lvl="0"/>
             <a:r>
-              <a:rPr lang="en-US" smtClean="0"/>
+              <a:rPr lang="en-US"/>
               <a:t>Click to edit Master text styles</a:t>
             </a:r>
           </a:p>
           <a:p>
             <a:pPr lvl="1"/>
             <a:r>
-              <a:rPr lang="en-US" smtClean="0"/>
+              <a:rPr lang="en-US"/>
               <a:t>Second level</a:t>
             </a:r>
           </a:p>
           <a:p>
             <a:pPr lvl="2"/>
             <a:r>
-              <a:rPr lang="en-US" smtClean="0"/>
+              <a:rPr lang="en-US"/>
               <a:t>Third level</a:t>
             </a:r>
           </a:p>
           <a:p>
             <a:pPr lvl="3"/>
             <a:r>
-              <a:rPr lang="en-US" smtClean="0"/>
+              <a:rPr lang="en-US"/>
               <a:t>Fourth level</a:t>
             </a:r>
           </a:p>
           <a:p>
             <a:pPr lvl="4"/>
             <a:r>
-              <a:rPr lang="en-US" smtClean="0"/>
+              <a:rPr lang="en-US"/>
               <a:t>Fifth level</a:t>
             </a:r>
-            <a:endParaRPr lang="en-US"/>
           </a:p>
         </p:txBody>
       </p:sp>
@@ -2120,7 +2106,7 @@
           <a:p>
             <a:pPr lvl="0"/>
             <a:r>
-              <a:rPr lang="en-US" smtClean="0"/>
+              <a:rPr lang="en-US"/>
               <a:t>Click to edit Master text styles</a:t>
             </a:r>
           </a:p>
@@ -2148,38 +2134,37 @@
           <a:p>
             <a:pPr lvl="0"/>
             <a:r>
-              <a:rPr lang="en-US" smtClean="0"/>
+              <a:rPr lang="en-US"/>
               <a:t>Click to edit Master text styles</a:t>
             </a:r>
           </a:p>
           <a:p>
             <a:pPr lvl="1"/>
             <a:r>
-              <a:rPr lang="en-US" smtClean="0"/>
+              <a:rPr lang="en-US"/>
               <a:t>Second level</a:t>
             </a:r>
           </a:p>
           <a:p>
             <a:pPr lvl="2"/>
             <a:r>
-              <a:rPr lang="en-US" smtClean="0"/>
+              <a:rPr lang="en-US"/>
               <a:t>Third level</a:t>
             </a:r>
           </a:p>
           <a:p>
             <a:pPr lvl="3"/>
             <a:r>
-              <a:rPr lang="en-US" smtClean="0"/>
+              <a:rPr lang="en-US"/>
               <a:t>Fourth level</a:t>
             </a:r>
           </a:p>
           <a:p>
             <a:pPr lvl="4"/>
             <a:r>
-              <a:rPr lang="en-US" smtClean="0"/>
+              <a:rPr lang="en-US"/>
               <a:t>Fifth level</a:t>
             </a:r>
-            <a:endParaRPr lang="en-US"/>
           </a:p>
         </p:txBody>
       </p:sp>
@@ -2208,7 +2193,7 @@
           <a:p>
             <a:fld id="{0E6BA319-05E9-49EE-8F99-CA1240CA2757}" type="datetimeFigureOut">
               <a:rPr lang="en-US" smtClean="0"/>
-              <a:t>3/25/2019</a:t>
+              <a:t>1/8/2020</a:t>
             </a:fld>
             <a:endParaRPr lang="en-US"/>
           </a:p>
@@ -2318,10 +2303,9 @@
           <a:lstStyle/>
           <a:p>
             <a:r>
-              <a:rPr lang="en-US" smtClean="0"/>
+              <a:rPr lang="en-US"/>
               <a:t>Click to edit Master title style</a:t>
             </a:r>
-            <a:endParaRPr lang="en-US"/>
           </a:p>
         </p:txBody>
       </p:sp>
@@ -2350,7 +2334,7 @@
           <a:p>
             <a:fld id="{0E6BA319-05E9-49EE-8F99-CA1240CA2757}" type="datetimeFigureOut">
               <a:rPr lang="en-US" smtClean="0"/>
-              <a:t>3/25/2019</a:t>
+              <a:t>1/8/2020</a:t>
             </a:fld>
             <a:endParaRPr lang="en-US"/>
           </a:p>
@@ -2469,7 +2453,7 @@
           <a:p>
             <a:fld id="{0E6BA319-05E9-49EE-8F99-CA1240CA2757}" type="datetimeFigureOut">
               <a:rPr lang="en-US" smtClean="0"/>
-              <a:t>3/25/2019</a:t>
+              <a:t>1/8/2020</a:t>
             </a:fld>
             <a:endParaRPr lang="en-US"/>
           </a:p>
@@ -2588,10 +2572,9 @@
           </a:lstStyle>
           <a:p>
             <a:r>
-              <a:rPr lang="en-US" smtClean="0"/>
+              <a:rPr lang="en-US"/>
               <a:t>Click to edit Master title style</a:t>
             </a:r>
-            <a:endParaRPr lang="en-US"/>
           </a:p>
         </p:txBody>
       </p:sp>
@@ -2645,38 +2628,37 @@
           <a:p>
             <a:pPr lvl="0"/>
             <a:r>
-              <a:rPr lang="en-US" smtClean="0"/>
+              <a:rPr lang="en-US"/>
               <a:t>Click to edit Master text styles</a:t>
             </a:r>
           </a:p>
           <a:p>
             <a:pPr lvl="1"/>
             <a:r>
-              <a:rPr lang="en-US" smtClean="0"/>
+              <a:rPr lang="en-US"/>
               <a:t>Second level</a:t>
             </a:r>
           </a:p>
           <a:p>
             <a:pPr lvl="2"/>
             <a:r>
-              <a:rPr lang="en-US" smtClean="0"/>
+              <a:rPr lang="en-US"/>
               <a:t>Third level</a:t>
             </a:r>
           </a:p>
           <a:p>
             <a:pPr lvl="3"/>
             <a:r>
-              <a:rPr lang="en-US" smtClean="0"/>
+              <a:rPr lang="en-US"/>
               <a:t>Fourth level</a:t>
             </a:r>
           </a:p>
           <a:p>
             <a:pPr lvl="4"/>
             <a:r>
-              <a:rPr lang="en-US" smtClean="0"/>
+              <a:rPr lang="en-US"/>
               <a:t>Fifth level</a:t>
             </a:r>
-            <a:endParaRPr lang="en-US"/>
           </a:p>
         </p:txBody>
       </p:sp>
@@ -2739,7 +2721,7 @@
           <a:p>
             <a:pPr lvl="0"/>
             <a:r>
-              <a:rPr lang="en-US" smtClean="0"/>
+              <a:rPr lang="en-US"/>
               <a:t>Click to edit Master text styles</a:t>
             </a:r>
           </a:p>
@@ -2770,7 +2752,7 @@
           <a:p>
             <a:fld id="{0E6BA319-05E9-49EE-8F99-CA1240CA2757}" type="datetimeFigureOut">
               <a:rPr lang="en-US" smtClean="0"/>
-              <a:t>3/25/2019</a:t>
+              <a:t>1/8/2020</a:t>
             </a:fld>
             <a:endParaRPr lang="en-US"/>
           </a:p>
@@ -2889,10 +2871,9 @@
           </a:lstStyle>
           <a:p>
             <a:r>
-              <a:rPr lang="en-US" smtClean="0"/>
+              <a:rPr lang="en-US"/>
               <a:t>Click to edit Master title style</a:t>
             </a:r>
-            <a:endParaRPr lang="en-US"/>
           </a:p>
         </p:txBody>
       </p:sp>
@@ -3016,7 +2997,7 @@
           <a:p>
             <a:pPr lvl="0"/>
             <a:r>
-              <a:rPr lang="en-US" smtClean="0"/>
+              <a:rPr lang="en-US"/>
               <a:t>Click to edit Master text styles</a:t>
             </a:r>
           </a:p>
@@ -3047,7 +3028,7 @@
           <a:p>
             <a:fld id="{0E6BA319-05E9-49EE-8F99-CA1240CA2757}" type="datetimeFigureOut">
               <a:rPr lang="en-US" smtClean="0"/>
-              <a:t>3/25/2019</a:t>
+              <a:t>1/8/2020</a:t>
             </a:fld>
             <a:endParaRPr lang="en-US"/>
           </a:p>
@@ -3172,10 +3153,9 @@
           <a:lstStyle/>
           <a:p>
             <a:r>
-              <a:rPr lang="en-US" smtClean="0"/>
+              <a:rPr lang="en-US"/>
               <a:t>Click to edit Master title style</a:t>
             </a:r>
-            <a:endParaRPr lang="en-US"/>
           </a:p>
         </p:txBody>
       </p:sp>
@@ -3206,38 +3186,37 @@
           <a:p>
             <a:pPr lvl="0"/>
             <a:r>
-              <a:rPr lang="en-US" smtClean="0"/>
+              <a:rPr lang="en-US"/>
               <a:t>Click to edit Master text styles</a:t>
             </a:r>
           </a:p>
           <a:p>
             <a:pPr lvl="1"/>
             <a:r>
-              <a:rPr lang="en-US" smtClean="0"/>
+              <a:rPr lang="en-US"/>
               <a:t>Second level</a:t>
             </a:r>
           </a:p>
           <a:p>
             <a:pPr lvl="2"/>
             <a:r>
-              <a:rPr lang="en-US" smtClean="0"/>
+              <a:rPr lang="en-US"/>
               <a:t>Third level</a:t>
             </a:r>
           </a:p>
           <a:p>
             <a:pPr lvl="3"/>
             <a:r>
-              <a:rPr lang="en-US" smtClean="0"/>
+              <a:rPr lang="en-US"/>
               <a:t>Fourth level</a:t>
             </a:r>
           </a:p>
           <a:p>
             <a:pPr lvl="4"/>
             <a:r>
-              <a:rPr lang="en-US" smtClean="0"/>
+              <a:rPr lang="en-US"/>
               <a:t>Fifth level</a:t>
             </a:r>
-            <a:endParaRPr lang="en-US"/>
           </a:p>
         </p:txBody>
       </p:sp>
@@ -3578,10 +3557,9 @@
           <a:lstStyle/>
           <a:p>
             <a:r>
-              <a:rPr lang="en-US" dirty="0" smtClean="0"/>
+              <a:rPr lang="en-US" dirty="0"/>
               <a:t>Chapter 3</a:t>
             </a:r>
-            <a:endParaRPr lang="en-US" dirty="0"/>
           </a:p>
         </p:txBody>
       </p:sp>
@@ -3601,18 +3579,9 @@
           <a:lstStyle/>
           <a:p>
             <a:r>
-              <a:rPr lang="en-US" dirty="0" smtClean="0"/>
-              <a:t>Drawing</a:t>
-            </a:r>
-            <a:r>
-              <a:rPr lang="en-US" dirty="0"/>
-              <a:t> </a:t>
-            </a:r>
-            <a:r>
-              <a:rPr lang="en-US" dirty="0" smtClean="0"/>
-              <a:t>In the World</a:t>
-            </a:r>
-            <a:endParaRPr lang="en-US" dirty="0"/>
+              <a:rPr lang="en-US" dirty="0"/>
+              <a:t>Drawing In the World</a:t>
+            </a:r>
           </a:p>
         </p:txBody>
       </p:sp>
@@ -3626,13 +3595,6 @@
   <p:clrMapOvr>
     <a:masterClrMapping/>
   </p:clrMapOvr>
-  <p:timing>
-    <p:tnLst>
-      <p:par>
-        <p:cTn id="1" dur="indefinite" restart="never" nodeType="tmRoot"/>
-      </p:par>
-    </p:tnLst>
-  </p:timing>
 </p:sld>
 </file>
 
@@ -3669,18 +3631,17 @@
           <a:lstStyle/>
           <a:p>
             <a:r>
-              <a:rPr lang="en-US" dirty="0" smtClean="0"/>
+              <a:rPr lang="en-US" dirty="0"/>
               <a:t>3.1: Testing the </a:t>
             </a:r>
             <a:r>
-              <a:rPr lang="en-US" dirty="0" err="1" smtClean="0"/>
+              <a:rPr lang="en-US" dirty="0" err="1"/>
               <a:t>Renderable</a:t>
             </a:r>
             <a:r>
-              <a:rPr lang="en-US" dirty="0" smtClean="0"/>
+              <a:rPr lang="en-US" dirty="0"/>
               <a:t> Object</a:t>
             </a:r>
-            <a:endParaRPr lang="en-US" dirty="0"/>
           </a:p>
         </p:txBody>
       </p:sp>
@@ -3866,18 +3827,13 @@
           <a:p>
             <a:pPr algn="ctr"/>
             <a:r>
-              <a:rPr lang="en-US" sz="2000" dirty="0" smtClean="0">
+              <a:rPr lang="en-US" sz="2000" dirty="0">
                 <a:solidFill>
                   <a:schemeClr val="tx1"/>
                 </a:solidFill>
               </a:rPr>
               <a:t>MyGame.js</a:t>
             </a:r>
-            <a:endParaRPr lang="en-US" sz="2000" dirty="0">
-              <a:solidFill>
-                <a:schemeClr val="tx1"/>
-              </a:solidFill>
-            </a:endParaRPr>
           </a:p>
         </p:txBody>
       </p:sp>
@@ -3927,10 +3883,9 @@
           <a:lstStyle/>
           <a:p>
             <a:r>
-              <a:rPr lang="en-US" dirty="0" smtClean="0"/>
+              <a:rPr lang="en-US" dirty="0"/>
               <a:t>3.1: Observations and Problems?</a:t>
             </a:r>
-            <a:endParaRPr lang="en-US" dirty="0"/>
           </a:p>
         </p:txBody>
       </p:sp>
@@ -3950,64 +3905,63 @@
           <a:lstStyle/>
           <a:p>
             <a:r>
-              <a:rPr lang="en-US" dirty="0" smtClean="0"/>
+              <a:rPr lang="en-US" dirty="0"/>
               <a:t>Two squares are drawn, only see one?!</a:t>
             </a:r>
           </a:p>
           <a:p>
             <a:pPr lvl="1"/>
             <a:r>
-              <a:rPr lang="en-US" dirty="0" smtClean="0"/>
+              <a:rPr lang="en-US" dirty="0"/>
               <a:t>Overlapped</a:t>
             </a:r>
           </a:p>
           <a:p>
             <a:r>
-              <a:rPr lang="en-US" dirty="0" smtClean="0"/>
+              <a:rPr lang="en-US" dirty="0"/>
               <a:t>Later drawn overlaps on earlier drawn</a:t>
             </a:r>
           </a:p>
           <a:p>
             <a:r>
-              <a:rPr lang="en-US" dirty="0" smtClean="0"/>
+              <a:rPr lang="en-US" dirty="0"/>
               <a:t>What can be done?</a:t>
             </a:r>
           </a:p>
           <a:p>
             <a:pPr lvl="1"/>
             <a:r>
-              <a:rPr lang="en-US" dirty="0" smtClean="0"/>
+              <a:rPr lang="en-US" dirty="0"/>
               <a:t>Draw to different locations</a:t>
             </a:r>
           </a:p>
           <a:p>
             <a:r>
-              <a:rPr lang="en-US" dirty="0" smtClean="0"/>
+              <a:rPr lang="en-US" dirty="0"/>
               <a:t>Approach:</a:t>
             </a:r>
           </a:p>
           <a:p>
             <a:pPr lvl="1"/>
             <a:r>
-              <a:rPr lang="en-US" dirty="0" smtClean="0"/>
+              <a:rPr lang="en-US" dirty="0"/>
               <a:t>A: Define new square geometries (must transform from CPU to GPU)</a:t>
             </a:r>
           </a:p>
           <a:p>
             <a:pPr lvl="1"/>
             <a:r>
-              <a:rPr lang="en-US" dirty="0" smtClean="0"/>
+              <a:rPr lang="en-US" dirty="0"/>
               <a:t>B: Define ways of </a:t>
             </a:r>
             <a:r>
-              <a:rPr lang="en-US" b="1" i="1" dirty="0" smtClean="0"/>
+              <a:rPr lang="en-US" b="1" i="1" dirty="0"/>
               <a:t>transforming </a:t>
             </a:r>
             <a:r>
-              <a:rPr lang="en-US" dirty="0" smtClean="0"/>
+              <a:rPr lang="en-US" dirty="0"/>
               <a:t>the defined geometry</a:t>
             </a:r>
-            <a:endParaRPr lang="en-US" dirty="0"/>
           </a:p>
         </p:txBody>
       </p:sp>
@@ -4057,10 +4011,9 @@
           <a:lstStyle/>
           <a:p>
             <a:r>
-              <a:rPr lang="en-US" dirty="0" smtClean="0"/>
+              <a:rPr lang="en-US" dirty="0"/>
               <a:t>Matrix Transformation: Translate</a:t>
             </a:r>
-            <a:endParaRPr lang="en-US" dirty="0"/>
           </a:p>
         </p:txBody>
       </p:sp>
@@ -4080,16 +4033,15 @@
           <a:lstStyle/>
           <a:p>
             <a:r>
-              <a:rPr lang="en-US" dirty="0" smtClean="0"/>
+              <a:rPr lang="en-US" dirty="0"/>
               <a:t>Matrix: black box operator</a:t>
             </a:r>
           </a:p>
           <a:p>
             <a:r>
-              <a:rPr lang="en-US" dirty="0" smtClean="0"/>
+              <a:rPr lang="en-US" dirty="0"/>
               <a:t>Translation: </a:t>
             </a:r>
-            <a:endParaRPr lang="en-US" dirty="0"/>
           </a:p>
         </p:txBody>
       </p:sp>
@@ -4163,54 +4115,52 @@
           <a:lstStyle/>
           <a:p>
             <a:r>
-              <a:rPr lang="en-US" dirty="0" smtClean="0"/>
+              <a:rPr lang="en-US" dirty="0"/>
               <a:t>Matrix Transformation: Scale and Rotate</a:t>
             </a:r>
+          </a:p>
+        </p:txBody>
+      </p:sp>
+      <p:sp>
+        <p:nvSpPr>
+          <p:cNvPr id="3" name="Content Placeholder 2"/>
+          <p:cNvSpPr>
+            <a:spLocks noGrp="1"/>
+          </p:cNvSpPr>
+          <p:nvPr>
+            <p:ph idx="1"/>
+          </p:nvPr>
+        </p:nvSpPr>
+        <p:spPr/>
+        <p:txBody>
+          <a:bodyPr/>
+          <a:lstStyle/>
+          <a:p>
+            <a:r>
+              <a:rPr lang="en-US" dirty="0"/>
+              <a:t>Scaling</a:t>
+            </a:r>
+          </a:p>
+          <a:p>
             <a:endParaRPr lang="en-US" dirty="0"/>
           </a:p>
-        </p:txBody>
-      </p:sp>
-      <p:sp>
-        <p:nvSpPr>
-          <p:cNvPr id="3" name="Content Placeholder 2"/>
-          <p:cNvSpPr>
-            <a:spLocks noGrp="1"/>
-          </p:cNvSpPr>
-          <p:nvPr>
-            <p:ph idx="1"/>
-          </p:nvPr>
-        </p:nvSpPr>
-        <p:spPr/>
-        <p:txBody>
-          <a:bodyPr/>
-          <a:lstStyle/>
-          <a:p>
-            <a:r>
-              <a:rPr lang="en-US" dirty="0" smtClean="0"/>
-              <a:t>Scaling</a:t>
-            </a:r>
-          </a:p>
           <a:p>
             <a:endParaRPr lang="en-US" dirty="0"/>
           </a:p>
           <a:p>
-            <a:endParaRPr lang="en-US" dirty="0" smtClean="0"/>
-          </a:p>
-          <a:p>
             <a:endParaRPr lang="en-US" dirty="0"/>
           </a:p>
           <a:p>
-            <a:endParaRPr lang="en-US" dirty="0" smtClean="0"/>
-          </a:p>
-          <a:p>
             <a:endParaRPr lang="en-US" dirty="0"/>
           </a:p>
           <a:p>
-            <a:r>
-              <a:rPr lang="en-US" dirty="0" smtClean="0"/>
+            <a:endParaRPr lang="en-US" dirty="0"/>
+          </a:p>
+          <a:p>
+            <a:r>
+              <a:rPr lang="en-US" dirty="0"/>
               <a:t>Rotation:</a:t>
             </a:r>
-            <a:endParaRPr lang="en-US" dirty="0"/>
           </a:p>
         </p:txBody>
       </p:sp>
@@ -4308,10 +4258,9 @@
           <a:lstStyle/>
           <a:p>
             <a:r>
-              <a:rPr lang="en-US" dirty="0" smtClean="0"/>
+              <a:rPr lang="en-US" dirty="0"/>
               <a:t>Matrix Transformation: Identity</a:t>
             </a:r>
-            <a:endParaRPr lang="en-US" dirty="0"/>
           </a:p>
         </p:txBody>
       </p:sp>
@@ -4331,7 +4280,7 @@
           <a:lstStyle/>
           <a:p>
             <a:r>
-              <a:rPr lang="en-US" dirty="0" smtClean="0"/>
+              <a:rPr lang="en-US" dirty="0"/>
               <a:t>Identity: no-op</a:t>
             </a:r>
           </a:p>
@@ -4339,105 +4288,100 @@
             <a:pPr marL="0" indent="0">
               <a:buNone/>
             </a:pPr>
-            <a:endParaRPr lang="en-US" dirty="0" smtClean="0"/>
-          </a:p>
-          <a:p>
-            <a:endParaRPr lang="en-US" dirty="0" smtClean="0"/>
-          </a:p>
-          <a:p>
-            <a:r>
-              <a:rPr lang="en-US" dirty="0" smtClean="0"/>
+            <a:endParaRPr lang="en-US" dirty="0"/>
+          </a:p>
+          <a:p>
+            <a:endParaRPr lang="en-US" dirty="0"/>
+          </a:p>
+          <a:p>
+            <a:r>
+              <a:rPr lang="en-US" dirty="0"/>
               <a:t>Always transform on vertices:</a:t>
             </a:r>
           </a:p>
           <a:p>
             <a:pPr lvl="1"/>
             <a:r>
-              <a:rPr lang="en-US" b="1" dirty="0" smtClean="0"/>
+              <a:rPr lang="en-US" b="1" dirty="0"/>
               <a:t>M</a:t>
             </a:r>
             <a:r>
-              <a:rPr lang="en-US" dirty="0" smtClean="0"/>
+              <a:rPr lang="en-US" dirty="0"/>
               <a:t>: a matrix operator</a:t>
             </a:r>
           </a:p>
           <a:p>
             <a:pPr lvl="1"/>
             <a:r>
-              <a:rPr lang="en-US" b="1" dirty="0" smtClean="0"/>
+              <a:rPr lang="en-US" b="1" dirty="0"/>
               <a:t>p</a:t>
             </a:r>
             <a:r>
-              <a:rPr lang="en-US" dirty="0" smtClean="0"/>
+              <a:rPr lang="en-US" dirty="0"/>
               <a:t>: a vertex position</a:t>
             </a:r>
           </a:p>
           <a:p>
             <a:pPr lvl="1"/>
-            <a:r>
-              <a:rPr lang="en-US" b="1" dirty="0" smtClean="0"/>
-              <a:t>p' </a:t>
-            </a:r>
-            <a:r>
-              <a:rPr lang="en-US" dirty="0" smtClean="0"/>
-              <a:t>is the transform of </a:t>
-            </a:r>
-            <a:r>
-              <a:rPr lang="en-US" b="1" dirty="0" smtClean="0"/>
-              <a:t>p</a:t>
-            </a:r>
-            <a:r>
-              <a:rPr lang="en-US" dirty="0" smtClean="0"/>
-              <a:t> by </a:t>
-            </a:r>
-            <a:r>
-              <a:rPr lang="en-US" b="1" dirty="0" smtClean="0"/>
-              <a:t>M</a:t>
-            </a:r>
-            <a:r>
-              <a:rPr lang="en-US" dirty="0" smtClean="0"/>
-              <a:t>: </a:t>
-            </a:r>
-          </a:p>
-          <a:p>
-            <a:pPr lvl="2"/>
             <a:r>
               <a:rPr lang="en-US" b="1" dirty="0"/>
               <a:t>p' </a:t>
             </a:r>
             <a:r>
-              <a:rPr lang="en-US" b="1" dirty="0" smtClean="0"/>
-              <a:t>= </a:t>
-            </a:r>
-            <a:r>
-              <a:rPr lang="en-US" b="1" dirty="0" err="1" smtClean="0"/>
+              <a:rPr lang="en-US" dirty="0"/>
+              <a:t>is the transform of </a:t>
+            </a:r>
+            <a:r>
+              <a:rPr lang="en-US" b="1" dirty="0"/>
+              <a:t>p</a:t>
+            </a:r>
+            <a:r>
+              <a:rPr lang="en-US" dirty="0"/>
+              <a:t> by </a:t>
+            </a:r>
+            <a:r>
+              <a:rPr lang="en-US" b="1" dirty="0"/>
+              <a:t>M</a:t>
+            </a:r>
+            <a:r>
+              <a:rPr lang="en-US" dirty="0"/>
+              <a:t>: </a:t>
+            </a:r>
+          </a:p>
+          <a:p>
+            <a:pPr lvl="2"/>
+            <a:r>
+              <a:rPr lang="en-US" b="1" dirty="0"/>
+              <a:t>p' = </a:t>
+            </a:r>
+            <a:r>
+              <a:rPr lang="en-US" b="1" dirty="0" err="1"/>
               <a:t>Mp</a:t>
             </a:r>
-            <a:endParaRPr lang="en-US" b="1" dirty="0" smtClean="0"/>
+            <a:endParaRPr lang="en-US" b="1" dirty="0"/>
           </a:p>
           <a:p>
             <a:pPr lvl="2"/>
             <a:r>
-              <a:rPr lang="en-US" dirty="0" smtClean="0"/>
+              <a:rPr lang="en-US" dirty="0"/>
               <a:t>(Multiple </a:t>
             </a:r>
             <a:r>
-              <a:rPr lang="en-US" b="1" dirty="0" smtClean="0"/>
+              <a:rPr lang="en-US" b="1" dirty="0"/>
               <a:t>p</a:t>
             </a:r>
             <a:r>
-              <a:rPr lang="en-US" dirty="0" smtClean="0"/>
+              <a:rPr lang="en-US" dirty="0"/>
               <a:t> by </a:t>
             </a:r>
             <a:r>
-              <a:rPr lang="en-US" b="1" dirty="0" smtClean="0"/>
+              <a:rPr lang="en-US" b="1" dirty="0"/>
               <a:t>M</a:t>
             </a:r>
             <a:r>
-              <a:rPr lang="en-US" dirty="0" smtClean="0"/>
+              <a:rPr lang="en-US" dirty="0"/>
               <a:t>)</a:t>
             </a:r>
-            <a:endParaRPr lang="en-US" dirty="0"/>
           </a:p>
         </p:txBody>
       </p:sp>
@@ -4511,10 +4455,9 @@
           <a:lstStyle/>
           <a:p>
             <a:r>
-              <a:rPr lang="en-US" dirty="0" smtClean="0"/>
+              <a:rPr lang="en-US" dirty="0"/>
               <a:t>Matrix Transformation: Concatenation</a:t>
             </a:r>
-            <a:endParaRPr lang="en-US" dirty="0"/>
           </a:p>
         </p:txBody>
       </p:sp>
@@ -4536,129 +4479,46 @@
           <a:lstStyle/>
           <a:p>
             <a:r>
-              <a:rPr lang="en-US" dirty="0" smtClean="0"/>
+              <a:rPr lang="en-US" dirty="0"/>
               <a:t>If </a:t>
             </a:r>
           </a:p>
           <a:p>
             <a:pPr lvl="1"/>
             <a:r>
-              <a:rPr lang="en-US" b="1" dirty="0" smtClean="0"/>
+              <a:rPr lang="en-US" b="1" dirty="0"/>
               <a:t>p</a:t>
             </a:r>
             <a:r>
-              <a:rPr lang="en-US" dirty="0" smtClean="0"/>
+              <a:rPr lang="en-US" dirty="0"/>
               <a:t> is a vertex position</a:t>
             </a:r>
           </a:p>
           <a:p>
             <a:pPr lvl="1"/>
             <a:r>
-              <a:rPr lang="en-US" b="1" dirty="0" smtClean="0"/>
+              <a:rPr lang="en-US" b="1" dirty="0"/>
               <a:t>T</a:t>
             </a:r>
             <a:r>
-              <a:rPr lang="en-US" dirty="0" smtClean="0"/>
+              <a:rPr lang="en-US" dirty="0"/>
               <a:t>, </a:t>
             </a:r>
             <a:r>
-              <a:rPr lang="en-US" b="1" dirty="0" smtClean="0"/>
+              <a:rPr lang="en-US" b="1" dirty="0"/>
               <a:t>R</a:t>
             </a:r>
             <a:r>
-              <a:rPr lang="en-US" dirty="0" smtClean="0"/>
+              <a:rPr lang="en-US" dirty="0"/>
               <a:t>, </a:t>
             </a:r>
             <a:r>
-              <a:rPr lang="en-US" b="1" dirty="0" smtClean="0"/>
+              <a:rPr lang="en-US" b="1" dirty="0"/>
               <a:t>S</a:t>
             </a:r>
             <a:r>
-              <a:rPr lang="en-US" dirty="0" smtClean="0"/>
+              <a:rPr lang="en-US" dirty="0"/>
               <a:t>: three matrix operators</a:t>
-            </a:r>
-          </a:p>
-          <a:p>
-            <a:pPr lvl="1"/>
-            <a:r>
-              <a:rPr lang="en-US" b="1" dirty="0" smtClean="0"/>
-              <a:t>p‘</a:t>
-            </a:r>
-            <a:r>
-              <a:rPr lang="en-US" dirty="0" smtClean="0"/>
-              <a:t> = </a:t>
-            </a:r>
-            <a:r>
-              <a:rPr lang="en-US" b="1" dirty="0" smtClean="0"/>
-              <a:t>T R S p</a:t>
-            </a:r>
-          </a:p>
-          <a:p>
-            <a:pPr lvl="2"/>
-            <a:r>
-              <a:rPr lang="en-US" b="1" dirty="0" err="1" smtClean="0"/>
-              <a:t>vp</a:t>
-            </a:r>
-            <a:r>
-              <a:rPr lang="en-US" b="1" dirty="0" smtClean="0"/>
-              <a:t>‘</a:t>
-            </a:r>
-            <a:r>
-              <a:rPr lang="en-US" dirty="0" smtClean="0"/>
-              <a:t> is the result of </a:t>
-            </a:r>
-            <a:r>
-              <a:rPr lang="en-US" b="1" dirty="0" smtClean="0"/>
-              <a:t>S</a:t>
-            </a:r>
-            <a:r>
-              <a:rPr lang="en-US" dirty="0" smtClean="0"/>
-              <a:t> operating on </a:t>
-            </a:r>
-            <a:r>
-              <a:rPr lang="en-US" b="1" dirty="0" smtClean="0"/>
-              <a:t>p</a:t>
-            </a:r>
-            <a:r>
-              <a:rPr lang="en-US" dirty="0" smtClean="0"/>
-              <a:t>, followed by </a:t>
-            </a:r>
-            <a:r>
-              <a:rPr lang="en-US" b="1" dirty="0" smtClean="0"/>
-              <a:t>R</a:t>
-            </a:r>
-            <a:r>
-              <a:rPr lang="en-US" dirty="0" smtClean="0"/>
-              <a:t>, and lastly by </a:t>
-            </a:r>
-            <a:r>
-              <a:rPr lang="en-US" b="1" dirty="0" smtClean="0"/>
-              <a:t>T</a:t>
-            </a:r>
-          </a:p>
-          <a:p>
-            <a:r>
-              <a:rPr lang="en-US" dirty="0" smtClean="0"/>
-              <a:t>Then</a:t>
-            </a:r>
-          </a:p>
-          <a:p>
-            <a:pPr lvl="1"/>
-            <a:r>
-              <a:rPr lang="en-US" dirty="0" smtClean="0"/>
-              <a:t>Compute new operator: </a:t>
-            </a:r>
-            <a:r>
-              <a:rPr lang="en-US" b="1" dirty="0" smtClean="0"/>
-              <a:t>M</a:t>
-            </a:r>
-            <a:r>
-              <a:rPr lang="en-US" dirty="0" smtClean="0"/>
-              <a:t> = </a:t>
-            </a:r>
-            <a:r>
-              <a:rPr lang="en-US" b="1" dirty="0" smtClean="0"/>
-              <a:t>T R S</a:t>
             </a:r>
           </a:p>
           <a:p>
@@ -4672,62 +4532,139 @@
               <a:t> = </a:t>
             </a:r>
             <a:r>
-              <a:rPr lang="en-US" b="1" dirty="0" smtClean="0"/>
+              <a:rPr lang="en-US" b="1" dirty="0"/>
+              <a:t>T R S p</a:t>
+            </a:r>
+          </a:p>
+          <a:p>
+            <a:pPr lvl="2"/>
+            <a:r>
+              <a:rPr lang="en-US" b="1" dirty="0" err="1"/>
+              <a:t>vp</a:t>
+            </a:r>
+            <a:r>
+              <a:rPr lang="en-US" b="1" dirty="0"/>
+              <a:t>‘</a:t>
+            </a:r>
+            <a:r>
+              <a:rPr lang="en-US" dirty="0"/>
+              <a:t> is the result of </a:t>
+            </a:r>
+            <a:r>
+              <a:rPr lang="en-US" b="1" dirty="0"/>
+              <a:t>S</a:t>
+            </a:r>
+            <a:r>
+              <a:rPr lang="en-US" dirty="0"/>
+              <a:t> operating on </a:t>
+            </a:r>
+            <a:r>
+              <a:rPr lang="en-US" b="1" dirty="0"/>
+              <a:t>p</a:t>
+            </a:r>
+            <a:r>
+              <a:rPr lang="en-US" dirty="0"/>
+              <a:t>, followed by </a:t>
+            </a:r>
+            <a:r>
+              <a:rPr lang="en-US" b="1" dirty="0"/>
+              <a:t>R</a:t>
+            </a:r>
+            <a:r>
+              <a:rPr lang="en-US" dirty="0"/>
+              <a:t>, and lastly by </a:t>
+            </a:r>
+            <a:r>
+              <a:rPr lang="en-US" b="1" dirty="0"/>
+              <a:t>T</a:t>
+            </a:r>
+          </a:p>
+          <a:p>
+            <a:r>
+              <a:rPr lang="en-US" dirty="0"/>
+              <a:t>Then</a:t>
+            </a:r>
+          </a:p>
+          <a:p>
+            <a:pPr lvl="1"/>
+            <a:r>
+              <a:rPr lang="en-US" dirty="0"/>
+              <a:t>Compute new operator: </a:t>
+            </a:r>
+            <a:r>
+              <a:rPr lang="en-US" b="1" dirty="0"/>
+              <a:t>M</a:t>
+            </a:r>
+            <a:r>
+              <a:rPr lang="en-US" dirty="0"/>
+              <a:t> = </a:t>
+            </a:r>
+            <a:r>
+              <a:rPr lang="en-US" b="1" dirty="0"/>
+              <a:t>T R S</a:t>
+            </a:r>
+          </a:p>
+          <a:p>
+            <a:pPr lvl="1"/>
+            <a:r>
+              <a:rPr lang="en-US" b="1" dirty="0"/>
+              <a:t>p‘</a:t>
+            </a:r>
+            <a:r>
+              <a:rPr lang="en-US" dirty="0"/>
+              <a:t> = </a:t>
+            </a:r>
+            <a:r>
+              <a:rPr lang="en-US" b="1" dirty="0"/>
               <a:t>M p</a:t>
             </a:r>
           </a:p>
           <a:p>
             <a:r>
-              <a:rPr lang="en-US" b="1" dirty="0" smtClean="0"/>
+              <a:rPr lang="en-US" b="1" dirty="0"/>
               <a:t>M </a:t>
             </a:r>
             <a:r>
-              <a:rPr lang="en-US" dirty="0" smtClean="0"/>
+              <a:rPr lang="en-US" dirty="0"/>
               <a:t>can be applied to any vertex position (same effect as </a:t>
             </a:r>
             <a:r>
-              <a:rPr lang="en-US" b="1" dirty="0" smtClean="0"/>
+              <a:rPr lang="en-US" b="1" dirty="0"/>
               <a:t>T R S</a:t>
             </a:r>
             <a:r>
-              <a:rPr lang="en-US" dirty="0" smtClean="0"/>
+              <a:rPr lang="en-US" dirty="0"/>
               <a:t>)</a:t>
             </a:r>
           </a:p>
           <a:p>
             <a:pPr lvl="1"/>
             <a:r>
-              <a:rPr lang="en-US" dirty="0" smtClean="0"/>
+              <a:rPr lang="en-US" dirty="0"/>
               <a:t>More efficient then applying </a:t>
             </a:r>
             <a:r>
-              <a:rPr lang="en-US" b="1" dirty="0" smtClean="0"/>
+              <a:rPr lang="en-US" b="1" dirty="0"/>
               <a:t>T R S</a:t>
             </a:r>
             <a:r>
-              <a:rPr lang="en-US" dirty="0" smtClean="0"/>
+              <a:rPr lang="en-US" dirty="0"/>
               <a:t> separately!</a:t>
             </a:r>
           </a:p>
           <a:p>
             <a:pPr lvl="1"/>
             <a:r>
-              <a:rPr lang="en-US" dirty="0" smtClean="0"/>
-              <a:t>Order is important! </a:t>
-            </a:r>
-            <a:r>
-              <a:rPr lang="en-US" dirty="0"/>
-              <a:t>	</a:t>
-            </a:r>
-            <a:endParaRPr lang="en-US" dirty="0" smtClean="0"/>
+              <a:rPr lang="en-US" dirty="0"/>
+              <a:t>Order is important! 	</a:t>
+            </a:r>
           </a:p>
           <a:p>
             <a:pPr lvl="2"/>
             <a:r>
-              <a:rPr lang="en-US" b="1" dirty="0" smtClean="0"/>
+              <a:rPr lang="en-US" b="1" dirty="0"/>
               <a:t>T S &lt;&gt; S T</a:t>
             </a:r>
-            <a:endParaRPr lang="en-US" b="1" dirty="0"/>
           </a:p>
           <a:p>
             <a:endParaRPr lang="en-US" b="1" dirty="0"/>
@@ -4780,10 +4717,9 @@
           <a:lstStyle/>
           <a:p>
             <a:r>
-              <a:rPr lang="en-US" dirty="0" smtClean="0"/>
+              <a:rPr lang="en-US" dirty="0"/>
               <a:t>glMatrix.js: Matrix operator library</a:t>
             </a:r>
-            <a:endParaRPr lang="en-US" dirty="0"/>
           </a:p>
         </p:txBody>
       </p:sp>
@@ -4803,11 +4739,11 @@
           <a:lstStyle/>
           <a:p>
             <a:r>
-              <a:rPr lang="en-US" dirty="0" smtClean="0"/>
+              <a:rPr lang="en-US" dirty="0"/>
               <a:t>Download from </a:t>
             </a:r>
             <a:r>
-              <a:rPr lang="en-US" dirty="0" smtClean="0">
+              <a:rPr lang="en-US" dirty="0">
                 <a:hlinkClick r:id="rId2"/>
               </a:rPr>
               <a:t>http://glMarix.net</a:t>
@@ -4816,7 +4752,7 @@
           </a:p>
           <a:p>
             <a:r>
-              <a:rPr lang="en-US" dirty="0" smtClean="0"/>
+              <a:rPr lang="en-US" dirty="0"/>
               <a:t>Load into project:</a:t>
             </a:r>
           </a:p>
@@ -4824,7 +4760,7 @@
             <a:pPr marL="0" indent="0">
               <a:buNone/>
             </a:pPr>
-            <a:endParaRPr lang="en-US" dirty="0" smtClean="0"/>
+            <a:endParaRPr lang="en-US" dirty="0"/>
           </a:p>
         </p:txBody>
       </p:sp>
@@ -4898,10 +4834,9 @@
           <a:lstStyle/>
           <a:p>
             <a:r>
-              <a:rPr lang="en-US" dirty="0" smtClean="0"/>
+              <a:rPr lang="en-US" dirty="0"/>
               <a:t>glMatrix.js: Matrix operator library</a:t>
             </a:r>
-            <a:endParaRPr lang="en-US" dirty="0"/>
           </a:p>
         </p:txBody>
       </p:sp>
@@ -4921,11 +4856,11 @@
           <a:lstStyle/>
           <a:p>
             <a:r>
-              <a:rPr lang="en-US" dirty="0" smtClean="0"/>
+              <a:rPr lang="en-US" dirty="0"/>
               <a:t>Download from </a:t>
             </a:r>
             <a:r>
-              <a:rPr lang="en-US" dirty="0" smtClean="0">
+              <a:rPr lang="en-US" dirty="0">
                 <a:hlinkClick r:id="rId2"/>
               </a:rPr>
               <a:t>http://glMarix.net</a:t>
@@ -4934,7 +4869,7 @@
           </a:p>
           <a:p>
             <a:r>
-              <a:rPr lang="en-US" dirty="0" smtClean="0"/>
+              <a:rPr lang="en-US" dirty="0"/>
               <a:t>Load into project:</a:t>
             </a:r>
           </a:p>
@@ -4942,7 +4877,7 @@
             <a:pPr marL="0" indent="0">
               <a:buNone/>
             </a:pPr>
-            <a:endParaRPr lang="en-US" dirty="0" smtClean="0"/>
+            <a:endParaRPr lang="en-US" dirty="0"/>
           </a:p>
         </p:txBody>
       </p:sp>
@@ -5063,10 +4998,9 @@
           <a:lstStyle/>
           <a:p>
             <a:r>
-              <a:rPr lang="en-US" dirty="0" smtClean="0"/>
+              <a:rPr lang="en-US" dirty="0"/>
               <a:t>glMatrix.js: Matrix operator library</a:t>
             </a:r>
-            <a:endParaRPr lang="en-US" dirty="0"/>
           </a:p>
         </p:txBody>
       </p:sp>
@@ -5086,11 +5020,11 @@
           <a:lstStyle/>
           <a:p>
             <a:r>
-              <a:rPr lang="en-US" dirty="0" smtClean="0"/>
+              <a:rPr lang="en-US" dirty="0"/>
               <a:t>Download from </a:t>
             </a:r>
             <a:r>
-              <a:rPr lang="en-US" dirty="0" smtClean="0">
+              <a:rPr lang="en-US" dirty="0">
                 <a:hlinkClick r:id="rId2"/>
               </a:rPr>
               <a:t>http://glMarix.net</a:t>
@@ -5099,13 +5033,13 @@
           </a:p>
           <a:p>
             <a:r>
-              <a:rPr lang="en-US" dirty="0" smtClean="0"/>
+              <a:rPr lang="en-US" dirty="0"/>
               <a:t>Load into project:</a:t>
             </a:r>
           </a:p>
           <a:p>
             <a:r>
-              <a:rPr lang="en-US" dirty="0" smtClean="0"/>
+              <a:rPr lang="en-US" dirty="0"/>
               <a:t>Load glMarix.js in index.html:</a:t>
             </a:r>
           </a:p>
@@ -5113,7 +5047,7 @@
             <a:pPr marL="0" indent="0">
               <a:buNone/>
             </a:pPr>
-            <a:endParaRPr lang="en-US" dirty="0" smtClean="0"/>
+            <a:endParaRPr lang="en-US" dirty="0"/>
           </a:p>
         </p:txBody>
       </p:sp>
@@ -5186,18 +5120,13 @@
           <a:p>
             <a:pPr algn="ctr"/>
             <a:r>
-              <a:rPr lang="en-US" sz="2000" dirty="0" smtClean="0">
+              <a:rPr lang="en-US" sz="2000" dirty="0">
                 <a:solidFill>
                   <a:schemeClr val="tx1"/>
                 </a:solidFill>
               </a:rPr>
               <a:t>Index.html</a:t>
             </a:r>
-            <a:endParaRPr lang="en-US" sz="2000" dirty="0">
-              <a:solidFill>
-                <a:schemeClr val="tx1"/>
-              </a:solidFill>
-            </a:endParaRPr>
           </a:p>
         </p:txBody>
       </p:sp>
@@ -5247,10 +5176,9 @@
           <a:lstStyle/>
           <a:p>
             <a:r>
-              <a:rPr lang="en-US" dirty="0" smtClean="0"/>
+              <a:rPr lang="en-US" dirty="0"/>
               <a:t>glMatrix.js: Matrix operator library</a:t>
             </a:r>
-            <a:endParaRPr lang="en-US" dirty="0"/>
           </a:p>
         </p:txBody>
       </p:sp>
@@ -5270,11 +5198,11 @@
           <a:lstStyle/>
           <a:p>
             <a:r>
-              <a:rPr lang="en-US" dirty="0" smtClean="0"/>
+              <a:rPr lang="en-US" dirty="0"/>
               <a:t>Download from </a:t>
             </a:r>
             <a:r>
-              <a:rPr lang="en-US" dirty="0" smtClean="0">
+              <a:rPr lang="en-US" dirty="0">
                 <a:hlinkClick r:id="rId2"/>
               </a:rPr>
               <a:t>http://glMarix.net</a:t>
@@ -5283,13 +5211,13 @@
           </a:p>
           <a:p>
             <a:r>
-              <a:rPr lang="en-US" dirty="0" smtClean="0"/>
+              <a:rPr lang="en-US" dirty="0"/>
               <a:t>Load into project:</a:t>
             </a:r>
           </a:p>
           <a:p>
             <a:r>
-              <a:rPr lang="en-US" dirty="0" smtClean="0"/>
+              <a:rPr lang="en-US" dirty="0"/>
               <a:t>Load glMarix.js in index.html:</a:t>
             </a:r>
           </a:p>
@@ -5297,7 +5225,7 @@
             <a:pPr marL="0" indent="0">
               <a:buNone/>
             </a:pPr>
-            <a:endParaRPr lang="en-US" dirty="0" smtClean="0"/>
+            <a:endParaRPr lang="en-US" dirty="0"/>
           </a:p>
         </p:txBody>
       </p:sp>
@@ -5370,18 +5298,13 @@
           <a:p>
             <a:pPr algn="ctr"/>
             <a:r>
-              <a:rPr lang="en-US" sz="2000" dirty="0" smtClean="0">
+              <a:rPr lang="en-US" sz="2000" dirty="0">
                 <a:solidFill>
                   <a:schemeClr val="tx1"/>
                 </a:solidFill>
               </a:rPr>
               <a:t>Index.html</a:t>
             </a:r>
-            <a:endParaRPr lang="en-US" sz="2000" dirty="0">
-              <a:solidFill>
-                <a:schemeClr val="tx1"/>
-              </a:solidFill>
-            </a:endParaRPr>
           </a:p>
         </p:txBody>
       </p:sp>
@@ -5478,10 +5401,9 @@
           <a:lstStyle/>
           <a:p>
             <a:r>
-              <a:rPr lang="en-US" dirty="0" smtClean="0"/>
+              <a:rPr lang="en-US" dirty="0"/>
               <a:t>This Chapter</a:t>
             </a:r>
-            <a:endParaRPr lang="en-US" dirty="0"/>
           </a:p>
         </p:txBody>
       </p:sp>
@@ -5556,13 +5478,6 @@
   <p:clrMapOvr>
     <a:masterClrMapping/>
   </p:clrMapOvr>
-  <p:timing>
-    <p:tnLst>
-      <p:par>
-        <p:cTn id="1" dur="indefinite" restart="never" nodeType="tmRoot"/>
-      </p:par>
-    </p:tnLst>
-  </p:timing>
 </p:sld>
 </file>
 
@@ -5599,10 +5514,9 @@
           <a:lstStyle/>
           <a:p>
             <a:r>
-              <a:rPr lang="en-US" dirty="0" smtClean="0"/>
+              <a:rPr lang="en-US" dirty="0"/>
               <a:t>3.2: Matrix Transform Project</a:t>
             </a:r>
-            <a:endParaRPr lang="en-US" dirty="0"/>
           </a:p>
         </p:txBody>
       </p:sp>
@@ -5678,10 +5592,9 @@
           <a:lstStyle/>
           <a:p>
             <a:r>
-              <a:rPr lang="en-US" dirty="0" smtClean="0"/>
+              <a:rPr lang="en-US" dirty="0"/>
               <a:t>3.2: Goals</a:t>
             </a:r>
-            <a:endParaRPr lang="en-US" dirty="0"/>
           </a:p>
         </p:txBody>
       </p:sp>
@@ -5798,18 +5711,17 @@
           <a:lstStyle/>
           <a:p>
             <a:r>
-              <a:rPr lang="en-US" dirty="0" smtClean="0"/>
+              <a:rPr lang="en-US" dirty="0"/>
               <a:t>3.2: Vertex </a:t>
             </a:r>
             <a:r>
-              <a:rPr lang="en-US" dirty="0" err="1" smtClean="0"/>
+              <a:rPr lang="en-US" dirty="0" err="1"/>
               <a:t>Shader</a:t>
             </a:r>
             <a:r>
-              <a:rPr lang="en-US" dirty="0" smtClean="0"/>
+              <a:rPr lang="en-US" dirty="0"/>
               <a:t> with Transform Support</a:t>
             </a:r>
-            <a:endParaRPr lang="en-US" dirty="0"/>
           </a:p>
         </p:txBody>
       </p:sp>
@@ -5858,7 +5770,7 @@
           <a:p>
             <a:pPr algn="ctr"/>
             <a:r>
-              <a:rPr lang="en-US" sz="2000" dirty="0" err="1" smtClean="0">
+              <a:rPr lang="en-US" sz="2000" dirty="0" err="1">
                 <a:solidFill>
                   <a:schemeClr val="tx1"/>
                 </a:solidFill>
@@ -5943,18 +5855,17 @@
           <a:lstStyle/>
           <a:p>
             <a:r>
-              <a:rPr lang="en-US" dirty="0" smtClean="0"/>
+              <a:rPr lang="en-US" dirty="0"/>
               <a:t>3.2: Vertex </a:t>
             </a:r>
             <a:r>
-              <a:rPr lang="en-US" dirty="0" err="1" smtClean="0"/>
+              <a:rPr lang="en-US" dirty="0" err="1"/>
               <a:t>Shader</a:t>
             </a:r>
             <a:r>
-              <a:rPr lang="en-US" dirty="0" smtClean="0"/>
+              <a:rPr lang="en-US" dirty="0"/>
               <a:t> with Transform Support</a:t>
             </a:r>
-            <a:endParaRPr lang="en-US" dirty="0"/>
           </a:p>
         </p:txBody>
       </p:sp>
@@ -6050,7 +5961,7 @@
           <a:p>
             <a:pPr algn="ctr"/>
             <a:r>
-              <a:rPr lang="en-US" sz="2000" dirty="0" err="1" smtClean="0">
+              <a:rPr lang="en-US" sz="2000" dirty="0" err="1">
                 <a:solidFill>
                   <a:schemeClr val="tx1"/>
                 </a:solidFill>
@@ -6107,18 +6018,13 @@
           <a:lstStyle/>
           <a:p>
             <a:r>
-              <a:rPr lang="en-US" sz="2800" dirty="0" smtClean="0">
+              <a:rPr lang="en-US" sz="2800" dirty="0">
                 <a:solidFill>
                   <a:schemeClr val="tx1"/>
                 </a:solidFill>
               </a:rPr>
               <a:t>New uniform (load once) variable for matrix operator</a:t>
             </a:r>
-            <a:endParaRPr lang="en-US" sz="2800" dirty="0">
-              <a:solidFill>
-                <a:schemeClr val="tx1"/>
-              </a:solidFill>
-            </a:endParaRPr>
           </a:p>
         </p:txBody>
       </p:sp>
@@ -6192,18 +6098,17 @@
           <a:lstStyle/>
           <a:p>
             <a:r>
-              <a:rPr lang="en-US" dirty="0" smtClean="0"/>
+              <a:rPr lang="en-US" dirty="0"/>
               <a:t>3.2: Vertex </a:t>
             </a:r>
             <a:r>
-              <a:rPr lang="en-US" dirty="0" err="1" smtClean="0"/>
+              <a:rPr lang="en-US" dirty="0" err="1"/>
               <a:t>Shader</a:t>
             </a:r>
             <a:r>
-              <a:rPr lang="en-US" dirty="0" smtClean="0"/>
+              <a:rPr lang="en-US" dirty="0"/>
               <a:t> with Transform Support</a:t>
             </a:r>
-            <a:endParaRPr lang="en-US" dirty="0"/>
           </a:p>
         </p:txBody>
       </p:sp>
@@ -6299,7 +6204,7 @@
           <a:p>
             <a:pPr algn="ctr"/>
             <a:r>
-              <a:rPr lang="en-US" sz="2000" dirty="0" err="1" smtClean="0">
+              <a:rPr lang="en-US" sz="2000" dirty="0" err="1">
                 <a:solidFill>
                   <a:schemeClr val="tx1"/>
                 </a:solidFill>
@@ -6403,18 +6308,13 @@
           <a:lstStyle/>
           <a:p>
             <a:r>
-              <a:rPr lang="en-US" sz="2800" dirty="0" smtClean="0">
+              <a:rPr lang="en-US" sz="2800" dirty="0">
                 <a:solidFill>
                   <a:schemeClr val="tx1"/>
                 </a:solidFill>
               </a:rPr>
               <a:t>New uniform (load once) variable for matrix operator</a:t>
             </a:r>
-            <a:endParaRPr lang="en-US" sz="2800" dirty="0">
-              <a:solidFill>
-                <a:schemeClr val="tx1"/>
-              </a:solidFill>
-            </a:endParaRPr>
           </a:p>
         </p:txBody>
       </p:sp>
@@ -6460,18 +6360,13 @@
           <a:lstStyle/>
           <a:p>
             <a:r>
-              <a:rPr lang="en-US" sz="2800" dirty="0" smtClean="0">
+              <a:rPr lang="en-US" sz="2800" dirty="0">
                 <a:solidFill>
                   <a:schemeClr val="tx1"/>
                 </a:solidFill>
               </a:rPr>
               <a:t>Transform vertex by the uniform matrix operator</a:t>
             </a:r>
-            <a:endParaRPr lang="en-US" sz="2800" dirty="0">
-              <a:solidFill>
-                <a:schemeClr val="tx1"/>
-              </a:solidFill>
-            </a:endParaRPr>
           </a:p>
         </p:txBody>
       </p:sp>
@@ -6521,18 +6416,17 @@
           <a:lstStyle/>
           <a:p>
             <a:r>
-              <a:rPr lang="en-US" dirty="0" smtClean="0"/>
+              <a:rPr lang="en-US" dirty="0"/>
               <a:t>3.2: </a:t>
             </a:r>
             <a:r>
-              <a:rPr lang="en-US" dirty="0" err="1" smtClean="0"/>
+              <a:rPr lang="en-US" dirty="0" err="1"/>
               <a:t>SimpleShader</a:t>
             </a:r>
             <a:r>
-              <a:rPr lang="en-US" dirty="0" smtClean="0"/>
+              <a:rPr lang="en-US" dirty="0"/>
               <a:t> object</a:t>
             </a:r>
-            <a:endParaRPr lang="en-US" dirty="0"/>
           </a:p>
         </p:txBody>
       </p:sp>
@@ -6624,18 +6518,13 @@
           <a:p>
             <a:pPr algn="ctr"/>
             <a:r>
-              <a:rPr lang="en-US" sz="2000" dirty="0" smtClean="0">
+              <a:rPr lang="en-US" sz="2000" dirty="0">
                 <a:solidFill>
                   <a:schemeClr val="tx1"/>
                 </a:solidFill>
               </a:rPr>
               <a:t>SimpleShader.js</a:t>
             </a:r>
-            <a:endParaRPr lang="en-US" sz="2000" dirty="0">
-              <a:solidFill>
-                <a:schemeClr val="tx1"/>
-              </a:solidFill>
-            </a:endParaRPr>
           </a:p>
         </p:txBody>
       </p:sp>
@@ -6685,18 +6574,17 @@
           <a:lstStyle/>
           <a:p>
             <a:r>
-              <a:rPr lang="en-US" dirty="0" smtClean="0"/>
+              <a:rPr lang="en-US" dirty="0"/>
               <a:t>3.2: </a:t>
             </a:r>
             <a:r>
-              <a:rPr lang="en-US" dirty="0" err="1" smtClean="0"/>
+              <a:rPr lang="en-US" dirty="0" err="1"/>
               <a:t>SimpleShader</a:t>
             </a:r>
             <a:r>
-              <a:rPr lang="en-US" dirty="0" smtClean="0"/>
+              <a:rPr lang="en-US" dirty="0"/>
               <a:t> object</a:t>
             </a:r>
-            <a:endParaRPr lang="en-US" dirty="0"/>
           </a:p>
         </p:txBody>
       </p:sp>
@@ -6832,18 +6720,13 @@
           <a:lstStyle/>
           <a:p>
             <a:r>
-              <a:rPr lang="en-US" sz="2800" dirty="0" smtClean="0">
+              <a:rPr lang="en-US" sz="2800" dirty="0">
                 <a:solidFill>
                   <a:schemeClr val="tx1"/>
                 </a:solidFill>
               </a:rPr>
               <a:t>Keep a reference to the uniform variable transform operator</a:t>
             </a:r>
-            <a:endParaRPr lang="en-US" sz="2800" dirty="0">
-              <a:solidFill>
-                <a:schemeClr val="tx1"/>
-              </a:solidFill>
-            </a:endParaRPr>
           </a:p>
         </p:txBody>
       </p:sp>
@@ -6892,18 +6775,13 @@
           <a:p>
             <a:pPr algn="ctr"/>
             <a:r>
-              <a:rPr lang="en-US" sz="2000" dirty="0" smtClean="0">
+              <a:rPr lang="en-US" sz="2000" dirty="0">
                 <a:solidFill>
                   <a:schemeClr val="tx1"/>
                 </a:solidFill>
               </a:rPr>
               <a:t>SimpleShader.js</a:t>
             </a:r>
-            <a:endParaRPr lang="en-US" sz="2000" dirty="0">
-              <a:solidFill>
-                <a:schemeClr val="tx1"/>
-              </a:solidFill>
-            </a:endParaRPr>
           </a:p>
         </p:txBody>
       </p:sp>
@@ -6953,18 +6831,17 @@
           <a:lstStyle/>
           <a:p>
             <a:r>
-              <a:rPr lang="en-US" dirty="0" smtClean="0"/>
+              <a:rPr lang="en-US" dirty="0"/>
               <a:t>3.2: </a:t>
             </a:r>
             <a:r>
-              <a:rPr lang="en-US" dirty="0" err="1" smtClean="0"/>
+              <a:rPr lang="en-US" dirty="0" err="1"/>
               <a:t>SimpleShader</a:t>
             </a:r>
             <a:r>
-              <a:rPr lang="en-US" dirty="0" smtClean="0"/>
+              <a:rPr lang="en-US" dirty="0"/>
               <a:t> object</a:t>
             </a:r>
-            <a:endParaRPr lang="en-US" dirty="0"/>
           </a:p>
         </p:txBody>
       </p:sp>
@@ -7056,18 +6933,13 @@
           <a:p>
             <a:pPr algn="ctr"/>
             <a:r>
-              <a:rPr lang="en-US" sz="2000" dirty="0" smtClean="0">
+              <a:rPr lang="en-US" sz="2000" dirty="0">
                 <a:solidFill>
                   <a:schemeClr val="tx1"/>
                 </a:solidFill>
               </a:rPr>
               <a:t>SimpleShader.js</a:t>
             </a:r>
-            <a:endParaRPr lang="en-US" sz="2000" dirty="0">
-              <a:solidFill>
-                <a:schemeClr val="tx1"/>
-              </a:solidFill>
-            </a:endParaRPr>
           </a:p>
         </p:txBody>
       </p:sp>
@@ -7160,7 +7032,7 @@
           <a:lstStyle/>
           <a:p>
             <a:r>
-              <a:rPr lang="en-US" sz="2800" dirty="0" smtClean="0">
+              <a:rPr lang="en-US" sz="2800" dirty="0">
                 <a:solidFill>
                   <a:schemeClr val="tx1"/>
                 </a:solidFill>
@@ -7168,7 +7040,7 @@
               <a:t>Support loading of operator to the </a:t>
             </a:r>
             <a:r>
-              <a:rPr lang="en-US" sz="2800" dirty="0" err="1" smtClean="0">
+              <a:rPr lang="en-US" sz="2800" dirty="0" err="1">
                 <a:solidFill>
                   <a:schemeClr val="tx1"/>
                 </a:solidFill>
@@ -7176,18 +7048,13 @@
               <a:t>unform</a:t>
             </a:r>
             <a:r>
-              <a:rPr lang="en-US" sz="2800" dirty="0" smtClean="0">
+              <a:rPr lang="en-US" sz="2800" dirty="0">
                 <a:solidFill>
                   <a:schemeClr val="tx1"/>
                 </a:solidFill>
               </a:rPr>
               <a:t> variable during runtime</a:t>
             </a:r>
-            <a:endParaRPr lang="en-US" sz="2800" dirty="0">
-              <a:solidFill>
-                <a:schemeClr val="tx1"/>
-              </a:solidFill>
-            </a:endParaRPr>
           </a:p>
         </p:txBody>
       </p:sp>
@@ -7237,18 +7104,17 @@
           <a:lstStyle/>
           <a:p>
             <a:r>
-              <a:rPr lang="en-US" dirty="0" smtClean="0"/>
+              <a:rPr lang="en-US" dirty="0"/>
               <a:t>3.2: </a:t>
             </a:r>
             <a:r>
-              <a:rPr lang="en-US" dirty="0" err="1" smtClean="0"/>
+              <a:rPr lang="en-US" dirty="0" err="1"/>
               <a:t>Renderable</a:t>
             </a:r>
             <a:r>
-              <a:rPr lang="en-US" dirty="0" smtClean="0"/>
+              <a:rPr lang="en-US" dirty="0"/>
               <a:t> Support for Transformation</a:t>
             </a:r>
-            <a:endParaRPr lang="en-US" dirty="0"/>
           </a:p>
         </p:txBody>
       </p:sp>
@@ -7340,18 +7206,13 @@
           <a:p>
             <a:pPr algn="ctr"/>
             <a:r>
-              <a:rPr lang="en-US" sz="2000" dirty="0" smtClean="0">
+              <a:rPr lang="en-US" sz="2000" dirty="0">
                 <a:solidFill>
                   <a:schemeClr val="tx1"/>
                 </a:solidFill>
               </a:rPr>
               <a:t>Renderable.js</a:t>
             </a:r>
-            <a:endParaRPr lang="en-US" sz="2000" dirty="0">
-              <a:solidFill>
-                <a:schemeClr val="tx1"/>
-              </a:solidFill>
-            </a:endParaRPr>
           </a:p>
         </p:txBody>
       </p:sp>
@@ -7401,18 +7262,17 @@
           <a:lstStyle/>
           <a:p>
             <a:r>
-              <a:rPr lang="en-US" dirty="0" smtClean="0"/>
+              <a:rPr lang="en-US" dirty="0"/>
               <a:t>3.2: </a:t>
             </a:r>
             <a:r>
-              <a:rPr lang="en-US" dirty="0" err="1" smtClean="0"/>
+              <a:rPr lang="en-US" dirty="0" err="1"/>
               <a:t>Renderable</a:t>
             </a:r>
             <a:r>
-              <a:rPr lang="en-US" dirty="0" smtClean="0"/>
+              <a:rPr lang="en-US" dirty="0"/>
               <a:t> Support for Transformation</a:t>
             </a:r>
-            <a:endParaRPr lang="en-US" dirty="0"/>
           </a:p>
         </p:txBody>
       </p:sp>
@@ -7598,18 +7458,13 @@
           <a:p>
             <a:pPr algn="ctr"/>
             <a:r>
-              <a:rPr lang="en-US" sz="2000" dirty="0" smtClean="0">
+              <a:rPr lang="en-US" sz="2000" dirty="0">
                 <a:solidFill>
                   <a:schemeClr val="tx1"/>
                 </a:solidFill>
               </a:rPr>
               <a:t>Renderable.js</a:t>
             </a:r>
-            <a:endParaRPr lang="en-US" sz="2000" dirty="0">
-              <a:solidFill>
-                <a:schemeClr val="tx1"/>
-              </a:solidFill>
-            </a:endParaRPr>
           </a:p>
         </p:txBody>
       </p:sp>
@@ -7659,88 +7514,87 @@
           <a:lstStyle/>
           <a:p>
             <a:r>
-              <a:rPr lang="en-US" dirty="0" smtClean="0"/>
+              <a:rPr lang="en-US" dirty="0"/>
               <a:t>Coordinate Space and Pixels</a:t>
             </a:r>
+          </a:p>
+        </p:txBody>
+      </p:sp>
+      <p:sp>
+        <p:nvSpPr>
+          <p:cNvPr id="3" name="Content Placeholder 2"/>
+          <p:cNvSpPr>
+            <a:spLocks noGrp="1"/>
+          </p:cNvSpPr>
+          <p:nvPr>
+            <p:ph idx="1"/>
+          </p:nvPr>
+        </p:nvSpPr>
+        <p:spPr/>
+        <p:txBody>
+          <a:bodyPr/>
+          <a:lstStyle/>
+          <a:p>
+            <a:r>
+              <a:rPr lang="en-US" dirty="0"/>
+              <a:t>Bad to think pixels:</a:t>
+            </a:r>
+          </a:p>
+          <a:p>
+            <a:pPr lvl="1"/>
+            <a:r>
+              <a:rPr lang="en-US" dirty="0"/>
+              <a:t>Same game to run on a phone (low pixel count) and high resolution desk top monitor</a:t>
+            </a:r>
+          </a:p>
+          <a:p>
+            <a:r>
+              <a:rPr lang="en-US" dirty="0"/>
+              <a:t>Game object reference …</a:t>
+            </a:r>
+          </a:p>
+          <a:p>
+            <a:pPr lvl="1"/>
+            <a:r>
+              <a:rPr lang="en-US" dirty="0"/>
+              <a:t>In a chess game</a:t>
+            </a:r>
+          </a:p>
+          <a:p>
+            <a:pPr lvl="1"/>
+            <a:r>
+              <a:rPr lang="en-US" dirty="0"/>
+              <a:t>In a soccer game</a:t>
+            </a:r>
+          </a:p>
+          <a:p>
+            <a:r>
+              <a:rPr lang="en-US" dirty="0"/>
+              <a:t>Need for coordinate system support</a:t>
+            </a:r>
+          </a:p>
+          <a:p>
+            <a:pPr lvl="1"/>
+            <a:r>
+              <a:rPr lang="en-US" dirty="0"/>
+              <a:t>Cartesian Coordinate System: origin and axes</a:t>
+            </a:r>
+          </a:p>
+          <a:p>
+            <a:pPr lvl="1"/>
             <a:endParaRPr lang="en-US" dirty="0"/>
           </a:p>
-        </p:txBody>
-      </p:sp>
-      <p:sp>
-        <p:nvSpPr>
-          <p:cNvPr id="3" name="Content Placeholder 2"/>
-          <p:cNvSpPr>
-            <a:spLocks noGrp="1"/>
-          </p:cNvSpPr>
-          <p:nvPr>
-            <p:ph idx="1"/>
-          </p:nvPr>
-        </p:nvSpPr>
-        <p:spPr/>
-        <p:txBody>
-          <a:bodyPr/>
-          <a:lstStyle/>
-          <a:p>
-            <a:r>
-              <a:rPr lang="en-US" dirty="0" smtClean="0"/>
-              <a:t>Bad to think pixels:</a:t>
-            </a:r>
-          </a:p>
           <a:p>
             <a:pPr lvl="1"/>
-            <a:r>
-              <a:rPr lang="en-US" dirty="0" smtClean="0"/>
-              <a:t>Same game to run on a phone (low pixel count) and high resolution desk top monitor</a:t>
-            </a:r>
-          </a:p>
-          <a:p>
-            <a:r>
-              <a:rPr lang="en-US" dirty="0" smtClean="0"/>
-              <a:t>Game object reference …</a:t>
-            </a:r>
+            <a:endParaRPr lang="en-US" dirty="0"/>
           </a:p>
           <a:p>
             <a:pPr lvl="1"/>
-            <a:r>
-              <a:rPr lang="en-US" dirty="0" smtClean="0"/>
-              <a:t>In a chess game</a:t>
-            </a:r>
-          </a:p>
-          <a:p>
-            <a:pPr lvl="1"/>
-            <a:r>
-              <a:rPr lang="en-US" dirty="0" smtClean="0"/>
-              <a:t>In a soccer game</a:t>
-            </a:r>
-          </a:p>
-          <a:p>
-            <a:r>
-              <a:rPr lang="en-US" dirty="0" smtClean="0"/>
-              <a:t>Need for coordinate system support</a:t>
-            </a:r>
-          </a:p>
-          <a:p>
-            <a:pPr lvl="1"/>
-            <a:r>
-              <a:rPr lang="en-US" dirty="0" smtClean="0"/>
-              <a:t>Cartesian Coordinate System: origin and axes</a:t>
-            </a:r>
-          </a:p>
-          <a:p>
-            <a:pPr lvl="1"/>
-            <a:endParaRPr lang="en-US" dirty="0" smtClean="0"/>
-          </a:p>
-          <a:p>
-            <a:pPr lvl="1"/>
-            <a:endParaRPr lang="en-US" dirty="0" smtClean="0"/>
-          </a:p>
-          <a:p>
-            <a:pPr lvl="1"/>
-            <a:endParaRPr lang="en-US" dirty="0" smtClean="0"/>
+            <a:endParaRPr lang="en-US" dirty="0"/>
           </a:p>
           <a:p>
             <a:pPr lvl="2"/>
-            <a:endParaRPr lang="en-US" dirty="0" smtClean="0"/>
+            <a:endParaRPr lang="en-US" dirty="0"/>
           </a:p>
           <a:p>
             <a:endParaRPr lang="en-US" dirty="0"/>
@@ -7793,18 +7647,17 @@
           <a:lstStyle/>
           <a:p>
             <a:r>
-              <a:rPr lang="en-US" dirty="0" smtClean="0"/>
+              <a:rPr lang="en-US" dirty="0"/>
               <a:t>3.2: </a:t>
             </a:r>
             <a:r>
-              <a:rPr lang="en-US" dirty="0" err="1" smtClean="0"/>
+              <a:rPr lang="en-US" dirty="0" err="1"/>
               <a:t>MyGame</a:t>
             </a:r>
             <a:r>
-              <a:rPr lang="en-US" dirty="0" smtClean="0"/>
+              <a:rPr lang="en-US" dirty="0"/>
               <a:t> Testing of Transform</a:t>
             </a:r>
-            <a:endParaRPr lang="en-US" dirty="0"/>
           </a:p>
         </p:txBody>
       </p:sp>
@@ -7877,7 +7730,7 @@
           <a:p>
             <a:pPr algn="ctr"/>
             <a:r>
-              <a:rPr lang="en-US" sz="2000" dirty="0" err="1" smtClean="0">
+              <a:rPr lang="en-US" sz="2000" dirty="0" err="1">
                 <a:solidFill>
                   <a:schemeClr val="tx1"/>
                 </a:solidFill>
@@ -7938,18 +7791,17 @@
           <a:lstStyle/>
           <a:p>
             <a:r>
-              <a:rPr lang="en-US" dirty="0" smtClean="0"/>
+              <a:rPr lang="en-US" dirty="0"/>
               <a:t>3.2: </a:t>
             </a:r>
             <a:r>
-              <a:rPr lang="en-US" dirty="0" err="1" smtClean="0"/>
+              <a:rPr lang="en-US" dirty="0" err="1"/>
               <a:t>MyGame</a:t>
             </a:r>
             <a:r>
-              <a:rPr lang="en-US" dirty="0" smtClean="0"/>
+              <a:rPr lang="en-US" dirty="0"/>
               <a:t> Testing of Transform</a:t>
             </a:r>
-            <a:endParaRPr lang="en-US" dirty="0"/>
           </a:p>
         </p:txBody>
       </p:sp>
@@ -8069,7 +7921,7 @@
           <a:p>
             <a:pPr algn="ctr"/>
             <a:r>
-              <a:rPr lang="en-US" sz="2000" dirty="0" err="1" smtClean="0">
+              <a:rPr lang="en-US" sz="2000" dirty="0" err="1">
                 <a:solidFill>
                   <a:schemeClr val="tx1"/>
                 </a:solidFill>
@@ -8130,18 +7982,17 @@
           <a:lstStyle/>
           <a:p>
             <a:r>
-              <a:rPr lang="en-US" dirty="0" smtClean="0"/>
+              <a:rPr lang="en-US" dirty="0"/>
               <a:t>3.2: </a:t>
             </a:r>
             <a:r>
-              <a:rPr lang="en-US" dirty="0" err="1" smtClean="0"/>
+              <a:rPr lang="en-US" dirty="0" err="1"/>
               <a:t>MyGame</a:t>
             </a:r>
             <a:r>
-              <a:rPr lang="en-US" dirty="0" smtClean="0"/>
+              <a:rPr lang="en-US" dirty="0"/>
               <a:t> Testing of Transform</a:t>
             </a:r>
-            <a:endParaRPr lang="en-US" dirty="0"/>
           </a:p>
         </p:txBody>
       </p:sp>
@@ -8261,7 +8112,7 @@
           <a:p>
             <a:pPr algn="ctr"/>
             <a:r>
-              <a:rPr lang="en-US" sz="2000" dirty="0" err="1" smtClean="0">
+              <a:rPr lang="en-US" sz="2000" dirty="0" err="1">
                 <a:solidFill>
                   <a:schemeClr val="tx1"/>
                 </a:solidFill>
@@ -8369,18 +8220,13 @@
           <a:lstStyle/>
           <a:p>
             <a:r>
-              <a:rPr lang="en-US" dirty="0" smtClean="0">
+              <a:rPr lang="en-US" dirty="0">
                 <a:solidFill>
                   <a:srgbClr val="FF0000"/>
                 </a:solidFill>
               </a:rPr>
               <a:t>Question: What does this do?</a:t>
             </a:r>
-            <a:endParaRPr lang="en-US" dirty="0">
-              <a:solidFill>
-                <a:srgbClr val="FF0000"/>
-              </a:solidFill>
-            </a:endParaRPr>
           </a:p>
         </p:txBody>
       </p:sp>
@@ -8405,12 +8251,8 @@
               <a:buNone/>
             </a:pPr>
             <a:r>
-              <a:rPr lang="en-US" dirty="0" smtClean="0"/>
-              <a:t>// </a:t>
-            </a:r>
-            <a:r>
-              <a:rPr lang="en-US" dirty="0"/>
-              <a:t>create a new identity transform operator</a:t>
+              <a:rPr lang="en-US" dirty="0"/>
+              <a:t>// create a new identity transform operator</a:t>
             </a:r>
           </a:p>
           <a:p>
@@ -8418,19 +8260,19 @@
               <a:buNone/>
             </a:pPr>
             <a:r>
-              <a:rPr lang="en-US" dirty="0" err="1" smtClean="0"/>
+              <a:rPr lang="en-US" dirty="0" err="1"/>
               <a:t>var</a:t>
             </a:r>
             <a:r>
-              <a:rPr lang="en-US" dirty="0" smtClean="0"/>
+              <a:rPr lang="en-US" dirty="0"/>
               <a:t> </a:t>
             </a:r>
             <a:r>
-              <a:rPr lang="en-US" dirty="0" err="1" smtClean="0"/>
+              <a:rPr lang="en-US" dirty="0" err="1"/>
               <a:t>xform</a:t>
             </a:r>
             <a:r>
-              <a:rPr lang="en-US" dirty="0" smtClean="0"/>
+              <a:rPr lang="en-US" dirty="0"/>
               <a:t> = mat4.create();</a:t>
             </a:r>
           </a:p>
@@ -8439,16 +8281,8 @@
               <a:buNone/>
             </a:pPr>
             <a:r>
-              <a:rPr lang="en-US" dirty="0" smtClean="0"/>
+              <a:rPr lang="en-US" dirty="0"/>
               <a:t>mat4.translate(</a:t>
-            </a:r>
-            <a:r>
-              <a:rPr lang="en-US" dirty="0" err="1" smtClean="0"/>
-              <a:t>xform</a:t>
-            </a:r>
-            <a:r>
-              <a:rPr lang="en-US" dirty="0"/>
-              <a:t>, </a:t>
             </a:r>
             <a:r>
               <a:rPr lang="en-US" dirty="0" err="1"/>
@@ -8456,23 +8290,15 @@
             </a:r>
             <a:r>
               <a:rPr lang="en-US" dirty="0"/>
-              <a:t>, vec3.fromValues(-</a:t>
-            </a:r>
-            <a:r>
-              <a:rPr lang="en-US" dirty="0" smtClean="0"/>
-              <a:t>0.5</a:t>
-            </a:r>
-            <a:r>
-              <a:rPr lang="en-US" dirty="0"/>
               <a:t>, </a:t>
             </a:r>
             <a:r>
-              <a:rPr lang="en-US" dirty="0" smtClean="0"/>
-              <a:t>0.5</a:t>
-            </a:r>
-            <a:r>
-              <a:rPr lang="en-US" dirty="0"/>
-              <a:t>, 0.0));</a:t>
+              <a:rPr lang="en-US" dirty="0" err="1"/>
+              <a:t>xform</a:t>
+            </a:r>
+            <a:r>
+              <a:rPr lang="en-US" dirty="0"/>
+              <a:t>, vec3.fromValues(-0.5, 0.5, 0.0));</a:t>
             </a:r>
           </a:p>
           <a:p>
@@ -8480,16 +8306,8 @@
               <a:buNone/>
             </a:pPr>
             <a:r>
-              <a:rPr lang="en-US" dirty="0" smtClean="0"/>
+              <a:rPr lang="en-US" dirty="0"/>
               <a:t>mat4.rotateZ(</a:t>
-            </a:r>
-            <a:r>
-              <a:rPr lang="en-US" dirty="0" err="1" smtClean="0"/>
-              <a:t>xform</a:t>
-            </a:r>
-            <a:r>
-              <a:rPr lang="en-US" dirty="0"/>
-              <a:t>, </a:t>
             </a:r>
             <a:r>
               <a:rPr lang="en-US" dirty="0" err="1"/>
@@ -8500,12 +8318,12 @@
               <a:t>, </a:t>
             </a:r>
             <a:r>
-              <a:rPr lang="en-US" dirty="0" smtClean="0"/>
-              <a:t>3.14/4); </a:t>
-            </a:r>
-            <a:r>
-              <a:rPr lang="en-US" dirty="0"/>
-              <a:t>// rotation is in radian</a:t>
+              <a:rPr lang="en-US" dirty="0" err="1"/>
+              <a:t>xform</a:t>
+            </a:r>
+            <a:r>
+              <a:rPr lang="en-US" dirty="0"/>
+              <a:t>, 3.14/4); // rotation is in radian</a:t>
             </a:r>
           </a:p>
           <a:p>
@@ -8513,16 +8331,8 @@
               <a:buNone/>
             </a:pPr>
             <a:r>
-              <a:rPr lang="en-US" dirty="0" smtClean="0"/>
+              <a:rPr lang="en-US" dirty="0"/>
               <a:t>mat4.scale(</a:t>
-            </a:r>
-            <a:r>
-              <a:rPr lang="en-US" dirty="0" err="1" smtClean="0"/>
-              <a:t>xform</a:t>
-            </a:r>
-            <a:r>
-              <a:rPr lang="en-US" dirty="0"/>
-              <a:t>, </a:t>
             </a:r>
             <a:r>
               <a:rPr lang="en-US" dirty="0" err="1"/>
@@ -8533,12 +8343,12 @@
               <a:t>, </a:t>
             </a:r>
             <a:r>
-              <a:rPr lang="en-US" dirty="0" smtClean="0"/>
-              <a:t>vec3.fromValues(0.25, 0.25, </a:t>
-            </a:r>
-            <a:r>
-              <a:rPr lang="en-US" dirty="0"/>
-              <a:t>1.0));</a:t>
+              <a:rPr lang="en-US" dirty="0" err="1"/>
+              <a:t>xform</a:t>
+            </a:r>
+            <a:r>
+              <a:rPr lang="en-US" dirty="0"/>
+              <a:t>, vec3.fromValues(0.25, 0.25, 1.0));</a:t>
             </a:r>
           </a:p>
         </p:txBody>
@@ -8681,18 +8491,13 @@
           <a:lstStyle/>
           <a:p>
             <a:r>
-              <a:rPr lang="en-US" dirty="0" smtClean="0">
+              <a:rPr lang="en-US" dirty="0">
                 <a:solidFill>
                   <a:srgbClr val="FF0000"/>
                 </a:solidFill>
               </a:rPr>
               <a:t>Question: How about this?</a:t>
             </a:r>
-            <a:endParaRPr lang="en-US" dirty="0">
-              <a:solidFill>
-                <a:srgbClr val="FF0000"/>
-              </a:solidFill>
-            </a:endParaRPr>
           </a:p>
         </p:txBody>
       </p:sp>
@@ -8717,12 +8522,8 @@
               <a:buNone/>
             </a:pPr>
             <a:r>
-              <a:rPr lang="en-US" dirty="0" smtClean="0"/>
-              <a:t>// </a:t>
-            </a:r>
-            <a:r>
-              <a:rPr lang="en-US" dirty="0"/>
-              <a:t>create a new identity transform operator</a:t>
+              <a:rPr lang="en-US" dirty="0"/>
+              <a:t>// create a new identity transform operator</a:t>
             </a:r>
           </a:p>
           <a:p>
@@ -8730,19 +8531,19 @@
               <a:buNone/>
             </a:pPr>
             <a:r>
-              <a:rPr lang="en-US" dirty="0" err="1" smtClean="0"/>
+              <a:rPr lang="en-US" dirty="0" err="1"/>
               <a:t>var</a:t>
             </a:r>
             <a:r>
-              <a:rPr lang="en-US" dirty="0" smtClean="0"/>
+              <a:rPr lang="en-US" dirty="0"/>
               <a:t> </a:t>
             </a:r>
             <a:r>
-              <a:rPr lang="en-US" dirty="0" err="1" smtClean="0"/>
+              <a:rPr lang="en-US" dirty="0" err="1"/>
               <a:t>xform</a:t>
             </a:r>
             <a:r>
-              <a:rPr lang="en-US" dirty="0" smtClean="0"/>
+              <a:rPr lang="en-US" dirty="0"/>
               <a:t> = mat4.create();</a:t>
             </a:r>
           </a:p>
@@ -8776,16 +8577,8 @@
               <a:buNone/>
             </a:pPr>
             <a:r>
-              <a:rPr lang="en-US" dirty="0" smtClean="0"/>
+              <a:rPr lang="en-US" dirty="0"/>
               <a:t>mat4.rotateZ(</a:t>
-            </a:r>
-            <a:r>
-              <a:rPr lang="en-US" dirty="0" err="1" smtClean="0"/>
-              <a:t>xform</a:t>
-            </a:r>
-            <a:r>
-              <a:rPr lang="en-US" dirty="0"/>
-              <a:t>, </a:t>
             </a:r>
             <a:r>
               <a:rPr lang="en-US" dirty="0" err="1"/>
@@ -8796,16 +8589,12 @@
               <a:t>, </a:t>
             </a:r>
             <a:r>
-              <a:rPr lang="en-US" dirty="0" smtClean="0"/>
-              <a:t>3.14/4); </a:t>
-            </a:r>
-            <a:r>
-              <a:rPr lang="en-US" dirty="0"/>
-              <a:t>// rotation is in </a:t>
-            </a:r>
-            <a:r>
-              <a:rPr lang="en-US" dirty="0" smtClean="0"/>
-              <a:t>radian</a:t>
+              <a:rPr lang="en-US" dirty="0" err="1"/>
+              <a:t>xform</a:t>
+            </a:r>
+            <a:r>
+              <a:rPr lang="en-US" dirty="0"/>
+              <a:t>, 3.14/4); // rotation is in radian</a:t>
             </a:r>
           </a:p>
           <a:p>
@@ -8979,10 +8768,9 @@
           <a:lstStyle/>
           <a:p>
             <a:r>
-              <a:rPr lang="en-US" dirty="0" smtClean="0"/>
+              <a:rPr lang="en-US" dirty="0"/>
               <a:t>Learned?</a:t>
             </a:r>
-            <a:endParaRPr lang="en-US" dirty="0"/>
           </a:p>
         </p:txBody>
       </p:sp>
@@ -9002,72 +8790,71 @@
           <a:lstStyle/>
           <a:p>
             <a:r>
-              <a:rPr lang="en-US" dirty="0" smtClean="0"/>
+              <a:rPr lang="en-US" dirty="0"/>
               <a:t>Multiplication ordering is IMPORTANT</a:t>
             </a:r>
           </a:p>
           <a:p>
             <a:r>
-              <a:rPr lang="en-US" dirty="0" smtClean="0"/>
+              <a:rPr lang="en-US" dirty="0"/>
               <a:t>M = TRS</a:t>
             </a:r>
           </a:p>
           <a:p>
             <a:pPr lvl="1"/>
             <a:r>
-              <a:rPr lang="en-US" dirty="0" smtClean="0"/>
+              <a:rPr lang="en-US" dirty="0"/>
               <a:t>Is “</a:t>
             </a:r>
             <a:r>
-              <a:rPr lang="en-US" i="1" dirty="0" smtClean="0"/>
+              <a:rPr lang="en-US" i="1" dirty="0"/>
               <a:t>intuitive</a:t>
             </a:r>
             <a:r>
-              <a:rPr lang="en-US" dirty="0" smtClean="0"/>
+              <a:rPr lang="en-US" dirty="0"/>
               <a:t>”</a:t>
             </a:r>
           </a:p>
           <a:p>
             <a:pPr lvl="2"/>
             <a:r>
-              <a:rPr lang="en-US" dirty="0" smtClean="0"/>
+              <a:rPr lang="en-US" dirty="0"/>
               <a:t>Rotation </a:t>
             </a:r>
             <a:r>
-              <a:rPr lang="en-US" b="1" dirty="0" smtClean="0"/>
+              <a:rPr lang="en-US" b="1" dirty="0"/>
               <a:t>after </a:t>
             </a:r>
             <a:r>
-              <a:rPr lang="en-US" dirty="0" smtClean="0"/>
+              <a:rPr lang="en-US" dirty="0"/>
               <a:t>Scaling</a:t>
             </a:r>
           </a:p>
           <a:p>
             <a:pPr lvl="2"/>
             <a:r>
-              <a:rPr lang="en-US" b="1" dirty="0" smtClean="0"/>
+              <a:rPr lang="en-US" b="1" dirty="0"/>
               <a:t>Last</a:t>
             </a:r>
             <a:r>
-              <a:rPr lang="en-US" dirty="0" smtClean="0"/>
+              <a:rPr lang="en-US" dirty="0"/>
               <a:t>: translation </a:t>
             </a:r>
           </a:p>
           <a:p>
             <a:pPr lvl="1"/>
             <a:r>
-              <a:rPr lang="en-US" dirty="0" smtClean="0"/>
+              <a:rPr lang="en-US" dirty="0"/>
               <a:t>No “</a:t>
             </a:r>
             <a:r>
-              <a:rPr lang="en-US" i="1" dirty="0" smtClean="0"/>
+              <a:rPr lang="en-US" i="1" dirty="0"/>
               <a:t>unexpected</a:t>
             </a:r>
             <a:r>
-              <a:rPr lang="en-US" dirty="0" smtClean="0"/>
+              <a:rPr lang="en-US" dirty="0"/>
               <a:t>” movements!</a:t>
             </a:r>
-            <a:endParaRPr lang="en-US" dirty="0"/>
           </a:p>
         </p:txBody>
       </p:sp>
@@ -9117,10 +8904,9 @@
           <a:lstStyle/>
           <a:p>
             <a:r>
-              <a:rPr lang="en-US" dirty="0" smtClean="0"/>
+              <a:rPr lang="en-US" dirty="0"/>
               <a:t>3.3: Encapsulating Transform</a:t>
             </a:r>
-            <a:endParaRPr lang="en-US" dirty="0"/>
           </a:p>
         </p:txBody>
       </p:sp>
@@ -9196,10 +8982,9 @@
           <a:lstStyle/>
           <a:p>
             <a:r>
-              <a:rPr lang="en-US" dirty="0" smtClean="0"/>
+              <a:rPr lang="en-US" dirty="0"/>
               <a:t>3.3: Goals</a:t>
             </a:r>
-            <a:endParaRPr lang="en-US" dirty="0"/>
           </a:p>
         </p:txBody>
       </p:sp>
@@ -9292,10 +9077,9 @@
           <a:lstStyle/>
           <a:p>
             <a:r>
-              <a:rPr lang="en-US" dirty="0" smtClean="0"/>
+              <a:rPr lang="en-US" dirty="0"/>
               <a:t>Game World and Viewport</a:t>
             </a:r>
-            <a:endParaRPr lang="en-US" dirty="0"/>
           </a:p>
         </p:txBody>
       </p:sp>
@@ -9315,43 +9099,42 @@
           <a:lstStyle/>
           <a:p>
             <a:r>
-              <a:rPr lang="en-US" dirty="0" smtClean="0"/>
+              <a:rPr lang="en-US" dirty="0"/>
               <a:t>What coordinate system the game objects should be defined in?</a:t>
             </a:r>
           </a:p>
           <a:p>
             <a:pPr lvl="1"/>
             <a:r>
-              <a:rPr lang="en-US" dirty="0" smtClean="0"/>
+              <a:rPr lang="en-US" dirty="0"/>
               <a:t>Idea: need a “Game world coordinate system”</a:t>
             </a:r>
           </a:p>
           <a:p>
             <a:r>
-              <a:rPr lang="en-US" dirty="0" smtClean="0"/>
+              <a:rPr lang="en-US" dirty="0"/>
               <a:t>Which of the game objects should be drawn?</a:t>
             </a:r>
           </a:p>
           <a:p>
             <a:pPr lvl="1"/>
             <a:r>
-              <a:rPr lang="en-US" dirty="0" smtClean="0"/>
+              <a:rPr lang="en-US" dirty="0"/>
               <a:t>Idea: need a “Camera”</a:t>
             </a:r>
           </a:p>
           <a:p>
             <a:r>
-              <a:rPr lang="en-US" dirty="0" smtClean="0"/>
+              <a:rPr lang="en-US" dirty="0"/>
               <a:t>Where should the game objects be drawn to?</a:t>
             </a:r>
           </a:p>
           <a:p>
             <a:pPr lvl="1"/>
             <a:r>
-              <a:rPr lang="en-US" dirty="0" smtClean="0"/>
+              <a:rPr lang="en-US" dirty="0"/>
               <a:t>Idea: need a “Viewport”</a:t>
             </a:r>
-            <a:endParaRPr lang="en-US" dirty="0"/>
           </a:p>
         </p:txBody>
       </p:sp>
@@ -9401,10 +9184,9 @@
           <a:lstStyle/>
           <a:p>
             <a:r>
-              <a:rPr lang="en-US" dirty="0" smtClean="0"/>
+              <a:rPr lang="en-US" dirty="0"/>
               <a:t>3.3: The  Transform object</a:t>
             </a:r>
-            <a:endParaRPr lang="en-US" dirty="0"/>
           </a:p>
         </p:txBody>
       </p:sp>
@@ -9474,18 +9256,13 @@
           <a:lstStyle/>
           <a:p>
             <a:r>
-              <a:rPr lang="en-US" sz="2800" dirty="0" smtClean="0">
+              <a:rPr lang="en-US" sz="2800" dirty="0">
                 <a:solidFill>
                   <a:schemeClr val="tx1"/>
                 </a:solidFill>
               </a:rPr>
               <a:t>Other set/get functions</a:t>
             </a:r>
-            <a:endParaRPr lang="en-US" sz="2800" dirty="0">
-              <a:solidFill>
-                <a:schemeClr val="tx1"/>
-              </a:solidFill>
-            </a:endParaRPr>
           </a:p>
         </p:txBody>
       </p:sp>
@@ -9534,18 +9311,13 @@
           <a:p>
             <a:pPr algn="ctr"/>
             <a:r>
-              <a:rPr lang="en-US" sz="2000" dirty="0" smtClean="0">
+              <a:rPr lang="en-US" sz="2000" dirty="0">
                 <a:solidFill>
                   <a:schemeClr val="tx1"/>
                 </a:solidFill>
               </a:rPr>
               <a:t>Transform.js</a:t>
             </a:r>
-            <a:endParaRPr lang="en-US" sz="2000" dirty="0">
-              <a:solidFill>
-                <a:schemeClr val="tx1"/>
-              </a:solidFill>
-            </a:endParaRPr>
           </a:p>
         </p:txBody>
       </p:sp>
@@ -9595,18 +9367,9 @@
           <a:lstStyle/>
           <a:p>
             <a:r>
-              <a:rPr lang="en-US" dirty="0" smtClean="0"/>
-              <a:t>3.3: The Transform </a:t>
-            </a:r>
-            <a:r>
-              <a:rPr lang="en-US" dirty="0"/>
-              <a:t>O</a:t>
-            </a:r>
-            <a:r>
-              <a:rPr lang="en-US" dirty="0" smtClean="0"/>
-              <a:t>bject</a:t>
-            </a:r>
-            <a:endParaRPr lang="en-US" dirty="0"/>
+              <a:rPr lang="en-US" dirty="0"/>
+              <a:t>3.3: The Transform Object</a:t>
+            </a:r>
           </a:p>
         </p:txBody>
       </p:sp>
@@ -9678,7 +9441,7 @@
           <a:lstStyle/>
           <a:p>
             <a:r>
-              <a:rPr lang="en-US" sz="2800" dirty="0" smtClean="0">
+              <a:rPr lang="en-US" sz="2800" dirty="0">
                 <a:solidFill>
                   <a:schemeClr val="tx1"/>
                 </a:solidFill>
@@ -9686,7 +9449,7 @@
               <a:t>Computes: </a:t>
             </a:r>
             <a:r>
-              <a:rPr lang="en-US" sz="2800" b="1" dirty="0" smtClean="0">
+              <a:rPr lang="en-US" sz="2800" b="1" dirty="0">
                 <a:solidFill>
                   <a:schemeClr val="tx1"/>
                 </a:solidFill>
@@ -9696,18 +9459,13 @@
           </a:p>
           <a:p>
             <a:r>
-              <a:rPr lang="en-US" sz="2800" dirty="0" smtClean="0">
+              <a:rPr lang="en-US" sz="2800" dirty="0">
                 <a:solidFill>
                   <a:schemeClr val="tx1"/>
                 </a:solidFill>
               </a:rPr>
               <a:t>Most intuitive for users</a:t>
             </a:r>
-            <a:endParaRPr lang="en-US" sz="2800" dirty="0">
-              <a:solidFill>
-                <a:schemeClr val="tx1"/>
-              </a:solidFill>
-            </a:endParaRPr>
           </a:p>
         </p:txBody>
       </p:sp>
@@ -9757,18 +9515,17 @@
           <a:lstStyle/>
           <a:p>
             <a:r>
-              <a:rPr lang="en-US" dirty="0" smtClean="0"/>
+              <a:rPr lang="en-US" dirty="0"/>
               <a:t>3.3: </a:t>
             </a:r>
             <a:r>
-              <a:rPr lang="en-US" dirty="0" err="1" smtClean="0"/>
+              <a:rPr lang="en-US" dirty="0" err="1"/>
               <a:t>Renderable</a:t>
             </a:r>
             <a:r>
-              <a:rPr lang="en-US" dirty="0" smtClean="0"/>
+              <a:rPr lang="en-US" dirty="0"/>
               <a:t> Object with Transform</a:t>
             </a:r>
-            <a:endParaRPr lang="en-US" dirty="0"/>
           </a:p>
         </p:txBody>
       </p:sp>
@@ -9843,18 +9600,13 @@
           <a:p>
             <a:pPr algn="ctr"/>
             <a:r>
-              <a:rPr lang="en-US" sz="2000" dirty="0" smtClean="0">
+              <a:rPr lang="en-US" sz="2000" dirty="0">
                 <a:solidFill>
                   <a:schemeClr val="tx1"/>
                 </a:solidFill>
               </a:rPr>
               <a:t>Renderable.js</a:t>
             </a:r>
-            <a:endParaRPr lang="en-US" sz="2000" dirty="0">
-              <a:solidFill>
-                <a:schemeClr val="tx1"/>
-              </a:solidFill>
-            </a:endParaRPr>
           </a:p>
         </p:txBody>
       </p:sp>
@@ -9868,13 +9620,6 @@
   <p:clrMapOvr>
     <a:masterClrMapping/>
   </p:clrMapOvr>
-  <p:timing>
-    <p:tnLst>
-      <p:par>
-        <p:cTn id="1" dur="indefinite" restart="never" nodeType="tmRoot"/>
-      </p:par>
-    </p:tnLst>
-  </p:timing>
 </p:sld>
 </file>
 
@@ -9911,18 +9656,17 @@
           <a:lstStyle/>
           <a:p>
             <a:r>
-              <a:rPr lang="en-US" dirty="0" smtClean="0"/>
+              <a:rPr lang="en-US" dirty="0"/>
               <a:t>3.3: </a:t>
             </a:r>
             <a:r>
-              <a:rPr lang="en-US" dirty="0" err="1" smtClean="0"/>
+              <a:rPr lang="en-US" dirty="0" err="1"/>
               <a:t>Renderable</a:t>
             </a:r>
             <a:r>
-              <a:rPr lang="en-US" dirty="0" smtClean="0"/>
+              <a:rPr lang="en-US" dirty="0"/>
               <a:t> Object with Transform</a:t>
             </a:r>
-            <a:endParaRPr lang="en-US" dirty="0"/>
           </a:p>
         </p:txBody>
       </p:sp>
@@ -10044,18 +9788,13 @@
           <a:p>
             <a:pPr algn="ctr"/>
             <a:r>
-              <a:rPr lang="en-US" sz="2000" dirty="0" smtClean="0">
+              <a:rPr lang="en-US" sz="2000" dirty="0">
                 <a:solidFill>
                   <a:schemeClr val="tx1"/>
                 </a:solidFill>
               </a:rPr>
               <a:t>Renderable.js</a:t>
             </a:r>
-            <a:endParaRPr lang="en-US" sz="2000" dirty="0">
-              <a:solidFill>
-                <a:schemeClr val="tx1"/>
-              </a:solidFill>
-            </a:endParaRPr>
           </a:p>
         </p:txBody>
       </p:sp>
@@ -10163,13 +9902,6 @@
   <p:clrMapOvr>
     <a:masterClrMapping/>
   </p:clrMapOvr>
-  <p:timing>
-    <p:tnLst>
-      <p:par>
-        <p:cTn id="1" dur="indefinite" restart="never" nodeType="tmRoot"/>
-      </p:par>
-    </p:tnLst>
-  </p:timing>
 </p:sld>
 </file>
 
@@ -10206,18 +9938,17 @@
           <a:lstStyle/>
           <a:p>
             <a:r>
-              <a:rPr lang="en-US" dirty="0" smtClean="0"/>
+              <a:rPr lang="en-US" dirty="0"/>
               <a:t>3.3: Testing </a:t>
             </a:r>
             <a:r>
-              <a:rPr lang="en-US" dirty="0" err="1" smtClean="0"/>
+              <a:rPr lang="en-US" dirty="0" err="1"/>
               <a:t>Renderable</a:t>
             </a:r>
             <a:r>
-              <a:rPr lang="en-US" dirty="0" smtClean="0"/>
+              <a:rPr lang="en-US" dirty="0"/>
               <a:t> with Transform</a:t>
             </a:r>
-            <a:endParaRPr lang="en-US" dirty="0"/>
           </a:p>
         </p:txBody>
       </p:sp>
@@ -10292,18 +10023,13 @@
           <a:p>
             <a:pPr algn="ctr"/>
             <a:r>
-              <a:rPr lang="en-US" sz="2000" dirty="0" smtClean="0">
+              <a:rPr lang="en-US" sz="2000" dirty="0">
                 <a:solidFill>
                   <a:schemeClr val="tx1"/>
                 </a:solidFill>
               </a:rPr>
               <a:t>MyGame.js</a:t>
             </a:r>
-            <a:endParaRPr lang="en-US" sz="2000" dirty="0">
-              <a:solidFill>
-                <a:schemeClr val="tx1"/>
-              </a:solidFill>
-            </a:endParaRPr>
           </a:p>
         </p:txBody>
       </p:sp>
@@ -10317,13 +10043,6 @@
   <p:clrMapOvr>
     <a:masterClrMapping/>
   </p:clrMapOvr>
-  <p:timing>
-    <p:tnLst>
-      <p:par>
-        <p:cTn id="1" dur="indefinite" restart="never" nodeType="tmRoot"/>
-      </p:par>
-    </p:tnLst>
-  </p:timing>
 </p:sld>
 </file>
 
@@ -10360,18 +10079,17 @@
           <a:lstStyle/>
           <a:p>
             <a:r>
-              <a:rPr lang="en-US" dirty="0" smtClean="0"/>
+              <a:rPr lang="en-US" dirty="0"/>
               <a:t>3.3: Testing </a:t>
             </a:r>
             <a:r>
-              <a:rPr lang="en-US" dirty="0" err="1" smtClean="0"/>
+              <a:rPr lang="en-US" dirty="0" err="1"/>
               <a:t>Renderable</a:t>
             </a:r>
             <a:r>
-              <a:rPr lang="en-US" dirty="0" smtClean="0"/>
+              <a:rPr lang="en-US" dirty="0"/>
               <a:t> with Transform</a:t>
             </a:r>
-            <a:endParaRPr lang="en-US" dirty="0"/>
           </a:p>
         </p:txBody>
       </p:sp>
@@ -10446,18 +10164,13 @@
           <a:p>
             <a:pPr algn="ctr"/>
             <a:r>
-              <a:rPr lang="en-US" sz="2000" dirty="0" smtClean="0">
+              <a:rPr lang="en-US" sz="2000" dirty="0">
                 <a:solidFill>
                   <a:schemeClr val="tx1"/>
                 </a:solidFill>
               </a:rPr>
               <a:t>MyGame.js</a:t>
             </a:r>
-            <a:endParaRPr lang="en-US" sz="2000" dirty="0">
-              <a:solidFill>
-                <a:schemeClr val="tx1"/>
-              </a:solidFill>
-            </a:endParaRPr>
           </a:p>
         </p:txBody>
       </p:sp>
@@ -10518,13 +10231,6 @@
   <p:clrMapOvr>
     <a:masterClrMapping/>
   </p:clrMapOvr>
-  <p:timing>
-    <p:tnLst>
-      <p:par>
-        <p:cTn id="1" dur="indefinite" restart="never" nodeType="tmRoot"/>
-      </p:par>
-    </p:tnLst>
-  </p:timing>
 </p:sld>
 </file>
 
@@ -10561,18 +10267,17 @@
           <a:lstStyle/>
           <a:p>
             <a:r>
-              <a:rPr lang="en-US" dirty="0" smtClean="0"/>
+              <a:rPr lang="en-US" dirty="0"/>
               <a:t>3.3: Testing </a:t>
             </a:r>
             <a:r>
-              <a:rPr lang="en-US" dirty="0" err="1" smtClean="0"/>
+              <a:rPr lang="en-US" dirty="0" err="1"/>
               <a:t>Renderable</a:t>
             </a:r>
             <a:r>
-              <a:rPr lang="en-US" dirty="0" smtClean="0"/>
+              <a:rPr lang="en-US" dirty="0"/>
               <a:t> with Transform</a:t>
             </a:r>
-            <a:endParaRPr lang="en-US" dirty="0"/>
           </a:p>
         </p:txBody>
       </p:sp>
@@ -10647,18 +10352,13 @@
           <a:p>
             <a:pPr algn="ctr"/>
             <a:r>
-              <a:rPr lang="en-US" sz="2000" dirty="0" smtClean="0">
+              <a:rPr lang="en-US" sz="2000" dirty="0">
                 <a:solidFill>
                   <a:schemeClr val="tx1"/>
                 </a:solidFill>
               </a:rPr>
               <a:t>MyGame.js</a:t>
             </a:r>
-            <a:endParaRPr lang="en-US" sz="2000" dirty="0">
-              <a:solidFill>
-                <a:schemeClr val="tx1"/>
-              </a:solidFill>
-            </a:endParaRPr>
           </a:p>
         </p:txBody>
       </p:sp>
@@ -10766,13 +10466,6 @@
   <p:clrMapOvr>
     <a:masterClrMapping/>
   </p:clrMapOvr>
-  <p:timing>
-    <p:tnLst>
-      <p:par>
-        <p:cTn id="1" dur="indefinite" restart="never" nodeType="tmRoot"/>
-      </p:par>
-    </p:tnLst>
-  </p:timing>
 </p:sld>
 </file>
 
@@ -10809,18 +10502,13 @@
           <a:lstStyle/>
           <a:p>
             <a:r>
-              <a:rPr lang="en-US" dirty="0" smtClean="0">
+              <a:rPr lang="en-US" dirty="0">
                 <a:solidFill>
                   <a:srgbClr val="FF0000"/>
                 </a:solidFill>
               </a:rPr>
               <a:t>Question: What happens?</a:t>
             </a:r>
-            <a:endParaRPr lang="en-US" dirty="0">
-              <a:solidFill>
-                <a:srgbClr val="FF0000"/>
-              </a:solidFill>
-            </a:endParaRPr>
           </a:p>
         </p:txBody>
       </p:sp>
@@ -10845,7 +10533,7 @@
               <a:buNone/>
             </a:pPr>
             <a:r>
-              <a:rPr lang="en-US" dirty="0" err="1" smtClean="0"/>
+              <a:rPr lang="en-US" dirty="0" err="1"/>
               <a:t>this.mSq.getXform</a:t>
             </a:r>
             <a:r>
@@ -10853,21 +10541,20 @@
               <a:t>().</a:t>
             </a:r>
             <a:r>
-              <a:rPr lang="en-US" dirty="0" err="1" smtClean="0"/>
+              <a:rPr lang="en-US" dirty="0" err="1"/>
               <a:t>setPosition</a:t>
             </a:r>
             <a:r>
-              <a:rPr lang="en-US" dirty="0" smtClean="0"/>
+              <a:rPr lang="en-US" dirty="0"/>
               <a:t>(20, 30);</a:t>
             </a:r>
-            <a:endParaRPr lang="en-US" dirty="0"/>
           </a:p>
           <a:p>
             <a:pPr marL="0" indent="0">
               <a:buNone/>
             </a:pPr>
             <a:r>
-              <a:rPr lang="en-US" dirty="0" err="1" smtClean="0"/>
+              <a:rPr lang="en-US" dirty="0" err="1"/>
               <a:t>this.mSq.getXform</a:t>
             </a:r>
             <a:r>
@@ -10875,29 +10562,20 @@
               <a:t>().</a:t>
             </a:r>
             <a:r>
-              <a:rPr lang="en-US" dirty="0" err="1" smtClean="0"/>
+              <a:rPr lang="en-US" dirty="0" err="1"/>
               <a:t>setRotationInDegree</a:t>
             </a:r>
             <a:r>
-              <a:rPr lang="en-US" dirty="0" smtClean="0"/>
-              <a:t>(90); </a:t>
-            </a:r>
-            <a:r>
-              <a:rPr lang="en-US" dirty="0"/>
-              <a:t>// In </a:t>
-            </a:r>
-            <a:r>
-              <a:rPr lang="en-US" dirty="0" smtClean="0"/>
-              <a:t>Degrees</a:t>
-            </a:r>
-            <a:endParaRPr lang="en-US" dirty="0"/>
+              <a:rPr lang="en-US" dirty="0"/>
+              <a:t>(90); // In Degrees</a:t>
+            </a:r>
           </a:p>
           <a:p>
             <a:pPr marL="0" indent="0">
               <a:buNone/>
             </a:pPr>
             <a:r>
-              <a:rPr lang="en-US" dirty="0" err="1" smtClean="0"/>
+              <a:rPr lang="en-US" dirty="0" err="1"/>
               <a:t>this.mSq.getXform</a:t>
             </a:r>
             <a:r>
@@ -10905,11 +10583,11 @@
               <a:t>().</a:t>
             </a:r>
             <a:r>
-              <a:rPr lang="en-US" dirty="0" err="1" smtClean="0"/>
+              <a:rPr lang="en-US" dirty="0" err="1"/>
               <a:t>setSize</a:t>
             </a:r>
             <a:r>
-              <a:rPr lang="en-US" dirty="0" smtClean="0"/>
+              <a:rPr lang="en-US" dirty="0"/>
               <a:t>(4, 2);</a:t>
             </a:r>
           </a:p>
@@ -10918,11 +10596,11 @@
               <a:buNone/>
             </a:pPr>
             <a:r>
-              <a:rPr lang="en-US" dirty="0" smtClean="0"/>
+              <a:rPr lang="en-US" dirty="0"/>
               <a:t>// </a:t>
             </a:r>
             <a:r>
-              <a:rPr lang="en-US" b="1" dirty="0" smtClean="0">
+              <a:rPr lang="en-US" b="1" dirty="0">
                 <a:solidFill>
                   <a:srgbClr val="FF0000"/>
                 </a:solidFill>
@@ -10941,11 +10619,11 @@
               <a:buNone/>
             </a:pPr>
             <a:r>
-              <a:rPr lang="en-US" dirty="0" err="1" smtClean="0"/>
+              <a:rPr lang="en-US" dirty="0" err="1"/>
               <a:t>this.mSq.draw</a:t>
             </a:r>
             <a:r>
-              <a:rPr lang="en-US" dirty="0" smtClean="0"/>
+              <a:rPr lang="en-US" dirty="0"/>
               <a:t>();</a:t>
             </a:r>
           </a:p>
@@ -10954,7 +10632,7 @@
               <a:buNone/>
             </a:pPr>
             <a:r>
-              <a:rPr lang="en-US" dirty="0" smtClean="0"/>
+              <a:rPr lang="en-US" dirty="0"/>
               <a:t>// </a:t>
             </a:r>
             <a:r>
@@ -10963,21 +10641,8 @@
                   <a:srgbClr val="FF0000"/>
                 </a:solidFill>
               </a:rPr>
-              <a:t>what </a:t>
-            </a:r>
-            <a:r>
-              <a:rPr lang="en-US" b="1" dirty="0" smtClean="0">
-                <a:solidFill>
-                  <a:srgbClr val="FF0000"/>
-                </a:solidFill>
-              </a:rPr>
-              <a:t>will I see?</a:t>
-            </a:r>
-            <a:endParaRPr lang="en-US" b="1" dirty="0">
-              <a:solidFill>
-                <a:srgbClr val="FF0000"/>
-              </a:solidFill>
-            </a:endParaRPr>
+              <a:t>what will I see?</a:t>
+            </a:r>
           </a:p>
           <a:p>
             <a:pPr marL="0" indent="0">
@@ -11033,10 +10698,9 @@
           <a:lstStyle/>
           <a:p>
             <a:r>
-              <a:rPr lang="en-US" dirty="0" smtClean="0"/>
+              <a:rPr lang="en-US" dirty="0"/>
               <a:t>Coordinate Systems and Viewport</a:t>
             </a:r>
-            <a:endParaRPr lang="en-US" dirty="0"/>
           </a:p>
         </p:txBody>
       </p:sp>
@@ -11056,61 +10720,61 @@
           <a:lstStyle/>
           <a:p>
             <a:r>
-              <a:rPr lang="en-US" dirty="0" smtClean="0"/>
+              <a:rPr lang="en-US" dirty="0"/>
               <a:t>Design a soccer game</a:t>
             </a:r>
           </a:p>
           <a:p>
             <a:pPr lvl="1"/>
             <a:r>
-              <a:rPr lang="en-US" dirty="0" smtClean="0"/>
+              <a:rPr lang="en-US" dirty="0"/>
               <a:t>Where are the center of the field, goal posts? What unit should you use?</a:t>
             </a:r>
           </a:p>
           <a:p>
             <a:pPr lvl="1"/>
             <a:r>
-              <a:rPr lang="en-US" dirty="0" smtClean="0"/>
+              <a:rPr lang="en-US" dirty="0"/>
               <a:t>You probably want: units in Meters?</a:t>
             </a:r>
           </a:p>
           <a:p>
             <a:pPr lvl="1"/>
             <a:r>
-              <a:rPr lang="en-US" dirty="0" smtClean="0"/>
+              <a:rPr lang="en-US" dirty="0"/>
               <a:t>Center of field at (0,0) or Left court boundary is X=0?</a:t>
             </a:r>
           </a:p>
           <a:p>
             <a:r>
-              <a:rPr lang="en-US" dirty="0" smtClean="0"/>
+              <a:rPr lang="en-US" dirty="0"/>
               <a:t>Design a chess game</a:t>
             </a:r>
           </a:p>
           <a:p>
             <a:pPr lvl="1"/>
             <a:r>
-              <a:rPr lang="en-US" dirty="0" smtClean="0"/>
+              <a:rPr lang="en-US" dirty="0"/>
               <a:t>Where are the locations of the King, Queen, and Knight?</a:t>
             </a:r>
           </a:p>
           <a:p>
             <a:pPr lvl="1"/>
             <a:r>
-              <a:rPr lang="en-US" dirty="0" smtClean="0"/>
+              <a:rPr lang="en-US" dirty="0"/>
               <a:t>Probably coordinate in discrete locations (1.5, 1.5) does _NOT_ make sense?!</a:t>
             </a:r>
           </a:p>
           <a:p>
             <a:r>
-              <a:rPr lang="en-US" dirty="0" smtClean="0"/>
+              <a:rPr lang="en-US" dirty="0"/>
               <a:t>Display to where in the canvas?</a:t>
             </a:r>
           </a:p>
           <a:p>
             <a:pPr lvl="1"/>
             <a:r>
-              <a:rPr lang="en-US" dirty="0" smtClean="0"/>
+              <a:rPr lang="en-US" dirty="0"/>
               <a:t>What if you want to reserve part of canvas for UI?</a:t>
             </a:r>
           </a:p>
@@ -11168,10 +10832,9 @@
           <a:lstStyle/>
           <a:p>
             <a:r>
-              <a:rPr lang="en-US" dirty="0" smtClean="0"/>
+              <a:rPr lang="en-US" dirty="0"/>
               <a:t>Cartesian Coordinate System</a:t>
             </a:r>
-            <a:endParaRPr lang="en-US" dirty="0"/>
           </a:p>
         </p:txBody>
       </p:sp>
@@ -11292,10 +10955,9 @@
           <a:lstStyle/>
           <a:p>
             <a:r>
-              <a:rPr lang="en-US" dirty="0" smtClean="0"/>
+              <a:rPr lang="en-US" dirty="0"/>
               <a:t>Encapsulating Drawing</a:t>
             </a:r>
-            <a:endParaRPr lang="en-US" dirty="0"/>
           </a:p>
         </p:txBody>
       </p:sp>
@@ -11315,41 +10977,41 @@
           <a:lstStyle/>
           <a:p>
             <a:r>
-              <a:rPr lang="en-US" dirty="0" smtClean="0"/>
+              <a:rPr lang="en-US" dirty="0"/>
               <a:t>Drawing with </a:t>
             </a:r>
             <a:r>
-              <a:rPr lang="en-US" dirty="0" err="1" smtClean="0"/>
+              <a:rPr lang="en-US" dirty="0" err="1"/>
               <a:t>WebGL</a:t>
             </a:r>
             <a:r>
-              <a:rPr lang="en-US" dirty="0" smtClean="0"/>
+              <a:rPr lang="en-US" dirty="0"/>
               <a:t> is messy and non-trivial</a:t>
             </a:r>
           </a:p>
           <a:p>
             <a:r>
-              <a:rPr lang="en-US" dirty="0" smtClean="0"/>
+              <a:rPr lang="en-US" dirty="0"/>
               <a:t>Define object to hide the drawing operation</a:t>
             </a:r>
           </a:p>
           <a:p>
             <a:r>
-              <a:rPr lang="en-US" dirty="0" smtClean="0"/>
+              <a:rPr lang="en-US" dirty="0"/>
               <a:t>Goal:</a:t>
             </a:r>
           </a:p>
           <a:p>
             <a:pPr lvl="1"/>
             <a:r>
-              <a:rPr lang="en-US" dirty="0" smtClean="0"/>
+              <a:rPr lang="en-US" dirty="0"/>
               <a:t>No need to worry about drawing</a:t>
             </a:r>
           </a:p>
           <a:p>
             <a:pPr lvl="1"/>
             <a:r>
-              <a:rPr lang="en-US" dirty="0" smtClean="0"/>
+              <a:rPr lang="en-US" dirty="0"/>
               <a:t>Can focus on thinking and building game-specific support</a:t>
             </a:r>
           </a:p>
@@ -11434,69 +11096,67 @@
           <a:lstStyle/>
           <a:p>
             <a:r>
-              <a:rPr lang="en-US" dirty="0" smtClean="0"/>
+              <a:rPr lang="en-US" dirty="0"/>
               <a:t>Currently: Drawing</a:t>
             </a:r>
+          </a:p>
+        </p:txBody>
+      </p:sp>
+      <p:sp>
+        <p:nvSpPr>
+          <p:cNvPr id="3" name="Content Placeholder 2"/>
+          <p:cNvSpPr>
+            <a:spLocks noGrp="1"/>
+          </p:cNvSpPr>
+          <p:nvPr>
+            <p:ph idx="1"/>
+          </p:nvPr>
+        </p:nvSpPr>
+        <p:spPr/>
+        <p:txBody>
+          <a:bodyPr/>
+          <a:lstStyle/>
+          <a:p>
+            <a:r>
+              <a:rPr lang="en-US" dirty="0"/>
+              <a:t>Model space:</a:t>
+            </a:r>
+          </a:p>
+          <a:p>
+            <a:pPr lvl="1"/>
+            <a:r>
+              <a:rPr lang="en-US" dirty="0"/>
+              <a:t>Defines the unit square</a:t>
+            </a:r>
+          </a:p>
+          <a:p>
             <a:endParaRPr lang="en-US" dirty="0"/>
           </a:p>
-        </p:txBody>
-      </p:sp>
-      <p:sp>
-        <p:nvSpPr>
-          <p:cNvPr id="3" name="Content Placeholder 2"/>
-          <p:cNvSpPr>
-            <a:spLocks noGrp="1"/>
-          </p:cNvSpPr>
-          <p:nvPr>
-            <p:ph idx="1"/>
-          </p:nvPr>
-        </p:nvSpPr>
-        <p:spPr/>
-        <p:txBody>
-          <a:bodyPr/>
-          <a:lstStyle/>
-          <a:p>
-            <a:r>
-              <a:rPr lang="en-US" dirty="0" smtClean="0"/>
-              <a:t>Model space:</a:t>
-            </a:r>
-          </a:p>
-          <a:p>
-            <a:pPr lvl="1"/>
-            <a:r>
-              <a:rPr lang="en-US" dirty="0" smtClean="0"/>
-              <a:t>Defines the unit square</a:t>
-            </a:r>
-          </a:p>
-          <a:p>
-            <a:endParaRPr lang="en-US" dirty="0" smtClean="0"/>
-          </a:p>
           <a:p>
             <a:endParaRPr lang="en-US" dirty="0"/>
           </a:p>
           <a:p>
             <a:r>
-              <a:rPr lang="en-US" dirty="0" smtClean="0"/>
+              <a:rPr lang="en-US" dirty="0"/>
               <a:t>Vertex Buffer “</a:t>
             </a:r>
             <a:r>
-              <a:rPr lang="en-US" dirty="0" err="1" smtClean="0"/>
+              <a:rPr lang="en-US" dirty="0" err="1"/>
               <a:t>uModelTransform</a:t>
             </a:r>
             <a:r>
-              <a:rPr lang="en-US" dirty="0" smtClean="0"/>
+              <a:rPr lang="en-US" dirty="0"/>
               <a:t>” transforms into NDC</a:t>
             </a:r>
           </a:p>
           <a:p>
-            <a:endParaRPr lang="en-US" dirty="0" smtClean="0"/>
-          </a:p>
-          <a:p>
-            <a:r>
-              <a:rPr lang="en-US" dirty="0" smtClean="0"/>
+            <a:endParaRPr lang="en-US" dirty="0"/>
+          </a:p>
+          <a:p>
+            <a:r>
+              <a:rPr lang="en-US" dirty="0"/>
               <a:t>NDC is drawn on to the canvas automatically!</a:t>
             </a:r>
-            <a:endParaRPr lang="en-US" dirty="0"/>
           </a:p>
         </p:txBody>
       </p:sp>
@@ -11510,13 +11170,6 @@
   <p:clrMapOvr>
     <a:masterClrMapping/>
   </p:clrMapOvr>
-  <p:timing>
-    <p:tnLst>
-      <p:par>
-        <p:cTn id="1" dur="indefinite" restart="never" nodeType="tmRoot"/>
-      </p:par>
-    </p:tnLst>
-  </p:timing>
 </p:sld>
 </file>
 
@@ -11577,69 +11230,67 @@
           <a:lstStyle/>
           <a:p>
             <a:r>
-              <a:rPr lang="en-US" dirty="0" smtClean="0"/>
+              <a:rPr lang="en-US" dirty="0"/>
               <a:t>Currently: Drawing</a:t>
             </a:r>
+          </a:p>
+        </p:txBody>
+      </p:sp>
+      <p:sp>
+        <p:nvSpPr>
+          <p:cNvPr id="3" name="Content Placeholder 2"/>
+          <p:cNvSpPr>
+            <a:spLocks noGrp="1"/>
+          </p:cNvSpPr>
+          <p:nvPr>
+            <p:ph idx="1"/>
+          </p:nvPr>
+        </p:nvSpPr>
+        <p:spPr/>
+        <p:txBody>
+          <a:bodyPr/>
+          <a:lstStyle/>
+          <a:p>
+            <a:r>
+              <a:rPr lang="en-US" dirty="0"/>
+              <a:t>Model space:</a:t>
+            </a:r>
+          </a:p>
+          <a:p>
+            <a:pPr lvl="1"/>
+            <a:r>
+              <a:rPr lang="en-US" dirty="0"/>
+              <a:t>Defines the unit square</a:t>
+            </a:r>
+          </a:p>
+          <a:p>
             <a:endParaRPr lang="en-US" dirty="0"/>
           </a:p>
-        </p:txBody>
-      </p:sp>
-      <p:sp>
-        <p:nvSpPr>
-          <p:cNvPr id="3" name="Content Placeholder 2"/>
-          <p:cNvSpPr>
-            <a:spLocks noGrp="1"/>
-          </p:cNvSpPr>
-          <p:nvPr>
-            <p:ph idx="1"/>
-          </p:nvPr>
-        </p:nvSpPr>
-        <p:spPr/>
-        <p:txBody>
-          <a:bodyPr/>
-          <a:lstStyle/>
-          <a:p>
-            <a:r>
-              <a:rPr lang="en-US" dirty="0" smtClean="0"/>
-              <a:t>Model space:</a:t>
-            </a:r>
-          </a:p>
-          <a:p>
-            <a:pPr lvl="1"/>
-            <a:r>
-              <a:rPr lang="en-US" dirty="0" smtClean="0"/>
-              <a:t>Defines the unit square</a:t>
-            </a:r>
-          </a:p>
-          <a:p>
-            <a:endParaRPr lang="en-US" dirty="0" smtClean="0"/>
-          </a:p>
           <a:p>
             <a:endParaRPr lang="en-US" dirty="0"/>
           </a:p>
           <a:p>
             <a:r>
-              <a:rPr lang="en-US" dirty="0" smtClean="0"/>
+              <a:rPr lang="en-US" dirty="0"/>
               <a:t>Vertex Buffer “</a:t>
             </a:r>
             <a:r>
-              <a:rPr lang="en-US" dirty="0" err="1" smtClean="0"/>
+              <a:rPr lang="en-US" dirty="0" err="1"/>
               <a:t>uModelTransform</a:t>
             </a:r>
             <a:r>
-              <a:rPr lang="en-US" dirty="0" smtClean="0"/>
+              <a:rPr lang="en-US" dirty="0"/>
               <a:t>” transforms into NDC</a:t>
             </a:r>
           </a:p>
           <a:p>
-            <a:endParaRPr lang="en-US" dirty="0" smtClean="0"/>
-          </a:p>
-          <a:p>
-            <a:r>
-              <a:rPr lang="en-US" dirty="0" smtClean="0"/>
+            <a:endParaRPr lang="en-US" dirty="0"/>
+          </a:p>
+          <a:p>
+            <a:r>
+              <a:rPr lang="en-US" dirty="0"/>
               <a:t>NDC is drawn on to the canvas automatically!</a:t>
             </a:r>
-            <a:endParaRPr lang="en-US" dirty="0"/>
           </a:p>
         </p:txBody>
       </p:sp>
@@ -11747,13 +11398,6 @@
   <p:clrMapOvr>
     <a:masterClrMapping/>
   </p:clrMapOvr>
-  <p:timing>
-    <p:tnLst>
-      <p:par>
-        <p:cTn id="1" dur="indefinite" restart="never" nodeType="tmRoot"/>
-      </p:par>
-    </p:tnLst>
-  </p:timing>
 </p:sld>
 </file>
 
@@ -11814,69 +11458,67 @@
           <a:lstStyle/>
           <a:p>
             <a:r>
-              <a:rPr lang="en-US" dirty="0" smtClean="0"/>
+              <a:rPr lang="en-US" dirty="0"/>
               <a:t>Currently: Drawing</a:t>
             </a:r>
+          </a:p>
+        </p:txBody>
+      </p:sp>
+      <p:sp>
+        <p:nvSpPr>
+          <p:cNvPr id="3" name="Content Placeholder 2"/>
+          <p:cNvSpPr>
+            <a:spLocks noGrp="1"/>
+          </p:cNvSpPr>
+          <p:nvPr>
+            <p:ph idx="1"/>
+          </p:nvPr>
+        </p:nvSpPr>
+        <p:spPr/>
+        <p:txBody>
+          <a:bodyPr/>
+          <a:lstStyle/>
+          <a:p>
+            <a:r>
+              <a:rPr lang="en-US" dirty="0"/>
+              <a:t>Model space:</a:t>
+            </a:r>
+          </a:p>
+          <a:p>
+            <a:pPr lvl="1"/>
+            <a:r>
+              <a:rPr lang="en-US" dirty="0"/>
+              <a:t>Defines the unit square</a:t>
+            </a:r>
+          </a:p>
+          <a:p>
             <a:endParaRPr lang="en-US" dirty="0"/>
           </a:p>
-        </p:txBody>
-      </p:sp>
-      <p:sp>
-        <p:nvSpPr>
-          <p:cNvPr id="3" name="Content Placeholder 2"/>
-          <p:cNvSpPr>
-            <a:spLocks noGrp="1"/>
-          </p:cNvSpPr>
-          <p:nvPr>
-            <p:ph idx="1"/>
-          </p:nvPr>
-        </p:nvSpPr>
-        <p:spPr/>
-        <p:txBody>
-          <a:bodyPr/>
-          <a:lstStyle/>
-          <a:p>
-            <a:r>
-              <a:rPr lang="en-US" dirty="0" smtClean="0"/>
-              <a:t>Model space:</a:t>
-            </a:r>
-          </a:p>
-          <a:p>
-            <a:pPr lvl="1"/>
-            <a:r>
-              <a:rPr lang="en-US" dirty="0" smtClean="0"/>
-              <a:t>Defines the unit square</a:t>
-            </a:r>
-          </a:p>
-          <a:p>
-            <a:endParaRPr lang="en-US" dirty="0" smtClean="0"/>
-          </a:p>
           <a:p>
             <a:endParaRPr lang="en-US" dirty="0"/>
           </a:p>
           <a:p>
             <a:r>
-              <a:rPr lang="en-US" dirty="0" smtClean="0"/>
+              <a:rPr lang="en-US" dirty="0"/>
               <a:t>Vertex Buffer “</a:t>
             </a:r>
             <a:r>
-              <a:rPr lang="en-US" dirty="0" err="1" smtClean="0"/>
+              <a:rPr lang="en-US" dirty="0" err="1"/>
               <a:t>uModelTransform</a:t>
             </a:r>
             <a:r>
-              <a:rPr lang="en-US" dirty="0" smtClean="0"/>
+              <a:rPr lang="en-US" dirty="0"/>
               <a:t>” transforms into NDC</a:t>
             </a:r>
           </a:p>
           <a:p>
-            <a:endParaRPr lang="en-US" dirty="0" smtClean="0"/>
-          </a:p>
-          <a:p>
-            <a:r>
-              <a:rPr lang="en-US" dirty="0" smtClean="0"/>
+            <a:endParaRPr lang="en-US" dirty="0"/>
+          </a:p>
+          <a:p>
+            <a:r>
+              <a:rPr lang="en-US" dirty="0"/>
               <a:t>NDC is drawn on to the canvas automatically!</a:t>
             </a:r>
-            <a:endParaRPr lang="en-US" dirty="0"/>
           </a:p>
         </p:txBody>
       </p:sp>
@@ -11937,13 +11579,6 @@
   <p:clrMapOvr>
     <a:masterClrMapping/>
   </p:clrMapOvr>
-  <p:timing>
-    <p:tnLst>
-      <p:par>
-        <p:cTn id="1" dur="indefinite" restart="never" nodeType="tmRoot"/>
-      </p:par>
-    </p:tnLst>
-  </p:timing>
 </p:sld>
 </file>
 
@@ -12004,69 +11639,67 @@
           <a:lstStyle/>
           <a:p>
             <a:r>
-              <a:rPr lang="en-US" dirty="0" smtClean="0"/>
+              <a:rPr lang="en-US" dirty="0"/>
               <a:t>Currently: Drawing</a:t>
             </a:r>
+          </a:p>
+        </p:txBody>
+      </p:sp>
+      <p:sp>
+        <p:nvSpPr>
+          <p:cNvPr id="3" name="Content Placeholder 2"/>
+          <p:cNvSpPr>
+            <a:spLocks noGrp="1"/>
+          </p:cNvSpPr>
+          <p:nvPr>
+            <p:ph idx="1"/>
+          </p:nvPr>
+        </p:nvSpPr>
+        <p:spPr/>
+        <p:txBody>
+          <a:bodyPr/>
+          <a:lstStyle/>
+          <a:p>
+            <a:r>
+              <a:rPr lang="en-US" dirty="0"/>
+              <a:t>Model space:</a:t>
+            </a:r>
+          </a:p>
+          <a:p>
+            <a:pPr lvl="1"/>
+            <a:r>
+              <a:rPr lang="en-US" dirty="0"/>
+              <a:t>Defines the unit square</a:t>
+            </a:r>
+          </a:p>
+          <a:p>
             <a:endParaRPr lang="en-US" dirty="0"/>
           </a:p>
-        </p:txBody>
-      </p:sp>
-      <p:sp>
-        <p:nvSpPr>
-          <p:cNvPr id="3" name="Content Placeholder 2"/>
-          <p:cNvSpPr>
-            <a:spLocks noGrp="1"/>
-          </p:cNvSpPr>
-          <p:nvPr>
-            <p:ph idx="1"/>
-          </p:nvPr>
-        </p:nvSpPr>
-        <p:spPr/>
-        <p:txBody>
-          <a:bodyPr/>
-          <a:lstStyle/>
-          <a:p>
-            <a:r>
-              <a:rPr lang="en-US" dirty="0" smtClean="0"/>
-              <a:t>Model space:</a:t>
-            </a:r>
-          </a:p>
-          <a:p>
-            <a:pPr lvl="1"/>
-            <a:r>
-              <a:rPr lang="en-US" dirty="0" smtClean="0"/>
-              <a:t>Defines the unit square</a:t>
-            </a:r>
-          </a:p>
-          <a:p>
-            <a:endParaRPr lang="en-US" dirty="0" smtClean="0"/>
-          </a:p>
           <a:p>
             <a:endParaRPr lang="en-US" dirty="0"/>
           </a:p>
           <a:p>
             <a:r>
-              <a:rPr lang="en-US" dirty="0" smtClean="0"/>
+              <a:rPr lang="en-US" dirty="0"/>
               <a:t>Vertex Buffer “</a:t>
             </a:r>
             <a:r>
-              <a:rPr lang="en-US" dirty="0" err="1" smtClean="0"/>
+              <a:rPr lang="en-US" dirty="0" err="1"/>
               <a:t>uModelTransform</a:t>
             </a:r>
             <a:r>
-              <a:rPr lang="en-US" dirty="0" smtClean="0"/>
+              <a:rPr lang="en-US" dirty="0"/>
               <a:t>” transforms into NDC</a:t>
             </a:r>
           </a:p>
           <a:p>
-            <a:endParaRPr lang="en-US" dirty="0" smtClean="0"/>
-          </a:p>
-          <a:p>
-            <a:r>
-              <a:rPr lang="en-US" dirty="0" smtClean="0"/>
+            <a:endParaRPr lang="en-US" dirty="0"/>
+          </a:p>
+          <a:p>
+            <a:r>
+              <a:rPr lang="en-US" dirty="0"/>
               <a:t>NDC is drawn on to the canvas automatically!</a:t>
             </a:r>
-            <a:endParaRPr lang="en-US" dirty="0"/>
           </a:p>
         </p:txBody>
       </p:sp>
@@ -12185,18 +11818,13 @@
           <a:p>
             <a:pPr algn="ctr"/>
             <a:r>
-              <a:rPr lang="en-US" sz="2000" dirty="0" smtClean="0">
+              <a:rPr lang="en-US" sz="2000" dirty="0">
                 <a:solidFill>
                   <a:schemeClr val="tx1"/>
                 </a:solidFill>
               </a:rPr>
               <a:t>MyGame.js</a:t>
             </a:r>
-            <a:endParaRPr lang="en-US" sz="2000" dirty="0">
-              <a:solidFill>
-                <a:schemeClr val="tx1"/>
-              </a:solidFill>
-            </a:endParaRPr>
           </a:p>
         </p:txBody>
       </p:sp>
@@ -12210,13 +11838,6 @@
   <p:clrMapOvr>
     <a:masterClrMapping/>
   </p:clrMapOvr>
-  <p:timing>
-    <p:tnLst>
-      <p:par>
-        <p:cTn id="1" dur="indefinite" restart="never" nodeType="tmRoot"/>
-      </p:par>
-    </p:tnLst>
-  </p:timing>
 </p:sld>
 </file>
 
@@ -12277,69 +11898,67 @@
           <a:lstStyle/>
           <a:p>
             <a:r>
-              <a:rPr lang="en-US" dirty="0" smtClean="0"/>
+              <a:rPr lang="en-US" dirty="0"/>
               <a:t>Currently: Drawing</a:t>
             </a:r>
+          </a:p>
+        </p:txBody>
+      </p:sp>
+      <p:sp>
+        <p:nvSpPr>
+          <p:cNvPr id="3" name="Content Placeholder 2"/>
+          <p:cNvSpPr>
+            <a:spLocks noGrp="1"/>
+          </p:cNvSpPr>
+          <p:nvPr>
+            <p:ph idx="1"/>
+          </p:nvPr>
+        </p:nvSpPr>
+        <p:spPr/>
+        <p:txBody>
+          <a:bodyPr/>
+          <a:lstStyle/>
+          <a:p>
+            <a:r>
+              <a:rPr lang="en-US" dirty="0"/>
+              <a:t>Model space:</a:t>
+            </a:r>
+          </a:p>
+          <a:p>
+            <a:pPr lvl="1"/>
+            <a:r>
+              <a:rPr lang="en-US" dirty="0"/>
+              <a:t>Defines the unit square</a:t>
+            </a:r>
+          </a:p>
+          <a:p>
             <a:endParaRPr lang="en-US" dirty="0"/>
           </a:p>
-        </p:txBody>
-      </p:sp>
-      <p:sp>
-        <p:nvSpPr>
-          <p:cNvPr id="3" name="Content Placeholder 2"/>
-          <p:cNvSpPr>
-            <a:spLocks noGrp="1"/>
-          </p:cNvSpPr>
-          <p:nvPr>
-            <p:ph idx="1"/>
-          </p:nvPr>
-        </p:nvSpPr>
-        <p:spPr/>
-        <p:txBody>
-          <a:bodyPr/>
-          <a:lstStyle/>
-          <a:p>
-            <a:r>
-              <a:rPr lang="en-US" dirty="0" smtClean="0"/>
-              <a:t>Model space:</a:t>
-            </a:r>
-          </a:p>
-          <a:p>
-            <a:pPr lvl="1"/>
-            <a:r>
-              <a:rPr lang="en-US" dirty="0" smtClean="0"/>
-              <a:t>Defines the unit square</a:t>
-            </a:r>
-          </a:p>
-          <a:p>
-            <a:endParaRPr lang="en-US" dirty="0" smtClean="0"/>
-          </a:p>
           <a:p>
             <a:endParaRPr lang="en-US" dirty="0"/>
           </a:p>
           <a:p>
             <a:r>
-              <a:rPr lang="en-US" dirty="0" smtClean="0"/>
+              <a:rPr lang="en-US" dirty="0"/>
               <a:t>Vertex Buffer “</a:t>
             </a:r>
             <a:r>
-              <a:rPr lang="en-US" dirty="0" err="1" smtClean="0"/>
+              <a:rPr lang="en-US" dirty="0" err="1"/>
               <a:t>uModelTransform</a:t>
             </a:r>
             <a:r>
-              <a:rPr lang="en-US" dirty="0" smtClean="0"/>
+              <a:rPr lang="en-US" dirty="0"/>
               <a:t>” transforms into NDC</a:t>
             </a:r>
           </a:p>
           <a:p>
-            <a:endParaRPr lang="en-US" dirty="0" smtClean="0"/>
-          </a:p>
-          <a:p>
-            <a:r>
-              <a:rPr lang="en-US" dirty="0" smtClean="0"/>
+            <a:endParaRPr lang="en-US" dirty="0"/>
+          </a:p>
+          <a:p>
+            <a:r>
+              <a:rPr lang="en-US" dirty="0"/>
               <a:t>NDC is drawn on to the canvas automatically!</a:t>
             </a:r>
-            <a:endParaRPr lang="en-US" dirty="0"/>
           </a:p>
         </p:txBody>
       </p:sp>
@@ -12481,18 +12100,13 @@
           <a:p>
             <a:pPr algn="ctr"/>
             <a:r>
-              <a:rPr lang="en-US" sz="2000" dirty="0" smtClean="0">
+              <a:rPr lang="en-US" sz="2000" dirty="0">
                 <a:solidFill>
                   <a:schemeClr val="tx1"/>
                 </a:solidFill>
               </a:rPr>
               <a:t>MyGame.js</a:t>
             </a:r>
-            <a:endParaRPr lang="en-US" sz="2000" dirty="0">
-              <a:solidFill>
-                <a:schemeClr val="tx1"/>
-              </a:solidFill>
-            </a:endParaRPr>
           </a:p>
         </p:txBody>
       </p:sp>
@@ -12541,18 +12155,13 @@
           <a:p>
             <a:pPr algn="ctr"/>
             <a:r>
-              <a:rPr lang="en-US" sz="2000" dirty="0" smtClean="0">
+              <a:rPr lang="en-US" sz="2000" dirty="0">
                 <a:solidFill>
                   <a:schemeClr val="tx1"/>
                 </a:solidFill>
               </a:rPr>
               <a:t>Renderable.js</a:t>
             </a:r>
-            <a:endParaRPr lang="en-US" sz="2000" dirty="0">
-              <a:solidFill>
-                <a:schemeClr val="tx1"/>
-              </a:solidFill>
-            </a:endParaRPr>
           </a:p>
         </p:txBody>
       </p:sp>
@@ -12566,13 +12175,6 @@
   <p:clrMapOvr>
     <a:masterClrMapping/>
   </p:clrMapOvr>
-  <p:timing>
-    <p:tnLst>
-      <p:par>
-        <p:cTn id="1" dur="indefinite" restart="never" nodeType="tmRoot"/>
-      </p:par>
-    </p:tnLst>
-  </p:timing>
 </p:sld>
 </file>
 
@@ -12633,69 +12235,67 @@
           <a:lstStyle/>
           <a:p>
             <a:r>
-              <a:rPr lang="en-US" dirty="0" smtClean="0"/>
+              <a:rPr lang="en-US" dirty="0"/>
               <a:t>Currently: Drawing</a:t>
             </a:r>
+          </a:p>
+        </p:txBody>
+      </p:sp>
+      <p:sp>
+        <p:nvSpPr>
+          <p:cNvPr id="3" name="Content Placeholder 2"/>
+          <p:cNvSpPr>
+            <a:spLocks noGrp="1"/>
+          </p:cNvSpPr>
+          <p:nvPr>
+            <p:ph idx="1"/>
+          </p:nvPr>
+        </p:nvSpPr>
+        <p:spPr/>
+        <p:txBody>
+          <a:bodyPr/>
+          <a:lstStyle/>
+          <a:p>
+            <a:r>
+              <a:rPr lang="en-US" dirty="0"/>
+              <a:t>Model space:</a:t>
+            </a:r>
+          </a:p>
+          <a:p>
+            <a:pPr lvl="1"/>
+            <a:r>
+              <a:rPr lang="en-US" dirty="0"/>
+              <a:t>Defines the unit square</a:t>
+            </a:r>
+          </a:p>
+          <a:p>
             <a:endParaRPr lang="en-US" dirty="0"/>
           </a:p>
-        </p:txBody>
-      </p:sp>
-      <p:sp>
-        <p:nvSpPr>
-          <p:cNvPr id="3" name="Content Placeholder 2"/>
-          <p:cNvSpPr>
-            <a:spLocks noGrp="1"/>
-          </p:cNvSpPr>
-          <p:nvPr>
-            <p:ph idx="1"/>
-          </p:nvPr>
-        </p:nvSpPr>
-        <p:spPr/>
-        <p:txBody>
-          <a:bodyPr/>
-          <a:lstStyle/>
-          <a:p>
-            <a:r>
-              <a:rPr lang="en-US" dirty="0" smtClean="0"/>
-              <a:t>Model space:</a:t>
-            </a:r>
-          </a:p>
-          <a:p>
-            <a:pPr lvl="1"/>
-            <a:r>
-              <a:rPr lang="en-US" dirty="0" smtClean="0"/>
-              <a:t>Defines the unit square</a:t>
-            </a:r>
-          </a:p>
-          <a:p>
-            <a:endParaRPr lang="en-US" dirty="0" smtClean="0"/>
-          </a:p>
           <a:p>
             <a:endParaRPr lang="en-US" dirty="0"/>
           </a:p>
           <a:p>
             <a:r>
-              <a:rPr lang="en-US" dirty="0" smtClean="0"/>
+              <a:rPr lang="en-US" dirty="0"/>
               <a:t>Vertex Buffer “</a:t>
             </a:r>
             <a:r>
-              <a:rPr lang="en-US" dirty="0" err="1" smtClean="0"/>
+              <a:rPr lang="en-US" dirty="0" err="1"/>
               <a:t>uModelTransform</a:t>
             </a:r>
             <a:r>
-              <a:rPr lang="en-US" dirty="0" smtClean="0"/>
+              <a:rPr lang="en-US" dirty="0"/>
               <a:t>” transforms into NDC</a:t>
             </a:r>
           </a:p>
           <a:p>
-            <a:endParaRPr lang="en-US" dirty="0" smtClean="0"/>
-          </a:p>
-          <a:p>
-            <a:r>
-              <a:rPr lang="en-US" dirty="0" smtClean="0"/>
+            <a:endParaRPr lang="en-US" dirty="0"/>
+          </a:p>
+          <a:p>
+            <a:r>
+              <a:rPr lang="en-US" dirty="0"/>
               <a:t>NDC is drawn on to the canvas automatically!</a:t>
             </a:r>
-            <a:endParaRPr lang="en-US" dirty="0"/>
           </a:p>
         </p:txBody>
       </p:sp>
@@ -12837,18 +12437,13 @@
           <a:p>
             <a:pPr algn="ctr"/>
             <a:r>
-              <a:rPr lang="en-US" sz="2000" dirty="0" smtClean="0">
+              <a:rPr lang="en-US" sz="2000" dirty="0">
                 <a:solidFill>
                   <a:schemeClr val="tx1"/>
                 </a:solidFill>
               </a:rPr>
               <a:t>MyGame.js</a:t>
             </a:r>
-            <a:endParaRPr lang="en-US" sz="2000" dirty="0">
-              <a:solidFill>
-                <a:schemeClr val="tx1"/>
-              </a:solidFill>
-            </a:endParaRPr>
           </a:p>
         </p:txBody>
       </p:sp>
@@ -12897,18 +12492,13 @@
           <a:p>
             <a:pPr algn="ctr"/>
             <a:r>
-              <a:rPr lang="en-US" sz="2000" dirty="0" smtClean="0">
+              <a:rPr lang="en-US" sz="2000" dirty="0">
                 <a:solidFill>
                   <a:schemeClr val="tx1"/>
                 </a:solidFill>
               </a:rPr>
               <a:t>Renderable.js</a:t>
             </a:r>
-            <a:endParaRPr lang="en-US" sz="2000" dirty="0">
-              <a:solidFill>
-                <a:schemeClr val="tx1"/>
-              </a:solidFill>
-            </a:endParaRPr>
           </a:p>
         </p:txBody>
       </p:sp>
@@ -12981,7 +12571,7 @@
           <a:p>
             <a:pPr algn="ctr"/>
             <a:r>
-              <a:rPr lang="en-US" sz="2000" dirty="0" err="1" smtClean="0">
+              <a:rPr lang="en-US" sz="2000" dirty="0" err="1">
                 <a:solidFill>
                   <a:schemeClr val="tx1"/>
                 </a:solidFill>
@@ -13006,13 +12596,6 @@
   <p:clrMapOvr>
     <a:masterClrMapping/>
   </p:clrMapOvr>
-  <p:timing>
-    <p:tnLst>
-      <p:par>
-        <p:cTn id="1" dur="indefinite" restart="never" nodeType="tmRoot"/>
-      </p:par>
-    </p:tnLst>
-  </p:timing>
 </p:sld>
 </file>
 
@@ -13049,89 +12632,82 @@
           <a:lstStyle/>
           <a:p>
             <a:r>
-              <a:rPr lang="en-US" dirty="0" smtClean="0"/>
+              <a:rPr lang="en-US" dirty="0"/>
               <a:t>All the Coordinate Systems</a:t>
             </a:r>
+          </a:p>
+        </p:txBody>
+      </p:sp>
+      <p:sp>
+        <p:nvSpPr>
+          <p:cNvPr id="3" name="Content Placeholder 2"/>
+          <p:cNvSpPr>
+            <a:spLocks noGrp="1"/>
+          </p:cNvSpPr>
+          <p:nvPr>
+            <p:ph idx="1"/>
+          </p:nvPr>
+        </p:nvSpPr>
+        <p:spPr/>
+        <p:txBody>
+          <a:bodyPr/>
+          <a:lstStyle/>
+          <a:p>
+            <a:r>
+              <a:rPr lang="en-US" dirty="0"/>
+              <a:t>Modeling Coordinate: </a:t>
+            </a:r>
+          </a:p>
+          <a:p>
+            <a:pPr lvl="1"/>
+            <a:r>
+              <a:rPr lang="en-US" dirty="0"/>
+              <a:t>The unit square between (-0.5, -0.5) to (0.5, 0.5)</a:t>
+            </a:r>
+          </a:p>
+          <a:p>
+            <a:r>
+              <a:rPr lang="en-US" dirty="0"/>
+              <a:t>Normalized Device Coordinate (NDC)</a:t>
+            </a:r>
+          </a:p>
+          <a:p>
+            <a:pPr lvl="1"/>
+            <a:r>
+              <a:rPr lang="en-US" dirty="0"/>
+              <a:t>(-1, -1) to (1, 1)</a:t>
+            </a:r>
+          </a:p>
+          <a:p>
+            <a:pPr lvl="1"/>
+            <a:r>
+              <a:rPr lang="en-US" dirty="0"/>
+              <a:t>The default drawing space for </a:t>
+            </a:r>
+            <a:r>
+              <a:rPr lang="en-US" dirty="0" err="1"/>
+              <a:t>WebGL</a:t>
+            </a:r>
             <a:endParaRPr lang="en-US" dirty="0"/>
           </a:p>
-        </p:txBody>
-      </p:sp>
-      <p:sp>
-        <p:nvSpPr>
-          <p:cNvPr id="3" name="Content Placeholder 2"/>
-          <p:cNvSpPr>
-            <a:spLocks noGrp="1"/>
-          </p:cNvSpPr>
-          <p:nvPr>
-            <p:ph idx="1"/>
-          </p:nvPr>
-        </p:nvSpPr>
-        <p:spPr/>
-        <p:txBody>
-          <a:bodyPr/>
-          <a:lstStyle/>
-          <a:p>
-            <a:r>
-              <a:rPr lang="en-US" dirty="0" smtClean="0"/>
-              <a:t>Modeling Coordinate: </a:t>
+          <a:p>
+            <a:r>
+              <a:rPr lang="en-US" dirty="0"/>
+              <a:t>Canvas Coordinate Space (or Device Coordinate Space)</a:t>
             </a:r>
           </a:p>
           <a:p>
             <a:pPr lvl="1"/>
             <a:r>
-              <a:rPr lang="en-US" dirty="0" smtClean="0"/>
-              <a:t>The unit square between (-0.5, -0.5) to (0.5, 0.5)</a:t>
-            </a:r>
-          </a:p>
-          <a:p>
-            <a:r>
-              <a:rPr lang="en-US" dirty="0" smtClean="0"/>
-              <a:t>Normalized Device Coordinate (NDC)</a:t>
-            </a:r>
-          </a:p>
-          <a:p>
-            <a:pPr lvl="1"/>
-            <a:r>
-              <a:rPr lang="en-US" dirty="0" smtClean="0"/>
-              <a:t>(-1, -1) to (1, 1)</a:t>
-            </a:r>
-          </a:p>
-          <a:p>
-            <a:pPr lvl="1"/>
-            <a:r>
-              <a:rPr lang="en-US" dirty="0" smtClean="0"/>
-              <a:t>The default drawing space for </a:t>
-            </a:r>
-            <a:r>
-              <a:rPr lang="en-US" dirty="0" err="1" smtClean="0"/>
-              <a:t>WebGL</a:t>
-            </a:r>
-            <a:endParaRPr lang="en-US" dirty="0" smtClean="0"/>
-          </a:p>
-          <a:p>
-            <a:r>
-              <a:rPr lang="en-US" dirty="0" smtClean="0"/>
-              <a:t>Canvas Coordinate Space (or Device Coordinate Space)</a:t>
-            </a:r>
-          </a:p>
-          <a:p>
-            <a:pPr lvl="1"/>
-            <a:r>
-              <a:rPr lang="en-US" dirty="0" smtClean="0"/>
-              <a:t>Hardware pixel drawing area,</a:t>
-            </a:r>
-            <a:r>
-              <a:rPr lang="en-US" dirty="0"/>
-              <a:t> units in pixels</a:t>
-            </a:r>
-            <a:endParaRPr lang="en-US" dirty="0" smtClean="0"/>
-          </a:p>
-          <a:p>
-            <a:r>
-              <a:rPr lang="en-US" dirty="0" smtClean="0"/>
+              <a:rPr lang="en-US" dirty="0"/>
+              <a:t>Hardware pixel drawing area, units in pixels</a:t>
+            </a:r>
+          </a:p>
+          <a:p>
+            <a:r>
+              <a:rPr lang="en-US" dirty="0"/>
               <a:t>BUT … we need more …</a:t>
             </a:r>
-            <a:endParaRPr lang="en-US" dirty="0"/>
           </a:p>
         </p:txBody>
       </p:sp>
@@ -13205,10 +12781,9 @@
           <a:lstStyle/>
           <a:p>
             <a:r>
-              <a:rPr lang="en-US" dirty="0" smtClean="0"/>
+              <a:rPr lang="en-US" dirty="0"/>
               <a:t>What’s wrong</a:t>
             </a:r>
-            <a:endParaRPr lang="en-US" dirty="0"/>
           </a:p>
         </p:txBody>
       </p:sp>
@@ -13228,33 +12803,33 @@
           <a:lstStyle/>
           <a:p>
             <a:r>
-              <a:rPr lang="en-US" dirty="0" smtClean="0"/>
+              <a:rPr lang="en-US" dirty="0"/>
               <a:t>Our user (MyGame.js) must think in terms of NDC</a:t>
             </a:r>
           </a:p>
           <a:p>
             <a:pPr lvl="1"/>
             <a:r>
-              <a:rPr lang="en-US" dirty="0" smtClean="0"/>
+              <a:rPr lang="en-US" dirty="0"/>
               <a:t>Everything must be between -1 to 1</a:t>
             </a:r>
           </a:p>
           <a:p>
             <a:r>
-              <a:rPr lang="en-US" dirty="0" smtClean="0"/>
+              <a:rPr lang="en-US" dirty="0"/>
               <a:t>Does not work with Soccer or Chess!</a:t>
             </a:r>
           </a:p>
           <a:p>
             <a:r>
-              <a:rPr lang="en-US" dirty="0" smtClean="0"/>
+              <a:rPr lang="en-US" dirty="0"/>
               <a:t>Need something in between </a:t>
             </a:r>
           </a:p>
           <a:p>
             <a:pPr lvl="1"/>
             <a:r>
-              <a:rPr lang="en-US" dirty="0" smtClean="0"/>
+              <a:rPr lang="en-US" dirty="0"/>
               <a:t>Model Coordinate (the unit square)</a:t>
             </a:r>
           </a:p>
@@ -13263,27 +12838,26 @@
               <a:buNone/>
             </a:pPr>
             <a:r>
-              <a:rPr lang="en-US" dirty="0" smtClean="0"/>
+              <a:rPr lang="en-US" dirty="0"/>
               <a:t>and</a:t>
             </a:r>
           </a:p>
           <a:p>
             <a:pPr lvl="1"/>
             <a:r>
-              <a:rPr lang="en-US" dirty="0" smtClean="0"/>
+              <a:rPr lang="en-US" dirty="0"/>
               <a:t>NDC (-1 to 1)</a:t>
             </a:r>
           </a:p>
           <a:p>
             <a:r>
-              <a:rPr lang="en-US" dirty="0" smtClean="0"/>
+              <a:rPr lang="en-US" dirty="0"/>
               <a:t>Need: … </a:t>
             </a:r>
             <a:r>
-              <a:rPr lang="en-US" b="1" dirty="0" smtClean="0"/>
+              <a:rPr lang="en-US" b="1" dirty="0"/>
               <a:t>World Coordinate System</a:t>
             </a:r>
-            <a:endParaRPr lang="en-US" b="1" dirty="0"/>
           </a:p>
         </p:txBody>
       </p:sp>
@@ -13297,13 +12871,6 @@
   <p:clrMapOvr>
     <a:masterClrMapping/>
   </p:clrMapOvr>
-  <p:timing>
-    <p:tnLst>
-      <p:par>
-        <p:cTn id="1" dur="indefinite" restart="never" nodeType="tmRoot"/>
-      </p:par>
-    </p:tnLst>
-  </p:timing>
 </p:sld>
 </file>
 
@@ -13340,10 +12907,9 @@
           <a:lstStyle/>
           <a:p>
             <a:r>
-              <a:rPr lang="en-US" dirty="0" smtClean="0"/>
+              <a:rPr lang="en-US" dirty="0"/>
               <a:t>The World Coordinate (WC) System</a:t>
             </a:r>
-            <a:endParaRPr lang="en-US" dirty="0"/>
           </a:p>
         </p:txBody>
       </p:sp>
@@ -13363,68 +12929,67 @@
           <a:lstStyle/>
           <a:p>
             <a:r>
-              <a:rPr lang="en-US" dirty="0" smtClean="0"/>
+              <a:rPr lang="en-US" dirty="0"/>
               <a:t>Let our user define a convenient coordinate system</a:t>
             </a:r>
           </a:p>
           <a:p>
             <a:pPr lvl="1"/>
             <a:r>
-              <a:rPr lang="en-US" dirty="0" smtClean="0"/>
+              <a:rPr lang="en-US" dirty="0"/>
               <a:t>E.g., (0, 0) to (100, 60) for a soccer field</a:t>
             </a:r>
           </a:p>
           <a:p>
             <a:pPr lvl="1"/>
             <a:r>
-              <a:rPr lang="en-US" dirty="0" smtClean="0"/>
+              <a:rPr lang="en-US" dirty="0"/>
               <a:t>E.g., (0, 0) to (24, 24) for  chess board</a:t>
             </a:r>
           </a:p>
           <a:p>
             <a:r>
-              <a:rPr lang="en-US" dirty="0" smtClean="0"/>
+              <a:rPr lang="en-US" dirty="0"/>
               <a:t>Let our user move their objects in their coordinate system</a:t>
             </a:r>
           </a:p>
           <a:p>
             <a:pPr lvl="1"/>
             <a:r>
-              <a:rPr lang="en-US" dirty="0" smtClean="0"/>
+              <a:rPr lang="en-US" dirty="0"/>
               <a:t>E.g., a play on the soccer field has a size of 1x2, located at (50, 30)</a:t>
             </a:r>
           </a:p>
           <a:p>
             <a:pPr lvl="1"/>
             <a:r>
-              <a:rPr lang="en-US" dirty="0" smtClean="0"/>
+              <a:rPr lang="en-US" dirty="0"/>
               <a:t>E.g., a chess piece is of size 0.8x0.8, and located at position (3, 5)</a:t>
             </a:r>
           </a:p>
           <a:p>
             <a:r>
-              <a:rPr lang="en-US" dirty="0" smtClean="0"/>
+              <a:rPr lang="en-US" dirty="0"/>
               <a:t>Remember: </a:t>
             </a:r>
           </a:p>
           <a:p>
             <a:pPr lvl="1"/>
             <a:r>
-              <a:rPr lang="en-US" dirty="0" err="1" smtClean="0"/>
+              <a:rPr lang="en-US" dirty="0" err="1"/>
               <a:t>WebGL</a:t>
             </a:r>
             <a:r>
-              <a:rPr lang="en-US" dirty="0" smtClean="0"/>
+              <a:rPr lang="en-US" dirty="0"/>
               <a:t> only knows how to draw everything within NDC</a:t>
             </a:r>
           </a:p>
           <a:p>
             <a:pPr lvl="1"/>
             <a:r>
-              <a:rPr lang="en-US" dirty="0" smtClean="0"/>
+              <a:rPr lang="en-US" dirty="0"/>
               <a:t>MUST: transform user defined coordinate system (WC) to NDC</a:t>
             </a:r>
-            <a:endParaRPr lang="en-US" dirty="0"/>
           </a:p>
         </p:txBody>
       </p:sp>
@@ -13474,10 +13039,9 @@
           <a:lstStyle/>
           <a:p>
             <a:r>
-              <a:rPr lang="en-US" dirty="0" smtClean="0"/>
+              <a:rPr lang="en-US" dirty="0"/>
               <a:t>World Coordinate System</a:t>
             </a:r>
-            <a:endParaRPr lang="en-US" dirty="0"/>
           </a:p>
         </p:txBody>
       </p:sp>
@@ -13515,13 +13079,6 @@
   <p:clrMapOvr>
     <a:masterClrMapping/>
   </p:clrMapOvr>
-  <p:timing>
-    <p:tnLst>
-      <p:par>
-        <p:cTn id="1" dur="indefinite" restart="never" nodeType="tmRoot"/>
-      </p:par>
-    </p:tnLst>
-  </p:timing>
 </p:sld>
 </file>
 
@@ -13558,18 +13115,17 @@
           <a:lstStyle/>
           <a:p>
             <a:r>
-              <a:rPr lang="en-US" dirty="0" smtClean="0"/>
+              <a:rPr lang="en-US" dirty="0"/>
               <a:t>3.1: </a:t>
             </a:r>
             <a:r>
-              <a:rPr lang="en-US" dirty="0" err="1" smtClean="0"/>
+              <a:rPr lang="en-US" dirty="0" err="1"/>
               <a:t>Renderable</a:t>
             </a:r>
             <a:r>
-              <a:rPr lang="en-US" dirty="0" smtClean="0"/>
+              <a:rPr lang="en-US" dirty="0"/>
               <a:t> Object Project</a:t>
             </a:r>
-            <a:endParaRPr lang="en-US" dirty="0"/>
           </a:p>
         </p:txBody>
       </p:sp>
@@ -13645,10 +13201,9 @@
           <a:lstStyle/>
           <a:p>
             <a:r>
-              <a:rPr lang="en-US" dirty="0" smtClean="0"/>
+              <a:rPr lang="en-US" dirty="0"/>
               <a:t>The View-Projection Transform</a:t>
             </a:r>
-            <a:endParaRPr lang="en-US" dirty="0"/>
           </a:p>
         </p:txBody>
       </p:sp>
@@ -13722,10 +13277,9 @@
           <a:lstStyle/>
           <a:p>
             <a:r>
-              <a:rPr lang="en-US" dirty="0" smtClean="0"/>
+              <a:rPr lang="en-US" dirty="0"/>
               <a:t>The View-Projection Transform</a:t>
             </a:r>
-            <a:endParaRPr lang="en-US" dirty="0"/>
           </a:p>
         </p:txBody>
       </p:sp>
@@ -13870,30 +13424,29 @@
           <a:lstStyle/>
           <a:p>
             <a:r>
-              <a:rPr lang="en-US" dirty="0" err="1" smtClean="0"/>
+              <a:rPr lang="en-US" dirty="0" err="1"/>
               <a:t>vpMatrix</a:t>
             </a:r>
             <a:r>
-              <a:rPr lang="en-US" dirty="0" smtClean="0"/>
+              <a:rPr lang="en-US" dirty="0"/>
               <a:t>: </a:t>
             </a:r>
             <a:r>
-              <a:rPr lang="en-US" dirty="0" err="1" smtClean="0"/>
+              <a:rPr lang="en-US" dirty="0" err="1"/>
               <a:t>lookAt</a:t>
             </a:r>
             <a:r>
-              <a:rPr lang="en-US" dirty="0" smtClean="0"/>
+              <a:rPr lang="en-US" dirty="0"/>
               <a:t>() and </a:t>
             </a:r>
             <a:r>
-              <a:rPr lang="en-US" dirty="0" err="1" smtClean="0"/>
+              <a:rPr lang="en-US" dirty="0" err="1"/>
               <a:t>ortho</a:t>
             </a:r>
             <a:r>
-              <a:rPr lang="en-US" dirty="0" smtClean="0"/>
+              <a:rPr lang="en-US" dirty="0"/>
               <a:t>()</a:t>
             </a:r>
-            <a:endParaRPr lang="en-US" dirty="0"/>
           </a:p>
         </p:txBody>
       </p:sp>
@@ -13934,20 +13487,12 @@
               <a:rPr lang="en-US" dirty="0"/>
               <a:t>, </a:t>
             </a:r>
-            <a:r>
-              <a:rPr lang="en-US" dirty="0" smtClean="0"/>
-              <a:t/>
-            </a:r>
             <a:br>
-              <a:rPr lang="en-US" dirty="0" smtClean="0"/>
+              <a:rPr lang="en-US" dirty="0"/>
             </a:br>
             <a:r>
-              <a:rPr lang="en-US" dirty="0" smtClean="0"/>
-              <a:t>	[</a:t>
-            </a:r>
-            <a:r>
-              <a:rPr lang="en-US" dirty="0"/>
-              <a:t>cx, cy, 10],   // (</a:t>
+              <a:rPr lang="en-US" dirty="0"/>
+              <a:t>	[cx, cy, 10],   // (</a:t>
             </a:r>
             <a:r>
               <a:rPr lang="en-US" dirty="0" err="1"/>
@@ -13955,37 +13500,21 @@
             </a:r>
             <a:r>
               <a:rPr lang="en-US" dirty="0"/>
-              <a:t>) is center of the </a:t>
-            </a:r>
-            <a:r>
-              <a:rPr lang="en-US" dirty="0" smtClean="0"/>
-              <a:t>WC</a:t>
+              <a:t>) is center of the WC</a:t>
             </a:r>
             <a:br>
-              <a:rPr lang="en-US" dirty="0" smtClean="0"/>
+              <a:rPr lang="en-US" dirty="0"/>
             </a:br>
             <a:r>
-              <a:rPr lang="en-US" dirty="0" smtClean="0"/>
-              <a:t>	[cx</a:t>
-            </a:r>
-            <a:r>
-              <a:rPr lang="en-US" dirty="0"/>
-              <a:t>, cy, 0],    </a:t>
-            </a:r>
-            <a:r>
-              <a:rPr lang="en-US" dirty="0" smtClean="0"/>
-              <a:t/>
+              <a:rPr lang="en-US" dirty="0"/>
+              <a:t>	[cx, cy, 0],    </a:t>
             </a:r>
             <a:br>
-              <a:rPr lang="en-US" dirty="0" smtClean="0"/>
+              <a:rPr lang="en-US" dirty="0"/>
             </a:br>
             <a:r>
-              <a:rPr lang="en-US" dirty="0" smtClean="0"/>
-              <a:t>	[</a:t>
-            </a:r>
-            <a:r>
-              <a:rPr lang="en-US" dirty="0"/>
-              <a:t>0, 1, 0]);     // orientation</a:t>
+              <a:rPr lang="en-US" dirty="0"/>
+              <a:t>	[0, 1, 0]);     // orientation</a:t>
             </a:r>
           </a:p>
           <a:p>
@@ -13994,30 +13523,22 @@
             </a:pPr>
             <a:r>
               <a:rPr lang="en-US" dirty="0"/>
-              <a:t> </a:t>
-            </a:r>
-            <a:r>
-              <a:rPr lang="en-US" dirty="0" smtClean="0"/>
-              <a:t>mat4.ortho(</a:t>
-            </a:r>
-            <a:r>
-              <a:rPr lang="en-US" b="1" i="1" dirty="0" err="1" smtClean="0"/>
+              <a:t> mat4.ortho(</a:t>
+            </a:r>
+            <a:r>
+              <a:rPr lang="en-US" b="1" i="1" dirty="0" err="1"/>
               <a:t>projMatrix</a:t>
             </a:r>
             <a:r>
-              <a:rPr lang="en-US" dirty="0" smtClean="0"/>
+              <a:rPr lang="en-US" dirty="0"/>
               <a:t>,</a:t>
             </a:r>
             <a:br>
-              <a:rPr lang="en-US" dirty="0" smtClean="0"/>
+              <a:rPr lang="en-US" dirty="0"/>
             </a:br>
             <a:r>
-              <a:rPr lang="en-US" dirty="0" smtClean="0"/>
-              <a:t>	-W/2,  </a:t>
-            </a:r>
-            <a:r>
-              <a:rPr lang="en-US" dirty="0"/>
-              <a:t>// distant from (</a:t>
+              <a:rPr lang="en-US" dirty="0"/>
+              <a:t>	-W/2,  // distant from (</a:t>
             </a:r>
             <a:r>
               <a:rPr lang="en-US" dirty="0" err="1"/>
@@ -14025,22 +13546,14 @@
             </a:r>
             <a:r>
               <a:rPr lang="en-US" dirty="0"/>
-              <a:t>) to left of </a:t>
-            </a:r>
-            <a:r>
-              <a:rPr lang="en-US" dirty="0" smtClean="0"/>
-              <a:t>WC</a:t>
+              <a:t>) to left of WC</a:t>
             </a:r>
             <a:br>
-              <a:rPr lang="en-US" dirty="0" smtClean="0"/>
+              <a:rPr lang="en-US" dirty="0"/>
             </a:br>
             <a:r>
-              <a:rPr lang="en-US" dirty="0" smtClean="0"/>
-              <a:t>	W/2,   </a:t>
-            </a:r>
-            <a:r>
-              <a:rPr lang="en-US" dirty="0"/>
-              <a:t>// distant from (</a:t>
+              <a:rPr lang="en-US" dirty="0"/>
+              <a:t>	W/2,   // distant from (</a:t>
             </a:r>
             <a:r>
               <a:rPr lang="en-US" dirty="0" err="1"/>
@@ -14048,22 +13561,14 @@
             </a:r>
             <a:r>
               <a:rPr lang="en-US" dirty="0"/>
-              <a:t>) to right of </a:t>
-            </a:r>
-            <a:r>
-              <a:rPr lang="en-US" dirty="0" smtClean="0"/>
-              <a:t>WC</a:t>
+              <a:t>) to right of WC</a:t>
             </a:r>
             <a:br>
-              <a:rPr lang="en-US" dirty="0" smtClean="0"/>
+              <a:rPr lang="en-US" dirty="0"/>
             </a:br>
             <a:r>
-              <a:rPr lang="en-US" dirty="0" smtClean="0"/>
-              <a:t>	-H/2,   // </a:t>
-            </a:r>
-            <a:r>
-              <a:rPr lang="en-US" dirty="0"/>
-              <a:t>distant from (</a:t>
+              <a:rPr lang="en-US" dirty="0"/>
+              <a:t>	-H/2,   // distant from (</a:t>
             </a:r>
             <a:r>
               <a:rPr lang="en-US" dirty="0" err="1"/>
@@ -14071,22 +13576,14 @@
             </a:r>
             <a:r>
               <a:rPr lang="en-US" dirty="0"/>
-              <a:t>) to bottom of </a:t>
-            </a:r>
-            <a:r>
-              <a:rPr lang="en-US" dirty="0" smtClean="0"/>
-              <a:t>WC</a:t>
+              <a:t>) to bottom of WC</a:t>
             </a:r>
             <a:br>
-              <a:rPr lang="en-US" dirty="0" smtClean="0"/>
+              <a:rPr lang="en-US" dirty="0"/>
             </a:br>
             <a:r>
-              <a:rPr lang="en-US" dirty="0" smtClean="0"/>
-              <a:t>	H/2,    // </a:t>
-            </a:r>
-            <a:r>
-              <a:rPr lang="en-US" dirty="0"/>
-              <a:t>distant from (</a:t>
+              <a:rPr lang="en-US" dirty="0"/>
+              <a:t>	H/2,    // distant from (</a:t>
             </a:r>
             <a:r>
               <a:rPr lang="en-US" dirty="0" err="1"/>
@@ -14094,55 +13591,27 @@
             </a:r>
             <a:r>
               <a:rPr lang="en-US" dirty="0"/>
-              <a:t>) to top of </a:t>
-            </a:r>
-            <a:r>
-              <a:rPr lang="en-US" dirty="0" smtClean="0"/>
-              <a:t>WC</a:t>
+              <a:t>) to top of WC</a:t>
             </a:r>
             <a:br>
-              <a:rPr lang="en-US" dirty="0" smtClean="0"/>
+              <a:rPr lang="en-US" dirty="0"/>
             </a:br>
             <a:r>
-              <a:rPr lang="en-US" dirty="0" smtClean="0"/>
-              <a:t>	0</a:t>
-            </a:r>
-            <a:r>
-              <a:rPr lang="en-US" dirty="0"/>
-              <a:t>,        </a:t>
-            </a:r>
-            <a:r>
-              <a:rPr lang="en-US" dirty="0" smtClean="0"/>
-              <a:t>// </a:t>
-            </a:r>
-            <a:r>
-              <a:rPr lang="en-US" dirty="0"/>
-              <a:t>the z-distant to near </a:t>
-            </a:r>
-            <a:r>
-              <a:rPr lang="en-US" dirty="0" smtClean="0"/>
-              <a:t>plane</a:t>
+              <a:rPr lang="en-US" dirty="0"/>
+              <a:t>	0,        // the z-distant to near plane</a:t>
             </a:r>
             <a:br>
-              <a:rPr lang="en-US" dirty="0" smtClean="0"/>
+              <a:rPr lang="en-US" dirty="0"/>
             </a:br>
             <a:r>
-              <a:rPr lang="en-US" dirty="0" smtClean="0"/>
-              <a:t>	1000  // </a:t>
-            </a:r>
-            <a:r>
-              <a:rPr lang="en-US" dirty="0"/>
-              <a:t>the z-distant to far </a:t>
-            </a:r>
-            <a:r>
-              <a:rPr lang="en-US" dirty="0" smtClean="0"/>
-              <a:t>plane</a:t>
+              <a:rPr lang="en-US" dirty="0"/>
+              <a:t>	1000  // the z-distant to far plane</a:t>
             </a:r>
             <a:br>
-              <a:rPr lang="en-US" dirty="0" smtClean="0"/>
+              <a:rPr lang="en-US" dirty="0"/>
             </a:br>
             <a:r>
-              <a:rPr lang="en-US" dirty="0" smtClean="0"/>
+              <a:rPr lang="en-US" dirty="0"/>
               <a:t>);</a:t>
             </a:r>
           </a:p>
@@ -14150,31 +13619,27 @@
             <a:pPr marL="0" indent="0">
               <a:buNone/>
             </a:pPr>
-            <a:r>
-              <a:rPr lang="en-US" b="1" dirty="0" smtClean="0"/>
-              <a:t/>
-            </a:r>
             <a:br>
-              <a:rPr lang="en-US" b="1" dirty="0" smtClean="0"/>
+              <a:rPr lang="en-US" b="1" dirty="0"/>
             </a:br>
             <a:r>
-              <a:rPr lang="en-US" b="1" dirty="0" err="1" smtClean="0"/>
+              <a:rPr lang="en-US" b="1" dirty="0" err="1"/>
               <a:t>vpMatrix</a:t>
             </a:r>
             <a:r>
-              <a:rPr lang="en-US" b="1" dirty="0" smtClean="0"/>
+              <a:rPr lang="en-US" b="1" dirty="0"/>
               <a:t> = </a:t>
             </a:r>
             <a:r>
-              <a:rPr lang="en-US" b="1" dirty="0" err="1" smtClean="0"/>
+              <a:rPr lang="en-US" b="1" dirty="0" err="1"/>
               <a:t>projMatrix</a:t>
             </a:r>
             <a:r>
-              <a:rPr lang="en-US" b="1" dirty="0" smtClean="0"/>
+              <a:rPr lang="en-US" b="1" dirty="0"/>
               <a:t> × </a:t>
             </a:r>
             <a:r>
-              <a:rPr lang="en-US" b="1" dirty="0" err="1" smtClean="0"/>
+              <a:rPr lang="en-US" b="1" dirty="0" err="1"/>
               <a:t>viewMatrix</a:t>
             </a:r>
             <a:endParaRPr lang="en-US" b="1" dirty="0"/>
@@ -14191,13 +13656,6 @@
   <p:clrMapOvr>
     <a:masterClrMapping/>
   </p:clrMapOvr>
-  <p:timing>
-    <p:tnLst>
-      <p:par>
-        <p:cTn id="1" dur="indefinite" restart="never" nodeType="tmRoot"/>
-      </p:par>
-    </p:tnLst>
-  </p:timing>
 </p:sld>
 </file>
 
@@ -14240,23 +13698,19 @@
           </a:bodyPr>
           <a:lstStyle/>
           <a:p>
-            <a:endParaRPr lang="en-US" b="1" dirty="0" smtClean="0"/>
+            <a:endParaRPr lang="en-US" b="1" dirty="0"/>
           </a:p>
           <a:p>
             <a:pPr marL="0" indent="0">
               <a:buNone/>
             </a:pPr>
             <a:r>
-              <a:rPr lang="en-US" b="1" dirty="0" err="1" smtClean="0"/>
+              <a:rPr lang="en-US" b="1" dirty="0" err="1"/>
               <a:t>vpMatrix</a:t>
             </a:r>
             <a:r>
-              <a:rPr lang="en-US" b="1" dirty="0" smtClean="0"/>
-              <a:t> </a:t>
-            </a:r>
-            <a:r>
               <a:rPr lang="en-US" b="1" dirty="0"/>
-              <a:t>= </a:t>
+              <a:t> = </a:t>
             </a:r>
             <a:r>
               <a:rPr lang="en-US" b="1" dirty="0" err="1"/>
@@ -14267,15 +13721,15 @@
               <a:t> × </a:t>
             </a:r>
             <a:r>
-              <a:rPr lang="en-US" b="1" dirty="0" err="1" smtClean="0"/>
+              <a:rPr lang="en-US" b="1" dirty="0" err="1"/>
               <a:t>viewMatrix</a:t>
             </a:r>
             <a:r>
-              <a:rPr lang="en-US" b="1" dirty="0" smtClean="0"/>
+              <a:rPr lang="en-US" b="1" dirty="0"/>
               <a:t>  </a:t>
             </a:r>
             <a:r>
-              <a:rPr lang="en-US" dirty="0" smtClean="0"/>
+              <a:rPr lang="en-US" dirty="0"/>
               <a:t>   </a:t>
             </a:r>
           </a:p>
@@ -14284,7 +13738,7 @@
               <a:buNone/>
             </a:pPr>
             <a:r>
-              <a:rPr lang="en-US" dirty="0" smtClean="0"/>
+              <a:rPr lang="en-US" dirty="0"/>
               <a:t>… is simply … </a:t>
             </a:r>
           </a:p>
@@ -14292,22 +13746,22 @@
             <a:pPr marL="0" indent="0">
               <a:buNone/>
             </a:pPr>
-            <a:endParaRPr lang="en-US" dirty="0" smtClean="0"/>
+            <a:endParaRPr lang="en-US" dirty="0"/>
           </a:p>
           <a:p>
             <a:pPr marL="514350" indent="-514350">
               <a:buAutoNum type="arabicPeriod"/>
             </a:pPr>
             <a:r>
-              <a:rPr lang="en-US" dirty="0" smtClean="0"/>
+              <a:rPr lang="en-US" dirty="0"/>
               <a:t>translating (</a:t>
             </a:r>
             <a:r>
-              <a:rPr lang="en-US" dirty="0" err="1" smtClean="0"/>
+              <a:rPr lang="en-US" dirty="0" err="1"/>
               <a:t>Cx</a:t>
             </a:r>
             <a:r>
-              <a:rPr lang="en-US" dirty="0" smtClean="0"/>
+              <a:rPr lang="en-US" dirty="0"/>
               <a:t>, Cy) to (0, 0)</a:t>
             </a:r>
           </a:p>
@@ -14326,41 +13780,37 @@
             </a:r>
             <a:r>
               <a:rPr lang="en-US" dirty="0"/>
-              <a:t> to </a:t>
-            </a:r>
-            <a:r>
-              <a:rPr lang="en-US" dirty="0" smtClean="0"/>
-              <a:t>2x2</a:t>
+              <a:t> to 2x2</a:t>
             </a:r>
           </a:p>
           <a:p>
             <a:pPr marL="0" indent="0">
               <a:buNone/>
             </a:pPr>
-            <a:endParaRPr lang="en-US" dirty="0" smtClean="0"/>
+            <a:endParaRPr lang="en-US" dirty="0"/>
           </a:p>
           <a:p>
             <a:pPr marL="0" indent="0">
               <a:buNone/>
             </a:pPr>
             <a:r>
-              <a:rPr lang="en-US" dirty="0" smtClean="0"/>
+              <a:rPr lang="en-US" dirty="0"/>
               <a:t>OR …  </a:t>
             </a:r>
             <a:r>
-              <a:rPr lang="en-US" dirty="0" err="1" smtClean="0"/>
+              <a:rPr lang="en-US" dirty="0" err="1"/>
               <a:t>vpMatrix</a:t>
             </a:r>
             <a:r>
-              <a:rPr lang="en-US" dirty="0" smtClean="0"/>
+              <a:rPr lang="en-US" dirty="0"/>
               <a:t> = S(2/W, 2/H) T(-</a:t>
             </a:r>
             <a:r>
-              <a:rPr lang="en-US" dirty="0" err="1" smtClean="0"/>
+              <a:rPr lang="en-US" dirty="0" err="1"/>
               <a:t>Cx</a:t>
             </a:r>
             <a:r>
-              <a:rPr lang="en-US" dirty="0" smtClean="0"/>
+              <a:rPr lang="en-US" dirty="0"/>
               <a:t>, -Cy) </a:t>
             </a:r>
           </a:p>
@@ -14406,26 +13856,25 @@
           <a:lstStyle/>
           <a:p>
             <a:r>
-              <a:rPr lang="en-US" dirty="0" smtClean="0"/>
+              <a:rPr lang="en-US" dirty="0"/>
               <a:t>What is done by </a:t>
             </a:r>
             <a:r>
-              <a:rPr lang="en-US" dirty="0" err="1" smtClean="0"/>
+              <a:rPr lang="en-US" dirty="0" err="1"/>
               <a:t>lookAt</a:t>
             </a:r>
             <a:r>
-              <a:rPr lang="en-US" dirty="0" smtClean="0"/>
+              <a:rPr lang="en-US" dirty="0"/>
               <a:t>() and </a:t>
             </a:r>
             <a:r>
-              <a:rPr lang="en-US" dirty="0" err="1" smtClean="0"/>
+              <a:rPr lang="en-US" dirty="0" err="1"/>
               <a:t>ortho</a:t>
             </a:r>
             <a:r>
-              <a:rPr lang="en-US" dirty="0" smtClean="0"/>
+              <a:rPr lang="en-US" dirty="0"/>
               <a:t>()? </a:t>
             </a:r>
-            <a:endParaRPr lang="en-US" dirty="0"/>
           </a:p>
         </p:txBody>
       </p:sp>
@@ -14475,18 +13924,13 @@
           <a:lstStyle/>
           <a:p>
             <a:r>
-              <a:rPr lang="en-US" dirty="0" smtClean="0">
+              <a:rPr lang="en-US" dirty="0">
                 <a:solidFill>
                   <a:srgbClr val="FF0000"/>
                 </a:solidFill>
               </a:rPr>
               <a:t>Question: How to set up … ?</a:t>
             </a:r>
-            <a:endParaRPr lang="en-US" dirty="0">
-              <a:solidFill>
-                <a:srgbClr val="FF0000"/>
-              </a:solidFill>
-            </a:endParaRPr>
           </a:p>
         </p:txBody>
       </p:sp>
@@ -14511,7 +13955,7 @@
               <a:buNone/>
             </a:pPr>
             <a:r>
-              <a:rPr lang="en-US" dirty="0" err="1" smtClean="0"/>
+              <a:rPr lang="en-US" dirty="0" err="1"/>
               <a:t>this.mSq.getXform</a:t>
             </a:r>
             <a:r>
@@ -14519,21 +13963,20 @@
               <a:t>().</a:t>
             </a:r>
             <a:r>
-              <a:rPr lang="en-US" dirty="0" err="1" smtClean="0"/>
+              <a:rPr lang="en-US" dirty="0" err="1"/>
               <a:t>setPosition</a:t>
             </a:r>
             <a:r>
-              <a:rPr lang="en-US" dirty="0" smtClean="0"/>
+              <a:rPr lang="en-US" dirty="0"/>
               <a:t>(20, 30);</a:t>
             </a:r>
-            <a:endParaRPr lang="en-US" dirty="0"/>
           </a:p>
           <a:p>
             <a:pPr marL="0" indent="0">
               <a:buNone/>
             </a:pPr>
             <a:r>
-              <a:rPr lang="en-US" dirty="0" err="1" smtClean="0"/>
+              <a:rPr lang="en-US" dirty="0" err="1"/>
               <a:t>this.mSq.getXform</a:t>
             </a:r>
             <a:r>
@@ -14541,29 +13984,20 @@
               <a:t>().</a:t>
             </a:r>
             <a:r>
-              <a:rPr lang="en-US" dirty="0" err="1" smtClean="0"/>
+              <a:rPr lang="en-US" dirty="0" err="1"/>
               <a:t>setRotationInDegree</a:t>
             </a:r>
             <a:r>
-              <a:rPr lang="en-US" dirty="0" smtClean="0"/>
-              <a:t>(90); </a:t>
-            </a:r>
-            <a:r>
-              <a:rPr lang="en-US" dirty="0"/>
-              <a:t>// In </a:t>
-            </a:r>
-            <a:r>
-              <a:rPr lang="en-US" dirty="0" smtClean="0"/>
-              <a:t>Degrees</a:t>
-            </a:r>
-            <a:endParaRPr lang="en-US" dirty="0"/>
+              <a:rPr lang="en-US" dirty="0"/>
+              <a:t>(90); // In Degrees</a:t>
+            </a:r>
           </a:p>
           <a:p>
             <a:pPr marL="0" indent="0">
               <a:buNone/>
             </a:pPr>
             <a:r>
-              <a:rPr lang="en-US" dirty="0" err="1" smtClean="0"/>
+              <a:rPr lang="en-US" dirty="0" err="1"/>
               <a:t>this.mSq.getXform</a:t>
             </a:r>
             <a:r>
@@ -14571,11 +14005,11 @@
               <a:t>().</a:t>
             </a:r>
             <a:r>
-              <a:rPr lang="en-US" dirty="0" err="1" smtClean="0"/>
+              <a:rPr lang="en-US" dirty="0" err="1"/>
               <a:t>setSize</a:t>
             </a:r>
             <a:r>
-              <a:rPr lang="en-US" dirty="0" smtClean="0"/>
+              <a:rPr lang="en-US" dirty="0"/>
               <a:t>(4, 2);</a:t>
             </a:r>
           </a:p>
@@ -14584,11 +14018,11 @@
               <a:buNone/>
             </a:pPr>
             <a:r>
-              <a:rPr lang="en-US" dirty="0" smtClean="0"/>
+              <a:rPr lang="en-US" dirty="0"/>
               <a:t>// </a:t>
             </a:r>
             <a:r>
-              <a:rPr lang="en-US" b="1" dirty="0" smtClean="0">
+              <a:rPr lang="en-US" b="1" dirty="0">
                 <a:solidFill>
                   <a:srgbClr val="FF0000"/>
                 </a:solidFill>
@@ -14596,7 +14030,7 @@
               <a:t>How to set </a:t>
             </a:r>
             <a:r>
-              <a:rPr lang="en-US" b="1" dirty="0" err="1" smtClean="0">
+              <a:rPr lang="en-US" b="1" dirty="0" err="1">
                 <a:solidFill>
                   <a:srgbClr val="FF0000"/>
                 </a:solidFill>
@@ -14604,7 +14038,7 @@
               <a:t>vpMatrix</a:t>
             </a:r>
             <a:r>
-              <a:rPr lang="en-US" b="1" dirty="0" smtClean="0">
+              <a:rPr lang="en-US" b="1" dirty="0">
                 <a:solidFill>
                   <a:srgbClr val="FF0000"/>
                 </a:solidFill>
@@ -14617,15 +14051,15 @@
               <a:buNone/>
             </a:pPr>
             <a:r>
-              <a:rPr lang="en-US" dirty="0" smtClean="0"/>
+              <a:rPr lang="en-US" dirty="0"/>
               <a:t>// </a:t>
             </a:r>
             <a:r>
-              <a:rPr lang="en-US" b="1" dirty="0" smtClean="0"/>
+              <a:rPr lang="en-US" b="1" dirty="0"/>
               <a:t>Assume: </a:t>
             </a:r>
             <a:r>
-              <a:rPr lang="en-US" dirty="0" smtClean="0"/>
+              <a:rPr lang="en-US" dirty="0"/>
               <a:t>square canvas! (e.g., 500x500)</a:t>
             </a:r>
           </a:p>
@@ -14634,7 +14068,7 @@
               <a:buNone/>
             </a:pPr>
             <a:r>
-              <a:rPr lang="en-US" dirty="0" smtClean="0"/>
+              <a:rPr lang="en-US" dirty="0"/>
               <a:t>// position: in the center of canvas</a:t>
             </a:r>
           </a:p>
@@ -14643,16 +14077,15 @@
               <a:buNone/>
             </a:pPr>
             <a:r>
-              <a:rPr lang="en-US" dirty="0" smtClean="0"/>
+              <a:rPr lang="en-US" dirty="0"/>
               <a:t>//  size: 50% width and height of canvas</a:t>
             </a:r>
-            <a:endParaRPr lang="en-US" dirty="0"/>
           </a:p>
           <a:p>
             <a:pPr marL="0" indent="0">
               <a:buNone/>
             </a:pPr>
-            <a:endParaRPr lang="en-US" dirty="0" smtClean="0"/>
+            <a:endParaRPr lang="en-US" dirty="0"/>
           </a:p>
           <a:p>
             <a:pPr marL="0" indent="0">
@@ -14732,7 +14165,7 @@
           <a:lstStyle/>
           <a:p>
             <a:r>
-              <a:rPr lang="en-US" dirty="0" smtClean="0">
+              <a:rPr lang="en-US" dirty="0">
                 <a:solidFill>
                   <a:srgbClr val="FF0000"/>
                 </a:solidFill>
@@ -14835,15 +14268,7 @@
             </a:pPr>
             <a:r>
               <a:rPr lang="en-US" dirty="0"/>
-              <a:t>        </a:t>
-            </a:r>
-            <a:r>
-              <a:rPr lang="en-US" dirty="0" smtClean="0"/>
-              <a:t>-4,     </a:t>
-            </a:r>
-            <a:r>
-              <a:rPr lang="en-US" dirty="0"/>
-              <a:t>// distance to left of WC</a:t>
+              <a:t>        -4,     // distance to left of WC</a:t>
             </a:r>
           </a:p>
           <a:p>
@@ -14852,15 +14277,7 @@
             </a:pPr>
             <a:r>
               <a:rPr lang="en-US" dirty="0"/>
-              <a:t>         </a:t>
-            </a:r>
-            <a:r>
-              <a:rPr lang="en-US" dirty="0" smtClean="0"/>
-              <a:t>4,     </a:t>
-            </a:r>
-            <a:r>
-              <a:rPr lang="en-US" dirty="0"/>
-              <a:t>// distance to right of WC</a:t>
+              <a:t>         4,     // distance to right of WC</a:t>
             </a:r>
           </a:p>
           <a:p>
@@ -14869,15 +14286,7 @@
             </a:pPr>
             <a:r>
               <a:rPr lang="en-US" dirty="0"/>
-              <a:t>        </a:t>
-            </a:r>
-            <a:r>
-              <a:rPr lang="en-US" dirty="0" smtClean="0"/>
-              <a:t>-2,      </a:t>
-            </a:r>
-            <a:r>
-              <a:rPr lang="en-US" dirty="0"/>
-              <a:t>// distance to bottom of WC</a:t>
+              <a:t>        -2,      // distance to bottom of WC</a:t>
             </a:r>
           </a:p>
           <a:p>
@@ -14886,15 +14295,7 @@
             </a:pPr>
             <a:r>
               <a:rPr lang="en-US" dirty="0"/>
-              <a:t>         </a:t>
-            </a:r>
-            <a:r>
-              <a:rPr lang="en-US" dirty="0" smtClean="0"/>
-              <a:t>2,      </a:t>
-            </a:r>
-            <a:r>
-              <a:rPr lang="en-US" dirty="0"/>
-              <a:t>// distance to top of WC</a:t>
+              <a:t>         2,      // distance to top of WC</a:t>
             </a:r>
           </a:p>
           <a:p>
@@ -14912,29 +14313,25 @@
             </a:pPr>
             <a:r>
               <a:rPr lang="en-US" dirty="0"/>
-              <a:t>         1000);  // distance to far </a:t>
-            </a:r>
-            <a:r>
-              <a:rPr lang="en-US" dirty="0" smtClean="0"/>
-              <a:t>plane</a:t>
+              <a:t>         1000);  // distance to far plane</a:t>
             </a:r>
           </a:p>
           <a:p>
             <a:pPr marL="0" indent="0">
               <a:buNone/>
             </a:pPr>
-            <a:endParaRPr lang="en-US" dirty="0" smtClean="0"/>
+            <a:endParaRPr lang="en-US" dirty="0"/>
           </a:p>
           <a:p>
             <a:pPr marL="0" indent="0">
               <a:buNone/>
             </a:pPr>
             <a:r>
-              <a:rPr lang="en-US" dirty="0" err="1" smtClean="0"/>
+              <a:rPr lang="en-US" dirty="0" err="1"/>
               <a:t>var</a:t>
             </a:r>
             <a:r>
-              <a:rPr lang="en-US" dirty="0" smtClean="0"/>
+              <a:rPr lang="en-US" dirty="0"/>
               <a:t> </a:t>
             </a:r>
             <a:r>
@@ -14951,11 +14348,11 @@
               <a:buNone/>
             </a:pPr>
             <a:r>
-              <a:rPr lang="en-US" dirty="0" smtClean="0"/>
+              <a:rPr lang="en-US" dirty="0"/>
               <a:t>mat4.multiply(</a:t>
             </a:r>
             <a:r>
-              <a:rPr lang="en-US" dirty="0" err="1" smtClean="0"/>
+              <a:rPr lang="en-US" dirty="0" err="1"/>
               <a:t>vpMatrix</a:t>
             </a:r>
             <a:r>
@@ -15120,18 +14517,13 @@
           <a:p>
             <a:pPr algn="ctr"/>
             <a:r>
-              <a:rPr lang="en-US" sz="2000" dirty="0" smtClean="0">
+              <a:rPr lang="en-US" sz="2000" dirty="0">
                 <a:solidFill>
                   <a:schemeClr val="tx1"/>
                 </a:solidFill>
               </a:rPr>
               <a:t>Center on object</a:t>
             </a:r>
-            <a:endParaRPr lang="en-US" sz="2000" dirty="0">
-              <a:solidFill>
-                <a:schemeClr val="tx1"/>
-              </a:solidFill>
-            </a:endParaRPr>
           </a:p>
         </p:txBody>
       </p:sp>
@@ -15180,50 +14572,24 @@
           <a:p>
             <a:pPr algn="ctr"/>
             <a:r>
-              <a:rPr lang="en-US" sz="2000" dirty="0" smtClean="0">
+              <a:rPr lang="en-US" sz="2000" dirty="0">
                 <a:solidFill>
                   <a:schemeClr val="tx1"/>
                 </a:solidFill>
               </a:rPr>
-              <a:t>Visible width is: </a:t>
-            </a:r>
-            <a:r>
-              <a:rPr lang="en-US" sz="2000" dirty="0" smtClean="0">
+              <a:t>Visible width is: 8</a:t>
+            </a:r>
+          </a:p>
+          <a:p>
+            <a:pPr algn="ctr"/>
+            <a:r>
+              <a:rPr lang="en-US" sz="2000" dirty="0">
                 <a:solidFill>
                   <a:schemeClr val="tx1"/>
                 </a:solidFill>
               </a:rPr>
-              <a:t>8</a:t>
-            </a:r>
-            <a:endParaRPr lang="en-US" sz="2000" dirty="0" smtClean="0">
-              <a:solidFill>
-                <a:schemeClr val="tx1"/>
-              </a:solidFill>
-            </a:endParaRPr>
-          </a:p>
-          <a:p>
-            <a:pPr algn="ctr"/>
-            <a:r>
-              <a:rPr lang="en-US" sz="2000" dirty="0" smtClean="0">
-                <a:solidFill>
-                  <a:schemeClr val="tx1"/>
-                </a:solidFill>
-              </a:rPr>
-              <a:t>Visible Height is: </a:t>
-            </a:r>
-            <a:r>
-              <a:rPr lang="en-US" sz="2000" dirty="0" smtClean="0">
-                <a:solidFill>
-                  <a:schemeClr val="tx1"/>
-                </a:solidFill>
-              </a:rPr>
-              <a:t>4</a:t>
-            </a:r>
-            <a:endParaRPr lang="en-US" sz="2000" dirty="0">
-              <a:solidFill>
-                <a:schemeClr val="tx1"/>
-              </a:solidFill>
-            </a:endParaRPr>
+              <a:t>Visible Height is: 4</a:t>
+            </a:r>
           </a:p>
         </p:txBody>
       </p:sp>
@@ -15273,18 +14639,13 @@
           <a:lstStyle/>
           <a:p>
             <a:r>
-              <a:rPr lang="en-US" dirty="0" smtClean="0">
+              <a:rPr lang="en-US" dirty="0">
                 <a:solidFill>
                   <a:srgbClr val="FF0000"/>
                 </a:solidFill>
               </a:rPr>
               <a:t>Question: How about this?</a:t>
             </a:r>
-            <a:endParaRPr lang="en-US" dirty="0">
-              <a:solidFill>
-                <a:srgbClr val="FF0000"/>
-              </a:solidFill>
-            </a:endParaRPr>
           </a:p>
         </p:txBody>
       </p:sp>
@@ -15309,7 +14670,7 @@
               <a:buNone/>
             </a:pPr>
             <a:r>
-              <a:rPr lang="en-US" dirty="0" err="1" smtClean="0"/>
+              <a:rPr lang="en-US" dirty="0" err="1"/>
               <a:t>this.mSq.getXform</a:t>
             </a:r>
             <a:r>
@@ -15317,21 +14678,20 @@
               <a:t>().</a:t>
             </a:r>
             <a:r>
-              <a:rPr lang="en-US" dirty="0" err="1" smtClean="0"/>
+              <a:rPr lang="en-US" dirty="0" err="1"/>
               <a:t>setPosition</a:t>
             </a:r>
             <a:r>
-              <a:rPr lang="en-US" dirty="0" smtClean="0"/>
+              <a:rPr lang="en-US" dirty="0"/>
               <a:t>(20, 30);</a:t>
             </a:r>
-            <a:endParaRPr lang="en-US" dirty="0"/>
           </a:p>
           <a:p>
             <a:pPr marL="0" indent="0">
               <a:buNone/>
             </a:pPr>
             <a:r>
-              <a:rPr lang="en-US" dirty="0" err="1" smtClean="0"/>
+              <a:rPr lang="en-US" dirty="0" err="1"/>
               <a:t>this.mSq.getXform</a:t>
             </a:r>
             <a:r>
@@ -15339,29 +14699,20 @@
               <a:t>().</a:t>
             </a:r>
             <a:r>
-              <a:rPr lang="en-US" dirty="0" err="1" smtClean="0"/>
+              <a:rPr lang="en-US" dirty="0" err="1"/>
               <a:t>setRotationInDegree</a:t>
             </a:r>
             <a:r>
-              <a:rPr lang="en-US" dirty="0" smtClean="0"/>
-              <a:t>(90); </a:t>
-            </a:r>
-            <a:r>
-              <a:rPr lang="en-US" dirty="0"/>
-              <a:t>// In </a:t>
-            </a:r>
-            <a:r>
-              <a:rPr lang="en-US" dirty="0" smtClean="0"/>
-              <a:t>Degrees</a:t>
-            </a:r>
-            <a:endParaRPr lang="en-US" dirty="0"/>
+              <a:rPr lang="en-US" dirty="0"/>
+              <a:t>(90); // In Degrees</a:t>
+            </a:r>
           </a:p>
           <a:p>
             <a:pPr marL="0" indent="0">
               <a:buNone/>
             </a:pPr>
             <a:r>
-              <a:rPr lang="en-US" dirty="0" err="1" smtClean="0"/>
+              <a:rPr lang="en-US" dirty="0" err="1"/>
               <a:t>this.mSq.getXform</a:t>
             </a:r>
             <a:r>
@@ -15369,11 +14720,11 @@
               <a:t>().</a:t>
             </a:r>
             <a:r>
-              <a:rPr lang="en-US" dirty="0" err="1" smtClean="0"/>
+              <a:rPr lang="en-US" dirty="0" err="1"/>
               <a:t>setSize</a:t>
             </a:r>
             <a:r>
-              <a:rPr lang="en-US" dirty="0" smtClean="0"/>
+              <a:rPr lang="en-US" dirty="0"/>
               <a:t>(4, 2);</a:t>
             </a:r>
           </a:p>
@@ -15382,11 +14733,11 @@
               <a:buNone/>
             </a:pPr>
             <a:r>
-              <a:rPr lang="en-US" dirty="0" smtClean="0"/>
+              <a:rPr lang="en-US" dirty="0"/>
               <a:t>// </a:t>
             </a:r>
             <a:r>
-              <a:rPr lang="en-US" b="1" dirty="0" smtClean="0">
+              <a:rPr lang="en-US" b="1" dirty="0">
                 <a:solidFill>
                   <a:srgbClr val="FF0000"/>
                 </a:solidFill>
@@ -15394,7 +14745,7 @@
               <a:t>How to set </a:t>
             </a:r>
             <a:r>
-              <a:rPr lang="en-US" b="1" dirty="0" err="1" smtClean="0">
+              <a:rPr lang="en-US" b="1" dirty="0" err="1">
                 <a:solidFill>
                   <a:srgbClr val="FF0000"/>
                 </a:solidFill>
@@ -15402,7 +14753,7 @@
               <a:t>vpMatrix</a:t>
             </a:r>
             <a:r>
-              <a:rPr lang="en-US" b="1" dirty="0" smtClean="0">
+              <a:rPr lang="en-US" b="1" dirty="0">
                 <a:solidFill>
                   <a:srgbClr val="FF0000"/>
                 </a:solidFill>
@@ -15415,15 +14766,15 @@
               <a:buNone/>
             </a:pPr>
             <a:r>
-              <a:rPr lang="en-US" dirty="0" smtClean="0"/>
+              <a:rPr lang="en-US" dirty="0"/>
               <a:t>// </a:t>
             </a:r>
             <a:r>
-              <a:rPr lang="en-US" b="1" dirty="0" smtClean="0"/>
+              <a:rPr lang="en-US" b="1" dirty="0"/>
               <a:t>Assume: </a:t>
             </a:r>
             <a:r>
-              <a:rPr lang="en-US" dirty="0" smtClean="0"/>
+              <a:rPr lang="en-US" dirty="0"/>
               <a:t>square canvas! (e.g., 500x500)</a:t>
             </a:r>
           </a:p>
@@ -15432,7 +14783,7 @@
               <a:buNone/>
             </a:pPr>
             <a:r>
-              <a:rPr lang="en-US" dirty="0" smtClean="0"/>
+              <a:rPr lang="en-US" dirty="0"/>
               <a:t>// position: in the center of canvas</a:t>
             </a:r>
           </a:p>
@@ -15441,24 +14792,23 @@
               <a:buNone/>
             </a:pPr>
             <a:r>
-              <a:rPr lang="en-US" dirty="0" smtClean="0"/>
+              <a:rPr lang="en-US" dirty="0"/>
               <a:t>//  size: </a:t>
             </a:r>
             <a:r>
-              <a:rPr lang="en-US" b="1" i="1" dirty="0" smtClean="0"/>
+              <a:rPr lang="en-US" b="1" i="1" dirty="0"/>
               <a:t>almost </a:t>
             </a:r>
             <a:r>
-              <a:rPr lang="en-US" dirty="0" smtClean="0"/>
+              <a:rPr lang="en-US" dirty="0"/>
               <a:t>covers the entire canvas</a:t>
             </a:r>
-            <a:endParaRPr lang="en-US" dirty="0"/>
           </a:p>
           <a:p>
             <a:pPr marL="0" indent="0">
               <a:buNone/>
             </a:pPr>
-            <a:endParaRPr lang="en-US" dirty="0" smtClean="0"/>
+            <a:endParaRPr lang="en-US" dirty="0"/>
           </a:p>
           <a:p>
             <a:pPr marL="0" indent="0">
@@ -15538,7 +14888,7 @@
           <a:lstStyle/>
           <a:p>
             <a:r>
-              <a:rPr lang="en-US" dirty="0" smtClean="0">
+              <a:rPr lang="en-US" dirty="0">
                 <a:solidFill>
                   <a:srgbClr val="FF0000"/>
                 </a:solidFill>
@@ -15641,15 +14991,7 @@
             </a:pPr>
             <a:r>
               <a:rPr lang="en-US" dirty="0"/>
-              <a:t>        </a:t>
-            </a:r>
-            <a:r>
-              <a:rPr lang="en-US" dirty="0" smtClean="0"/>
-              <a:t>-2.1,     </a:t>
-            </a:r>
-            <a:r>
-              <a:rPr lang="en-US" dirty="0"/>
-              <a:t>// distance to left of WC</a:t>
+              <a:t>        -2.1,     // distance to left of WC</a:t>
             </a:r>
           </a:p>
           <a:p>
@@ -15658,19 +15000,7 @@
             </a:pPr>
             <a:r>
               <a:rPr lang="en-US" dirty="0"/>
-              <a:t>         </a:t>
-            </a:r>
-            <a:r>
-              <a:rPr lang="en-US" dirty="0" smtClean="0"/>
-              <a:t>2</a:t>
-            </a:r>
-            <a:r>
-              <a:rPr lang="en-US" dirty="0" smtClean="0"/>
-              <a:t>.1,     </a:t>
-            </a:r>
-            <a:r>
-              <a:rPr lang="en-US" dirty="0"/>
-              <a:t>// distance to right of WC</a:t>
+              <a:t>         2.1,     // distance to right of WC</a:t>
             </a:r>
           </a:p>
           <a:p>
@@ -15679,19 +15009,7 @@
             </a:pPr>
             <a:r>
               <a:rPr lang="en-US" dirty="0"/>
-              <a:t>        </a:t>
-            </a:r>
-            <a:r>
-              <a:rPr lang="en-US" dirty="0" smtClean="0"/>
-              <a:t>-1.1</a:t>
-            </a:r>
-            <a:r>
-              <a:rPr lang="en-US" dirty="0" smtClean="0"/>
-              <a:t>,      </a:t>
-            </a:r>
-            <a:r>
-              <a:rPr lang="en-US" dirty="0"/>
-              <a:t>// distance to bottom of WC</a:t>
+              <a:t>        -1.1,      // distance to bottom of WC</a:t>
             </a:r>
           </a:p>
           <a:p>
@@ -15700,23 +15018,7 @@
             </a:pPr>
             <a:r>
               <a:rPr lang="en-US" dirty="0"/>
-              <a:t>         </a:t>
-            </a:r>
-            <a:r>
-              <a:rPr lang="en-US" dirty="0"/>
-              <a:t>1</a:t>
-            </a:r>
-            <a:r>
-              <a:rPr lang="en-US" dirty="0" smtClean="0"/>
-              <a:t>.1</a:t>
-            </a:r>
-            <a:r>
-              <a:rPr lang="en-US" dirty="0" smtClean="0"/>
-              <a:t>,      </a:t>
-            </a:r>
-            <a:r>
-              <a:rPr lang="en-US" dirty="0"/>
-              <a:t>// distance to top of WC</a:t>
+              <a:t>         1.1,      // distance to top of WC</a:t>
             </a:r>
           </a:p>
           <a:p>
@@ -15734,29 +15036,25 @@
             </a:pPr>
             <a:r>
               <a:rPr lang="en-US" dirty="0"/>
-              <a:t>         1000);  // distance to far </a:t>
-            </a:r>
-            <a:r>
-              <a:rPr lang="en-US" dirty="0" smtClean="0"/>
-              <a:t>plane</a:t>
+              <a:t>         1000);  // distance to far plane</a:t>
             </a:r>
           </a:p>
           <a:p>
             <a:pPr marL="0" indent="0">
               <a:buNone/>
             </a:pPr>
-            <a:endParaRPr lang="en-US" dirty="0" smtClean="0"/>
+            <a:endParaRPr lang="en-US" dirty="0"/>
           </a:p>
           <a:p>
             <a:pPr marL="0" indent="0">
               <a:buNone/>
             </a:pPr>
             <a:r>
-              <a:rPr lang="en-US" dirty="0" err="1" smtClean="0"/>
+              <a:rPr lang="en-US" dirty="0" err="1"/>
               <a:t>var</a:t>
             </a:r>
             <a:r>
-              <a:rPr lang="en-US" dirty="0" smtClean="0"/>
+              <a:rPr lang="en-US" dirty="0"/>
               <a:t> </a:t>
             </a:r>
             <a:r>
@@ -15773,11 +15071,11 @@
               <a:buNone/>
             </a:pPr>
             <a:r>
-              <a:rPr lang="en-US" dirty="0" smtClean="0"/>
+              <a:rPr lang="en-US" dirty="0"/>
               <a:t>mat4.multiply(</a:t>
             </a:r>
             <a:r>
-              <a:rPr lang="en-US" dirty="0" err="1" smtClean="0"/>
+              <a:rPr lang="en-US" dirty="0" err="1"/>
               <a:t>vpMatrix</a:t>
             </a:r>
             <a:r>
@@ -15942,18 +15240,13 @@
           <a:p>
             <a:pPr algn="ctr"/>
             <a:r>
-              <a:rPr lang="en-US" sz="2000" dirty="0" smtClean="0">
+              <a:rPr lang="en-US" sz="2000" dirty="0">
                 <a:solidFill>
                   <a:schemeClr val="tx1"/>
                 </a:solidFill>
               </a:rPr>
               <a:t>Center on object</a:t>
             </a:r>
-            <a:endParaRPr lang="en-US" sz="2000" dirty="0">
-              <a:solidFill>
-                <a:schemeClr val="tx1"/>
-              </a:solidFill>
-            </a:endParaRPr>
           </a:p>
         </p:txBody>
       </p:sp>
@@ -16002,50 +15295,24 @@
           <a:p>
             <a:pPr algn="ctr"/>
             <a:r>
-              <a:rPr lang="en-US" sz="2000" dirty="0" smtClean="0">
+              <a:rPr lang="en-US" sz="2000" dirty="0">
                 <a:solidFill>
                   <a:schemeClr val="tx1"/>
                 </a:solidFill>
               </a:rPr>
-              <a:t>Visible width is: </a:t>
-            </a:r>
-            <a:r>
-              <a:rPr lang="en-US" sz="2000" dirty="0" smtClean="0">
+              <a:t>Visible width is: 4.2</a:t>
+            </a:r>
+          </a:p>
+          <a:p>
+            <a:pPr algn="ctr"/>
+            <a:r>
+              <a:rPr lang="en-US" sz="2000" dirty="0">
                 <a:solidFill>
                   <a:schemeClr val="tx1"/>
                 </a:solidFill>
               </a:rPr>
-              <a:t>4.2</a:t>
-            </a:r>
-            <a:endParaRPr lang="en-US" sz="2000" dirty="0" smtClean="0">
-              <a:solidFill>
-                <a:schemeClr val="tx1"/>
-              </a:solidFill>
-            </a:endParaRPr>
-          </a:p>
-          <a:p>
-            <a:pPr algn="ctr"/>
-            <a:r>
-              <a:rPr lang="en-US" sz="2000" dirty="0" smtClean="0">
-                <a:solidFill>
-                  <a:schemeClr val="tx1"/>
-                </a:solidFill>
-              </a:rPr>
-              <a:t>Visible Height is: </a:t>
-            </a:r>
-            <a:r>
-              <a:rPr lang="en-US" sz="2000" dirty="0" smtClean="0">
-                <a:solidFill>
-                  <a:schemeClr val="tx1"/>
-                </a:solidFill>
-              </a:rPr>
-              <a:t>2.2</a:t>
-            </a:r>
-            <a:endParaRPr lang="en-US" sz="2000" dirty="0">
-              <a:solidFill>
-                <a:schemeClr val="tx1"/>
-              </a:solidFill>
-            </a:endParaRPr>
+              <a:t>Visible Height is: 2.2</a:t>
+            </a:r>
           </a:p>
         </p:txBody>
       </p:sp>
@@ -16119,14 +15386,13 @@
           <a:lstStyle/>
           <a:p>
             <a:r>
-              <a:rPr lang="en-US" dirty="0" err="1" smtClean="0"/>
+              <a:rPr lang="en-US" dirty="0" err="1"/>
               <a:t>WebGL</a:t>
             </a:r>
             <a:r>
-              <a:rPr lang="en-US" dirty="0" smtClean="0"/>
+              <a:rPr lang="en-US" dirty="0"/>
               <a:t> Viewport</a:t>
             </a:r>
-            <a:endParaRPr lang="en-US" dirty="0"/>
           </a:p>
         </p:txBody>
       </p:sp>
@@ -16152,81 +15418,48 @@
               <a:buNone/>
             </a:pPr>
             <a:r>
-              <a:rPr lang="en-US" sz="1600" dirty="0" err="1" smtClean="0"/>
+              <a:rPr lang="en-US" sz="1600" dirty="0" err="1"/>
               <a:t>gl.viewport</a:t>
             </a:r>
             <a:r>
-              <a:rPr lang="en-US" sz="1600" dirty="0" smtClean="0"/>
+              <a:rPr lang="en-US" sz="1600" dirty="0"/>
               <a:t>(</a:t>
             </a:r>
             <a:br>
-              <a:rPr lang="en-US" sz="1600" dirty="0" smtClean="0"/>
+              <a:rPr lang="en-US" sz="1600" dirty="0"/>
             </a:br>
             <a:r>
-              <a:rPr lang="en-US" sz="1600" dirty="0" smtClean="0"/>
-              <a:t>	x</a:t>
-            </a:r>
-            <a:r>
               <a:rPr lang="en-US" sz="1600" dirty="0"/>
-              <a:t>,     // x position of bottom-left corner of the area to be </a:t>
-            </a:r>
-            <a:r>
-              <a:rPr lang="en-US" sz="1600" dirty="0" smtClean="0"/>
-              <a:t>drawn</a:t>
+              <a:t>	x,     // x position of bottom-left corner of the area to be drawn</a:t>
             </a:r>
             <a:br>
-              <a:rPr lang="en-US" sz="1600" dirty="0" smtClean="0"/>
+              <a:rPr lang="en-US" sz="1600" dirty="0"/>
             </a:br>
             <a:r>
-              <a:rPr lang="en-US" sz="1600" dirty="0" smtClean="0"/>
-              <a:t>	y</a:t>
-            </a:r>
-            <a:r>
               <a:rPr lang="en-US" sz="1600" dirty="0"/>
-              <a:t>,     // y position of bottom-left corner of the area to be </a:t>
-            </a:r>
-            <a:r>
-              <a:rPr lang="en-US" sz="1600" dirty="0" smtClean="0"/>
-              <a:t>drawn</a:t>
+              <a:t>	y,     // y position of bottom-left corner of the area to be drawn</a:t>
             </a:r>
             <a:br>
-              <a:rPr lang="en-US" sz="1600" dirty="0" smtClean="0"/>
+              <a:rPr lang="en-US" sz="1600" dirty="0"/>
             </a:br>
             <a:r>
-              <a:rPr lang="en-US" sz="1600" dirty="0" smtClean="0"/>
-              <a:t>	width</a:t>
-            </a:r>
-            <a:r>
               <a:rPr lang="en-US" sz="1600" dirty="0"/>
-              <a:t>, // width of the area to be </a:t>
-            </a:r>
-            <a:r>
-              <a:rPr lang="en-US" sz="1600" dirty="0" smtClean="0"/>
-              <a:t>drawn</a:t>
+              <a:t>	width, // width of the area to be drawn</a:t>
             </a:r>
             <a:br>
-              <a:rPr lang="en-US" sz="1600" dirty="0" smtClean="0"/>
+              <a:rPr lang="en-US" sz="1600" dirty="0"/>
             </a:br>
             <a:r>
-              <a:rPr lang="en-US" sz="1600" dirty="0" smtClean="0"/>
-              <a:t>	height </a:t>
-            </a:r>
-            <a:r>
               <a:rPr lang="en-US" sz="1600" dirty="0"/>
-              <a:t>// height of the area to be </a:t>
-            </a:r>
-            <a:r>
-              <a:rPr lang="en-US" sz="1600" dirty="0" smtClean="0"/>
-              <a:t>drawn</a:t>
+              <a:t>	height // height of the area to be drawn</a:t>
             </a:r>
             <a:br>
-              <a:rPr lang="en-US" sz="1600" dirty="0" smtClean="0"/>
+              <a:rPr lang="en-US" sz="1600" dirty="0"/>
             </a:br>
             <a:r>
-              <a:rPr lang="en-US" sz="1600" dirty="0" smtClean="0"/>
+              <a:rPr lang="en-US" sz="1600" dirty="0"/>
               <a:t>);</a:t>
             </a:r>
-            <a:endParaRPr lang="en-US" sz="1600" dirty="0"/>
           </a:p>
         </p:txBody>
       </p:sp>
@@ -16240,13 +15473,6 @@
   <p:clrMapOvr>
     <a:masterClrMapping/>
   </p:clrMapOvr>
-  <p:timing>
-    <p:tnLst>
-      <p:par>
-        <p:cTn id="1" dur="indefinite" restart="never" nodeType="tmRoot"/>
-      </p:par>
-    </p:tnLst>
-  </p:timing>
 </p:sld>
 </file>
 
@@ -16283,10 +15509,9 @@
           <a:lstStyle/>
           <a:p>
             <a:r>
-              <a:rPr lang="en-US" dirty="0" smtClean="0"/>
+              <a:rPr lang="en-US" dirty="0"/>
               <a:t>3.4: View Projection and Viewport</a:t>
             </a:r>
-            <a:endParaRPr lang="en-US" dirty="0"/>
           </a:p>
         </p:txBody>
       </p:sp>
@@ -16324,13 +15549,6 @@
   <p:clrMapOvr>
     <a:masterClrMapping/>
   </p:clrMapOvr>
-  <p:timing>
-    <p:tnLst>
-      <p:par>
-        <p:cTn id="1" dur="indefinite" restart="never" nodeType="tmRoot"/>
-      </p:par>
-    </p:tnLst>
-  </p:timing>
 </p:sld>
 </file>
 
@@ -16466,19 +15684,19 @@
           <a:lstStyle/>
           <a:p>
             <a:r>
-              <a:rPr lang="en-US" dirty="0" smtClean="0"/>
+              <a:rPr lang="en-US" dirty="0"/>
               <a:t>3.4: Vertex </a:t>
             </a:r>
             <a:r>
-              <a:rPr lang="en-US" dirty="0" err="1" smtClean="0"/>
+              <a:rPr lang="en-US" dirty="0" err="1"/>
               <a:t>Shader</a:t>
             </a:r>
             <a:r>
-              <a:rPr lang="en-US" dirty="0" smtClean="0"/>
+              <a:rPr lang="en-US" dirty="0"/>
               <a:t> Support for </a:t>
             </a:r>
             <a:r>
-              <a:rPr lang="en-US" dirty="0" err="1" smtClean="0"/>
+              <a:rPr lang="en-US" dirty="0" err="1"/>
               <a:t>ViewProjection</a:t>
             </a:r>
             <a:endParaRPr lang="en-US" dirty="0"/>
@@ -16559,7 +15777,7 @@
           <a:p>
             <a:pPr algn="ctr"/>
             <a:r>
-              <a:rPr lang="en-US" sz="2000" dirty="0" err="1" smtClean="0">
+              <a:rPr lang="en-US" sz="2000" dirty="0" err="1">
                 <a:solidFill>
                   <a:schemeClr val="tx1"/>
                 </a:solidFill>
@@ -16584,13 +15802,6 @@
   <p:clrMapOvr>
     <a:masterClrMapping/>
   </p:clrMapOvr>
-  <p:timing>
-    <p:tnLst>
-      <p:par>
-        <p:cTn id="1" dur="indefinite" restart="never" nodeType="tmRoot"/>
-      </p:par>
-    </p:tnLst>
-  </p:timing>
 </p:sld>
 </file>
 
@@ -16627,19 +15838,19 @@
           <a:lstStyle/>
           <a:p>
             <a:r>
-              <a:rPr lang="en-US" dirty="0" smtClean="0"/>
+              <a:rPr lang="en-US" dirty="0"/>
               <a:t>3.4: Vertex </a:t>
             </a:r>
             <a:r>
-              <a:rPr lang="en-US" dirty="0" err="1" smtClean="0"/>
+              <a:rPr lang="en-US" dirty="0" err="1"/>
               <a:t>Shader</a:t>
             </a:r>
             <a:r>
-              <a:rPr lang="en-US" dirty="0" smtClean="0"/>
+              <a:rPr lang="en-US" dirty="0"/>
               <a:t> Support for </a:t>
             </a:r>
             <a:r>
-              <a:rPr lang="en-US" dirty="0" err="1" smtClean="0"/>
+              <a:rPr lang="en-US" dirty="0" err="1"/>
               <a:t>ViewProjection</a:t>
             </a:r>
             <a:endParaRPr lang="en-US" dirty="0"/>
@@ -16720,7 +15931,7 @@
           <a:p>
             <a:pPr algn="ctr"/>
             <a:r>
-              <a:rPr lang="en-US" sz="2000" dirty="0" err="1" smtClean="0">
+              <a:rPr lang="en-US" sz="2000" dirty="0" err="1">
                 <a:solidFill>
                   <a:schemeClr val="tx1"/>
                 </a:solidFill>
@@ -16839,13 +16050,6 @@
   <p:clrMapOvr>
     <a:masterClrMapping/>
   </p:clrMapOvr>
-  <p:timing>
-    <p:tnLst>
-      <p:par>
-        <p:cTn id="1" dur="indefinite" restart="never" nodeType="tmRoot"/>
-      </p:par>
-    </p:tnLst>
-  </p:timing>
 </p:sld>
 </file>
 
@@ -16882,18 +16086,17 @@
           <a:lstStyle/>
           <a:p>
             <a:r>
-              <a:rPr lang="en-US" dirty="0" smtClean="0"/>
+              <a:rPr lang="en-US" dirty="0"/>
               <a:t>3.4: </a:t>
             </a:r>
             <a:r>
-              <a:rPr lang="en-US" dirty="0" err="1" smtClean="0"/>
+              <a:rPr lang="en-US" dirty="0" err="1"/>
               <a:t>SimpleShader</a:t>
             </a:r>
             <a:r>
-              <a:rPr lang="en-US" dirty="0" smtClean="0"/>
+              <a:rPr lang="en-US" dirty="0"/>
               <a:t> modification</a:t>
             </a:r>
-            <a:endParaRPr lang="en-US" dirty="0"/>
           </a:p>
         </p:txBody>
       </p:sp>
@@ -16931,13 +16134,6 @@
   <p:clrMapOvr>
     <a:masterClrMapping/>
   </p:clrMapOvr>
-  <p:timing>
-    <p:tnLst>
-      <p:par>
-        <p:cTn id="1" dur="indefinite" restart="never" nodeType="tmRoot"/>
-      </p:par>
-    </p:tnLst>
-  </p:timing>
 </p:sld>
 </file>
 
@@ -16974,18 +16170,17 @@
           <a:lstStyle/>
           <a:p>
             <a:r>
-              <a:rPr lang="en-US" dirty="0" smtClean="0"/>
+              <a:rPr lang="en-US" dirty="0"/>
               <a:t>3.4: </a:t>
             </a:r>
             <a:r>
-              <a:rPr lang="en-US" dirty="0" err="1" smtClean="0"/>
+              <a:rPr lang="en-US" dirty="0" err="1"/>
               <a:t>SimpleShader</a:t>
             </a:r>
             <a:r>
-              <a:rPr lang="en-US" dirty="0" smtClean="0"/>
+              <a:rPr lang="en-US" dirty="0"/>
               <a:t> modification</a:t>
             </a:r>
-            <a:endParaRPr lang="en-US" dirty="0"/>
           </a:p>
         </p:txBody>
       </p:sp>
@@ -17164,13 +16359,6 @@
   <p:clrMapOvr>
     <a:masterClrMapping/>
   </p:clrMapOvr>
-  <p:timing>
-    <p:tnLst>
-      <p:par>
-        <p:cTn id="1" dur="indefinite" restart="never" nodeType="tmRoot"/>
-      </p:par>
-    </p:tnLst>
-  </p:timing>
 </p:sld>
 </file>
 
@@ -17207,18 +16395,17 @@
           <a:lstStyle/>
           <a:p>
             <a:r>
-              <a:rPr lang="en-US" dirty="0" smtClean="0"/>
+              <a:rPr lang="en-US" dirty="0"/>
               <a:t>3.4: Modify </a:t>
             </a:r>
             <a:r>
-              <a:rPr lang="en-US" dirty="0" err="1" smtClean="0"/>
+              <a:rPr lang="en-US" dirty="0" err="1"/>
               <a:t>Renderable.draw</a:t>
             </a:r>
             <a:r>
-              <a:rPr lang="en-US" dirty="0" smtClean="0"/>
+              <a:rPr lang="en-US" dirty="0"/>
               <a:t>()</a:t>
             </a:r>
-            <a:endParaRPr lang="en-US" dirty="0"/>
           </a:p>
         </p:txBody>
       </p:sp>
@@ -17282,13 +16469,6 @@
   <p:clrMapOvr>
     <a:masterClrMapping/>
   </p:clrMapOvr>
-  <p:timing>
-    <p:tnLst>
-      <p:par>
-        <p:cTn id="1" dur="indefinite" restart="never" nodeType="tmRoot"/>
-      </p:par>
-    </p:tnLst>
-  </p:timing>
 </p:sld>
 </file>
 
@@ -17325,18 +16505,17 @@
           <a:lstStyle/>
           <a:p>
             <a:r>
-              <a:rPr lang="en-US" dirty="0" smtClean="0"/>
+              <a:rPr lang="en-US" dirty="0"/>
               <a:t>3.4: Modify </a:t>
             </a:r>
             <a:r>
-              <a:rPr lang="en-US" dirty="0" err="1" smtClean="0"/>
+              <a:rPr lang="en-US" dirty="0" err="1"/>
               <a:t>Renderable.draw</a:t>
             </a:r>
             <a:r>
-              <a:rPr lang="en-US" dirty="0" smtClean="0"/>
+              <a:rPr lang="en-US" dirty="0"/>
               <a:t>()</a:t>
             </a:r>
-            <a:endParaRPr lang="en-US" dirty="0"/>
           </a:p>
         </p:txBody>
       </p:sp>
@@ -17494,13 +16673,6 @@
   <p:clrMapOvr>
     <a:masterClrMapping/>
   </p:clrMapOvr>
-  <p:timing>
-    <p:tnLst>
-      <p:par>
-        <p:cTn id="1" dur="indefinite" restart="never" nodeType="tmRoot"/>
-      </p:par>
-    </p:tnLst>
-  </p:timing>
 </p:sld>
 </file>
 
@@ -17585,10 +16757,9 @@
           <a:lstStyle/>
           <a:p>
             <a:r>
-              <a:rPr lang="en-US" dirty="0" smtClean="0"/>
+              <a:rPr lang="en-US" dirty="0"/>
               <a:t>3.4: Testing View Projection and Viewport</a:t>
             </a:r>
-            <a:endParaRPr lang="en-US" dirty="0"/>
           </a:p>
         </p:txBody>
       </p:sp>
@@ -17608,10 +16779,9 @@
           <a:lstStyle/>
           <a:p>
             <a:r>
-              <a:rPr lang="en-US" dirty="0" smtClean="0"/>
+              <a:rPr lang="en-US" dirty="0"/>
               <a:t>Design of the test:</a:t>
             </a:r>
-            <a:endParaRPr lang="en-US" dirty="0"/>
           </a:p>
         </p:txBody>
       </p:sp>
@@ -17625,13 +16795,6 @@
   <p:clrMapOvr>
     <a:masterClrMapping/>
   </p:clrMapOvr>
-  <p:timing>
-    <p:tnLst>
-      <p:par>
-        <p:cTn id="1" dur="indefinite" restart="never" nodeType="tmRoot"/>
-      </p:par>
-    </p:tnLst>
-  </p:timing>
 </p:sld>
 </file>
 
@@ -17668,10 +16831,9 @@
           <a:lstStyle/>
           <a:p>
             <a:r>
-              <a:rPr lang="en-US" dirty="0" smtClean="0"/>
+              <a:rPr lang="en-US" dirty="0"/>
               <a:t>3.4: Setup Viewport</a:t>
             </a:r>
-            <a:endParaRPr lang="en-US" dirty="0"/>
           </a:p>
         </p:txBody>
       </p:sp>
@@ -17770,18 +16932,13 @@
           <a:p>
             <a:pPr algn="ctr"/>
             <a:r>
-              <a:rPr lang="en-US" sz="2000" dirty="0" smtClean="0">
+              <a:rPr lang="en-US" sz="2000" dirty="0">
                 <a:solidFill>
                   <a:schemeClr val="tx1"/>
                 </a:solidFill>
               </a:rPr>
               <a:t>MyGame.js</a:t>
             </a:r>
-            <a:endParaRPr lang="en-US" sz="2000" dirty="0">
-              <a:solidFill>
-                <a:schemeClr val="tx1"/>
-              </a:solidFill>
-            </a:endParaRPr>
           </a:p>
         </p:txBody>
       </p:sp>
@@ -17795,13 +16952,6 @@
   <p:clrMapOvr>
     <a:masterClrMapping/>
   </p:clrMapOvr>
-  <p:timing>
-    <p:tnLst>
-      <p:par>
-        <p:cTn id="1" dur="indefinite" restart="never" nodeType="tmRoot"/>
-      </p:par>
-    </p:tnLst>
-  </p:timing>
 </p:sld>
 </file>
 
@@ -17838,18 +16988,17 @@
           <a:lstStyle/>
           <a:p>
             <a:r>
-              <a:rPr lang="en-US" dirty="0" smtClean="0"/>
+              <a:rPr lang="en-US" dirty="0"/>
               <a:t>3.4: Note on </a:t>
             </a:r>
             <a:r>
-              <a:rPr lang="en-US" dirty="0" err="1" smtClean="0"/>
+              <a:rPr lang="en-US" dirty="0" err="1"/>
               <a:t>gl.scissor</a:t>
             </a:r>
             <a:r>
-              <a:rPr lang="en-US" dirty="0" smtClean="0"/>
+              <a:rPr lang="en-US" dirty="0"/>
               <a:t>()</a:t>
             </a:r>
-            <a:endParaRPr lang="en-US" dirty="0"/>
           </a:p>
         </p:txBody>
       </p:sp>
@@ -18007,13 +17156,6 @@
   <p:clrMapOvr>
     <a:masterClrMapping/>
   </p:clrMapOvr>
-  <p:timing>
-    <p:tnLst>
-      <p:par>
-        <p:cTn id="1" dur="indefinite" restart="never" nodeType="tmRoot"/>
-      </p:par>
-    </p:tnLst>
-  </p:timing>
 </p:sld>
 </file>
 
@@ -18050,77 +17192,76 @@
           <a:lstStyle/>
           <a:p>
             <a:r>
-              <a:rPr lang="en-US" dirty="0" smtClean="0"/>
+              <a:rPr lang="en-US" dirty="0"/>
               <a:t>Viewport vs. Scissor</a:t>
             </a:r>
+          </a:p>
+        </p:txBody>
+      </p:sp>
+      <p:sp>
+        <p:nvSpPr>
+          <p:cNvPr id="3" name="Content Placeholder 2"/>
+          <p:cNvSpPr>
+            <a:spLocks noGrp="1"/>
+          </p:cNvSpPr>
+          <p:nvPr>
+            <p:ph idx="1"/>
+          </p:nvPr>
+        </p:nvSpPr>
+        <p:spPr/>
+        <p:txBody>
+          <a:bodyPr/>
+          <a:lstStyle/>
+          <a:p>
+            <a:r>
+              <a:rPr lang="en-US" dirty="0" err="1"/>
+              <a:t>gl.viewport</a:t>
+            </a:r>
+            <a:r>
+              <a:rPr lang="en-US" dirty="0"/>
+              <a:t>() defines where NDC is mapped to</a:t>
+            </a:r>
+          </a:p>
+          <a:p>
+            <a:pPr lvl="1"/>
+            <a:r>
+              <a:rPr lang="en-US" dirty="0"/>
+              <a:t>Implicitly performed by </a:t>
+            </a:r>
+            <a:r>
+              <a:rPr lang="en-US" dirty="0" err="1"/>
+              <a:t>WebGL</a:t>
+            </a:r>
             <a:endParaRPr lang="en-US" dirty="0"/>
           </a:p>
-        </p:txBody>
-      </p:sp>
-      <p:sp>
-        <p:nvSpPr>
-          <p:cNvPr id="3" name="Content Placeholder 2"/>
-          <p:cNvSpPr>
-            <a:spLocks noGrp="1"/>
-          </p:cNvSpPr>
-          <p:nvPr>
-            <p:ph idx="1"/>
-          </p:nvPr>
-        </p:nvSpPr>
-        <p:spPr/>
-        <p:txBody>
-          <a:bodyPr/>
-          <a:lstStyle/>
-          <a:p>
-            <a:r>
-              <a:rPr lang="en-US" dirty="0" err="1" smtClean="0"/>
-              <a:t>gl.viewport</a:t>
-            </a:r>
-            <a:r>
-              <a:rPr lang="en-US" dirty="0" smtClean="0"/>
-              <a:t>() defines where NDC is mapped to</a:t>
+          <a:p>
+            <a:r>
+              <a:rPr lang="en-US" dirty="0" err="1"/>
+              <a:t>gl.scissor</a:t>
+            </a:r>
+            <a:r>
+              <a:rPr lang="en-US" dirty="0"/>
+              <a:t>() defines area that can be drawn to!</a:t>
             </a:r>
           </a:p>
           <a:p>
             <a:pPr lvl="1"/>
             <a:r>
-              <a:rPr lang="en-US" dirty="0" smtClean="0"/>
-              <a:t>Implicitly performed by </a:t>
-            </a:r>
-            <a:r>
-              <a:rPr lang="en-US" dirty="0" err="1" smtClean="0"/>
-              <a:t>WebGL</a:t>
-            </a:r>
-            <a:endParaRPr lang="en-US" dirty="0" smtClean="0"/>
-          </a:p>
-          <a:p>
-            <a:r>
-              <a:rPr lang="en-US" dirty="0" err="1" smtClean="0"/>
-              <a:t>gl.scissor</a:t>
-            </a:r>
-            <a:r>
-              <a:rPr lang="en-US" dirty="0" smtClean="0"/>
-              <a:t>() defines area that can be drawn to!</a:t>
+              <a:rPr lang="en-US" dirty="0"/>
+              <a:t>Does not affect anything else</a:t>
             </a:r>
           </a:p>
           <a:p>
             <a:pPr lvl="1"/>
             <a:r>
-              <a:rPr lang="en-US" dirty="0" smtClean="0"/>
-              <a:t>Does not affect anything else</a:t>
+              <a:rPr lang="en-US" dirty="0"/>
+              <a:t>Expensive operation!</a:t>
             </a:r>
           </a:p>
           <a:p>
             <a:pPr lvl="1"/>
             <a:r>
-              <a:rPr lang="en-US" dirty="0" smtClean="0"/>
-              <a:t>Expensive operation!</a:t>
-            </a:r>
-          </a:p>
-          <a:p>
-            <a:pPr lvl="1"/>
-            <a:r>
-              <a:rPr lang="en-US" dirty="0" smtClean="0"/>
+              <a:rPr lang="en-US" dirty="0"/>
               <a:t>That’s why, enable/clear/disable</a:t>
             </a:r>
           </a:p>
@@ -18195,18 +17336,17 @@
           <a:lstStyle/>
           <a:p>
             <a:r>
-              <a:rPr lang="en-US" dirty="0" smtClean="0"/>
+              <a:rPr lang="en-US" dirty="0"/>
               <a:t>3.1: The </a:t>
             </a:r>
             <a:r>
-              <a:rPr lang="en-US" dirty="0" err="1" smtClean="0"/>
+              <a:rPr lang="en-US" dirty="0" err="1"/>
               <a:t>Renderable</a:t>
             </a:r>
             <a:r>
-              <a:rPr lang="en-US" dirty="0" smtClean="0"/>
+              <a:rPr lang="en-US" dirty="0"/>
               <a:t> Object</a:t>
             </a:r>
-            <a:endParaRPr lang="en-US" dirty="0"/>
           </a:p>
         </p:txBody>
       </p:sp>
@@ -18322,18 +17462,13 @@
           <a:p>
             <a:pPr algn="ctr"/>
             <a:r>
-              <a:rPr lang="en-US" sz="2000" dirty="0" smtClean="0">
+              <a:rPr lang="en-US" sz="2000" dirty="0">
                 <a:solidFill>
                   <a:schemeClr val="tx1"/>
                 </a:solidFill>
               </a:rPr>
               <a:t>Renderable.js</a:t>
             </a:r>
-            <a:endParaRPr lang="en-US" sz="2000" dirty="0">
-              <a:solidFill>
-                <a:schemeClr val="tx1"/>
-              </a:solidFill>
-            </a:endParaRPr>
           </a:p>
         </p:txBody>
       </p:sp>
@@ -18383,10 +17518,9 @@
           <a:lstStyle/>
           <a:p>
             <a:r>
-              <a:rPr lang="en-US" dirty="0" smtClean="0"/>
+              <a:rPr lang="en-US" dirty="0"/>
               <a:t>3.4: Setup View Projection</a:t>
             </a:r>
-            <a:endParaRPr lang="en-US" dirty="0"/>
           </a:p>
         </p:txBody>
       </p:sp>
@@ -18459,18 +17593,13 @@
           <a:p>
             <a:pPr algn="ctr"/>
             <a:r>
-              <a:rPr lang="en-US" sz="2000" dirty="0" smtClean="0">
+              <a:rPr lang="en-US" sz="2000" dirty="0">
                 <a:solidFill>
                   <a:schemeClr val="tx1"/>
                 </a:solidFill>
               </a:rPr>
               <a:t>MyGame.js</a:t>
             </a:r>
-            <a:endParaRPr lang="en-US" sz="2000" dirty="0">
-              <a:solidFill>
-                <a:schemeClr val="tx1"/>
-              </a:solidFill>
-            </a:endParaRPr>
           </a:p>
         </p:txBody>
       </p:sp>
@@ -18508,13 +17637,6 @@
   <p:clrMapOvr>
     <a:masterClrMapping/>
   </p:clrMapOvr>
-  <p:timing>
-    <p:tnLst>
-      <p:par>
-        <p:cTn id="1" dur="indefinite" restart="never" nodeType="tmRoot"/>
-      </p:par>
-    </p:tnLst>
-  </p:timing>
 </p:sld>
 </file>
 
@@ -18575,10 +17697,9 @@
           <a:lstStyle/>
           <a:p>
             <a:r>
-              <a:rPr lang="en-US" dirty="0" smtClean="0"/>
+              <a:rPr lang="en-US" dirty="0"/>
               <a:t>3.4: Implementing the test</a:t>
             </a:r>
-            <a:endParaRPr lang="en-US" dirty="0"/>
           </a:p>
         </p:txBody>
       </p:sp>
@@ -18676,18 +17797,13 @@
           <a:p>
             <a:pPr algn="ctr"/>
             <a:r>
-              <a:rPr lang="en-US" sz="2000" dirty="0" smtClean="0">
+              <a:rPr lang="en-US" sz="2000" dirty="0">
                 <a:solidFill>
                   <a:schemeClr val="tx1"/>
                 </a:solidFill>
               </a:rPr>
               <a:t>MyGame.js</a:t>
             </a:r>
-            <a:endParaRPr lang="en-US" sz="2000" dirty="0">
-              <a:solidFill>
-                <a:schemeClr val="tx1"/>
-              </a:solidFill>
-            </a:endParaRPr>
           </a:p>
         </p:txBody>
       </p:sp>
@@ -18725,13 +17841,6 @@
   <p:clrMapOvr>
     <a:masterClrMapping/>
   </p:clrMapOvr>
-  <p:timing>
-    <p:tnLst>
-      <p:par>
-        <p:cTn id="1" dur="indefinite" restart="never" nodeType="tmRoot"/>
-      </p:par>
-    </p:tnLst>
-  </p:timing>
 </p:sld>
 </file>
 
@@ -18768,10 +17877,9 @@
           <a:lstStyle/>
           <a:p>
             <a:r>
-              <a:rPr lang="en-US" dirty="0" smtClean="0"/>
+              <a:rPr lang="en-US" dirty="0"/>
               <a:t>3.5: The Camera</a:t>
             </a:r>
-            <a:endParaRPr lang="en-US" dirty="0"/>
           </a:p>
         </p:txBody>
       </p:sp>
@@ -18791,55 +17899,55 @@
           <a:lstStyle/>
           <a:p>
             <a:r>
-              <a:rPr lang="en-US" dirty="0" smtClean="0"/>
+              <a:rPr lang="en-US" dirty="0"/>
               <a:t>Observation from 3.4</a:t>
             </a:r>
           </a:p>
           <a:p>
             <a:pPr lvl="1"/>
             <a:r>
-              <a:rPr lang="en-US" dirty="0" smtClean="0"/>
+              <a:rPr lang="en-US" dirty="0"/>
               <a:t>Viewport and View Projection setting</a:t>
             </a:r>
           </a:p>
           <a:p>
             <a:pPr lvl="2"/>
             <a:r>
-              <a:rPr lang="en-US" dirty="0" smtClean="0"/>
+              <a:rPr lang="en-US" dirty="0"/>
               <a:t>Messy and makes MyGame.js difficult to read</a:t>
             </a:r>
           </a:p>
           <a:p>
             <a:pPr lvl="1"/>
             <a:r>
-              <a:rPr lang="en-US" dirty="0" smtClean="0"/>
+              <a:rPr lang="en-US" dirty="0"/>
               <a:t>Need an abstraction … the Camera!</a:t>
             </a:r>
           </a:p>
           <a:p>
             <a:r>
-              <a:rPr lang="en-US" dirty="0" smtClean="0"/>
+              <a:rPr lang="en-US" dirty="0"/>
               <a:t>Camera:</a:t>
             </a:r>
           </a:p>
           <a:p>
             <a:pPr lvl="1"/>
             <a:r>
-              <a:rPr lang="en-US" dirty="0" smtClean="0"/>
+              <a:rPr lang="en-US" dirty="0"/>
               <a:t>WC Center: where is the camera viewfinder</a:t>
             </a:r>
           </a:p>
           <a:p>
             <a:pPr lvl="1"/>
             <a:r>
-              <a:rPr lang="en-US" dirty="0" smtClean="0"/>
+              <a:rPr lang="en-US" dirty="0"/>
               <a:t>WC Width/Height: what can be seen through the camera</a:t>
             </a:r>
           </a:p>
           <a:p>
             <a:pPr lvl="1"/>
             <a:r>
-              <a:rPr lang="en-US" dirty="0" smtClean="0"/>
+              <a:rPr lang="en-US" dirty="0"/>
               <a:t>Viewport: where to show the WC on the film</a:t>
             </a:r>
           </a:p>
@@ -18858,13 +17966,6 @@
   <p:clrMapOvr>
     <a:masterClrMapping/>
   </p:clrMapOvr>
-  <p:timing>
-    <p:tnLst>
-      <p:par>
-        <p:cTn id="1" dur="indefinite" restart="never" nodeType="tmRoot"/>
-      </p:par>
-    </p:tnLst>
-  </p:timing>
 </p:sld>
 </file>
 
@@ -18901,10 +18002,9 @@
           <a:lstStyle/>
           <a:p>
             <a:r>
-              <a:rPr lang="en-US" dirty="0" smtClean="0"/>
+              <a:rPr lang="en-US" dirty="0"/>
               <a:t>3.5: Goals</a:t>
             </a:r>
-            <a:endParaRPr lang="en-US" dirty="0"/>
           </a:p>
         </p:txBody>
       </p:sp>
@@ -18954,13 +18054,6 @@
   <p:clrMapOvr>
     <a:masterClrMapping/>
   </p:clrMapOvr>
-  <p:timing>
-    <p:tnLst>
-      <p:par>
-        <p:cTn id="1" dur="indefinite" restart="never" nodeType="tmRoot"/>
-      </p:par>
-    </p:tnLst>
-  </p:timing>
 </p:sld>
 </file>
 
@@ -18997,10 +18090,9 @@
           <a:lstStyle/>
           <a:p>
             <a:r>
-              <a:rPr lang="en-US" dirty="0" smtClean="0"/>
+              <a:rPr lang="en-US" dirty="0"/>
               <a:t>3.5: The Camera Object -- Constructor</a:t>
             </a:r>
-            <a:endParaRPr lang="en-US" dirty="0"/>
           </a:p>
         </p:txBody>
       </p:sp>
@@ -19040,13 +18132,6 @@
   <p:clrMapOvr>
     <a:masterClrMapping/>
   </p:clrMapOvr>
-  <p:timing>
-    <p:tnLst>
-      <p:par>
-        <p:cTn id="1" dur="indefinite" restart="never" nodeType="tmRoot"/>
-      </p:par>
-    </p:tnLst>
-  </p:timing>
 </p:sld>
 </file>
 
@@ -19083,10 +18168,9 @@
           <a:lstStyle/>
           <a:p>
             <a:r>
-              <a:rPr lang="en-US" dirty="0" smtClean="0"/>
+              <a:rPr lang="en-US" dirty="0"/>
               <a:t>3.5: The Camera – Utility functions</a:t>
             </a:r>
-            <a:endParaRPr lang="en-US" dirty="0"/>
           </a:p>
         </p:txBody>
       </p:sp>
@@ -19129,13 +18213,6 @@
   <p:clrMapOvr>
     <a:masterClrMapping/>
   </p:clrMapOvr>
-  <p:timing>
-    <p:tnLst>
-      <p:par>
-        <p:cTn id="1" dur="indefinite" restart="never" nodeType="tmRoot"/>
-      </p:par>
-    </p:tnLst>
-  </p:timing>
 </p:sld>
 </file>
 
@@ -19172,11 +18249,11 @@
           <a:lstStyle/>
           <a:p>
             <a:r>
-              <a:rPr lang="en-US" dirty="0" smtClean="0"/>
+              <a:rPr lang="en-US" dirty="0"/>
               <a:t>3.5: The Camera – compute </a:t>
             </a:r>
             <a:r>
-              <a:rPr lang="en-US" dirty="0" err="1" smtClean="0"/>
+              <a:rPr lang="en-US" dirty="0" err="1"/>
               <a:t>vpMatrix</a:t>
             </a:r>
             <a:endParaRPr lang="en-US" dirty="0"/>
@@ -19222,13 +18299,6 @@
   <p:clrMapOvr>
     <a:masterClrMapping/>
   </p:clrMapOvr>
-  <p:timing>
-    <p:tnLst>
-      <p:par>
-        <p:cTn id="1" dur="indefinite" restart="never" nodeType="tmRoot"/>
-      </p:par>
-    </p:tnLst>
-  </p:timing>
 </p:sld>
 </file>
 
@@ -19265,10 +18335,9 @@
           <a:lstStyle/>
           <a:p>
             <a:r>
-              <a:rPr lang="en-US" dirty="0" smtClean="0"/>
+              <a:rPr lang="en-US" dirty="0"/>
               <a:t>3.5: The Camera –Aspect Ratio</a:t>
             </a:r>
-            <a:endParaRPr lang="en-US" dirty="0"/>
           </a:p>
         </p:txBody>
       </p:sp>
@@ -19358,13 +18427,6 @@
   <p:clrMapOvr>
     <a:masterClrMapping/>
   </p:clrMapOvr>
-  <p:timing>
-    <p:tnLst>
-      <p:par>
-        <p:cTn id="1" dur="indefinite" restart="never" nodeType="tmRoot"/>
-      </p:par>
-    </p:tnLst>
-  </p:timing>
 </p:sld>
 </file>
 
@@ -19401,11 +18463,11 @@
           <a:lstStyle/>
           <a:p>
             <a:r>
-              <a:rPr lang="en-US" dirty="0" smtClean="0"/>
+              <a:rPr lang="en-US" dirty="0"/>
               <a:t>Aspect Ratio of WC and DC </a:t>
             </a:r>
             <a:r>
-              <a:rPr lang="en-US" smtClean="0"/>
+              <a:rPr lang="en-US"/>
               <a:t>must match!</a:t>
             </a:r>
             <a:endParaRPr lang="en-US" dirty="0"/>
@@ -19576,10 +18638,9 @@
           <a:lstStyle/>
           <a:p>
             <a:r>
-              <a:rPr lang="en-US" dirty="0" smtClean="0"/>
+              <a:rPr lang="en-US" dirty="0"/>
               <a:t>3.5: Testing The Camera</a:t>
             </a:r>
-            <a:endParaRPr lang="en-US" dirty="0"/>
           </a:p>
         </p:txBody>
       </p:sp>
@@ -19680,18 +18741,13 @@
           <a:p>
             <a:pPr algn="ctr"/>
             <a:r>
-              <a:rPr lang="en-US" sz="2000" dirty="0" smtClean="0">
+              <a:rPr lang="en-US" sz="2000" dirty="0">
                 <a:solidFill>
                   <a:schemeClr val="tx1"/>
                 </a:solidFill>
               </a:rPr>
               <a:t>MyGame.js</a:t>
             </a:r>
-            <a:endParaRPr lang="en-US" sz="2000" dirty="0">
-              <a:solidFill>
-                <a:schemeClr val="tx1"/>
-              </a:solidFill>
-            </a:endParaRPr>
           </a:p>
         </p:txBody>
       </p:sp>
@@ -19705,13 +18761,6 @@
   <p:clrMapOvr>
     <a:masterClrMapping/>
   </p:clrMapOvr>
-  <p:timing>
-    <p:tnLst>
-      <p:par>
-        <p:cTn id="1" dur="indefinite" restart="never" nodeType="tmRoot"/>
-      </p:par>
-    </p:tnLst>
-  </p:timing>
 </p:sld>
 </file>
 
@@ -19748,18 +18797,17 @@
           <a:lstStyle/>
           <a:p>
             <a:r>
-              <a:rPr lang="en-US" dirty="0" smtClean="0"/>
+              <a:rPr lang="en-US" dirty="0"/>
               <a:t>3.1: Testing the </a:t>
             </a:r>
             <a:r>
-              <a:rPr lang="en-US" dirty="0" err="1" smtClean="0"/>
+              <a:rPr lang="en-US" dirty="0" err="1"/>
               <a:t>Renderable</a:t>
             </a:r>
             <a:r>
-              <a:rPr lang="en-US" dirty="0" smtClean="0"/>
+              <a:rPr lang="en-US" dirty="0"/>
               <a:t> Object</a:t>
             </a:r>
-            <a:endParaRPr lang="en-US" dirty="0"/>
           </a:p>
         </p:txBody>
       </p:sp>
@@ -19851,18 +18899,13 @@
           <a:p>
             <a:pPr algn="ctr"/>
             <a:r>
-              <a:rPr lang="en-US" sz="2000" dirty="0" smtClean="0">
+              <a:rPr lang="en-US" sz="2000" dirty="0">
                 <a:solidFill>
                   <a:schemeClr val="tx1"/>
                 </a:solidFill>
               </a:rPr>
               <a:t>MyGame.js</a:t>
             </a:r>
-            <a:endParaRPr lang="en-US" sz="2000" dirty="0">
-              <a:solidFill>
-                <a:schemeClr val="tx1"/>
-              </a:solidFill>
-            </a:endParaRPr>
           </a:p>
         </p:txBody>
       </p:sp>
@@ -19912,10 +18955,9 @@
           <a:lstStyle/>
           <a:p>
             <a:r>
-              <a:rPr lang="en-US" dirty="0" smtClean="0"/>
+              <a:rPr lang="en-US" dirty="0"/>
               <a:t>Chapter 3: Learned?</a:t>
             </a:r>
-            <a:endParaRPr lang="en-US" dirty="0"/>
           </a:p>
         </p:txBody>
       </p:sp>
@@ -19936,38 +18978,37 @@
           <a:p>
             <a:pPr lvl="0"/>
             <a:r>
-              <a:rPr lang="en-US" dirty="0" smtClean="0"/>
+              <a:rPr lang="en-US" dirty="0"/>
               <a:t>Transformation and drawing of objects</a:t>
             </a:r>
           </a:p>
           <a:p>
             <a:pPr lvl="0"/>
             <a:r>
-              <a:rPr lang="en-US" dirty="0" smtClean="0"/>
+              <a:rPr lang="en-US" dirty="0"/>
               <a:t>Coordinate system: </a:t>
             </a:r>
           </a:p>
           <a:p>
             <a:pPr lvl="1"/>
             <a:r>
-              <a:rPr lang="en-US" dirty="0" smtClean="0"/>
+              <a:rPr lang="en-US" dirty="0"/>
               <a:t>World space </a:t>
             </a:r>
           </a:p>
           <a:p>
             <a:pPr lvl="1"/>
             <a:r>
-              <a:rPr lang="en-US" dirty="0" smtClean="0"/>
+              <a:rPr lang="en-US" dirty="0"/>
               <a:t>Camera: where to draw from</a:t>
             </a:r>
           </a:p>
           <a:p>
             <a:pPr lvl="0"/>
             <a:r>
-              <a:rPr lang="en-US" dirty="0" smtClean="0"/>
+              <a:rPr lang="en-US" dirty="0"/>
               <a:t>Viewports: where to draw to</a:t>
             </a:r>
-            <a:endParaRPr lang="en-US" dirty="0"/>
           </a:p>
         </p:txBody>
       </p:sp>
@@ -19981,13 +19022,6 @@
   <p:clrMapOvr>
     <a:masterClrMapping/>
   </p:clrMapOvr>
-  <p:timing>
-    <p:tnLst>
-      <p:par>
-        <p:cTn id="1" dur="indefinite" restart="never" nodeType="tmRoot"/>
-      </p:par>
-    </p:tnLst>
-  </p:timing>
 </p:sld>
 </file>
 
@@ -20024,10 +19058,9 @@
           <a:lstStyle/>
           <a:p>
             <a:r>
-              <a:rPr lang="en-US" dirty="0" smtClean="0"/>
+              <a:rPr lang="en-US" dirty="0"/>
               <a:t>The Game Engine with UI</a:t>
             </a:r>
-            <a:endParaRPr lang="en-US" dirty="0"/>
           </a:p>
         </p:txBody>
       </p:sp>
@@ -20047,20 +19080,10 @@
           <a:lstStyle/>
           <a:p>
             <a:r>
-              <a:rPr lang="en-US" u="sng" dirty="0">
+              <a:rPr lang="en-US">
                 <a:hlinkClick r:id="rId2"/>
               </a:rPr>
-              <a:t>http://</a:t>
-            </a:r>
-            <a:r>
-              <a:rPr lang="en-US" u="sng" dirty="0" smtClean="0">
-                <a:hlinkClick r:id="rId2"/>
-              </a:rPr>
-              <a:t>faculty.washington.edu/ksung/2DGameEngine/GameEngineGUI/index.html</a:t>
-            </a:r>
-            <a:r>
-              <a:rPr lang="en-US" u="sng" dirty="0" smtClean="0"/>
-              <a:t> </a:t>
+              <a:t>https://gamethemedgroup.github.io/GTCS-GameEngine/AdditionalMaterials/2016.8.GameEngineGUI/index.html</a:t>
             </a:r>
             <a:endParaRPr lang="en-US" dirty="0"/>
           </a:p>
